--- a/Images/SI11.pptx
+++ b/Images/SI11.pptx
@@ -197,7 +197,7 @@
           <a:p>
             <a:fld id="{DC40427D-09B2-479E-BE2F-F1C9B7D308F4}" type="datetimeFigureOut">
               <a:rPr lang="en-US" smtClean="0"/>
-              <a:t>10/25/2021</a:t>
+              <a:t>10/26/2021</a:t>
             </a:fld>
             <a:endParaRPr lang="en-US"/>
           </a:p>
@@ -713,7 +713,7 @@
           <a:p>
             <a:fld id="{B2C42CBD-EDEC-463A-9192-0B8850A40619}" type="datetimeFigureOut">
               <a:rPr lang="en-US" smtClean="0"/>
-              <a:t>10/25/2021</a:t>
+              <a:t>10/26/2021</a:t>
             </a:fld>
             <a:endParaRPr lang="en-US"/>
           </a:p>
@@ -883,7 +883,7 @@
           <a:p>
             <a:fld id="{B2C42CBD-EDEC-463A-9192-0B8850A40619}" type="datetimeFigureOut">
               <a:rPr lang="en-US" smtClean="0"/>
-              <a:t>10/25/2021</a:t>
+              <a:t>10/26/2021</a:t>
             </a:fld>
             <a:endParaRPr lang="en-US"/>
           </a:p>
@@ -1063,7 +1063,7 @@
           <a:p>
             <a:fld id="{B2C42CBD-EDEC-463A-9192-0B8850A40619}" type="datetimeFigureOut">
               <a:rPr lang="en-US" smtClean="0"/>
-              <a:t>10/25/2021</a:t>
+              <a:t>10/26/2021</a:t>
             </a:fld>
             <a:endParaRPr lang="en-US"/>
           </a:p>
@@ -1233,7 +1233,7 @@
           <a:p>
             <a:fld id="{B2C42CBD-EDEC-463A-9192-0B8850A40619}" type="datetimeFigureOut">
               <a:rPr lang="en-US" smtClean="0"/>
-              <a:t>10/25/2021</a:t>
+              <a:t>10/26/2021</a:t>
             </a:fld>
             <a:endParaRPr lang="en-US"/>
           </a:p>
@@ -1477,7 +1477,7 @@
           <a:p>
             <a:fld id="{B2C42CBD-EDEC-463A-9192-0B8850A40619}" type="datetimeFigureOut">
               <a:rPr lang="en-US" smtClean="0"/>
-              <a:t>10/25/2021</a:t>
+              <a:t>10/26/2021</a:t>
             </a:fld>
             <a:endParaRPr lang="en-US"/>
           </a:p>
@@ -1709,7 +1709,7 @@
           <a:p>
             <a:fld id="{B2C42CBD-EDEC-463A-9192-0B8850A40619}" type="datetimeFigureOut">
               <a:rPr lang="en-US" smtClean="0"/>
-              <a:t>10/25/2021</a:t>
+              <a:t>10/26/2021</a:t>
             </a:fld>
             <a:endParaRPr lang="en-US"/>
           </a:p>
@@ -2076,7 +2076,7 @@
           <a:p>
             <a:fld id="{B2C42CBD-EDEC-463A-9192-0B8850A40619}" type="datetimeFigureOut">
               <a:rPr lang="en-US" smtClean="0"/>
-              <a:t>10/25/2021</a:t>
+              <a:t>10/26/2021</a:t>
             </a:fld>
             <a:endParaRPr lang="en-US"/>
           </a:p>
@@ -2194,7 +2194,7 @@
           <a:p>
             <a:fld id="{B2C42CBD-EDEC-463A-9192-0B8850A40619}" type="datetimeFigureOut">
               <a:rPr lang="en-US" smtClean="0"/>
-              <a:t>10/25/2021</a:t>
+              <a:t>10/26/2021</a:t>
             </a:fld>
             <a:endParaRPr lang="en-US"/>
           </a:p>
@@ -2289,7 +2289,7 @@
           <a:p>
             <a:fld id="{B2C42CBD-EDEC-463A-9192-0B8850A40619}" type="datetimeFigureOut">
               <a:rPr lang="en-US" smtClean="0"/>
-              <a:t>10/25/2021</a:t>
+              <a:t>10/26/2021</a:t>
             </a:fld>
             <a:endParaRPr lang="en-US"/>
           </a:p>
@@ -2566,7 +2566,7 @@
           <a:p>
             <a:fld id="{B2C42CBD-EDEC-463A-9192-0B8850A40619}" type="datetimeFigureOut">
               <a:rPr lang="en-US" smtClean="0"/>
-              <a:t>10/25/2021</a:t>
+              <a:t>10/26/2021</a:t>
             </a:fld>
             <a:endParaRPr lang="en-US"/>
           </a:p>
@@ -2823,7 +2823,7 @@
           <a:p>
             <a:fld id="{B2C42CBD-EDEC-463A-9192-0B8850A40619}" type="datetimeFigureOut">
               <a:rPr lang="en-US" smtClean="0"/>
-              <a:t>10/25/2021</a:t>
+              <a:t>10/26/2021</a:t>
             </a:fld>
             <a:endParaRPr lang="en-US"/>
           </a:p>
@@ -3036,7 +3036,7 @@
           <a:p>
             <a:fld id="{B2C42CBD-EDEC-463A-9192-0B8850A40619}" type="datetimeFigureOut">
               <a:rPr lang="en-US" smtClean="0"/>
-              <a:t>10/25/2021</a:t>
+              <a:t>10/26/2021</a:t>
             </a:fld>
             <a:endParaRPr lang="en-US"/>
           </a:p>
@@ -4310,10 +4310,7 @@
               <a:avLst/>
             </a:prstGeom>
             <a:solidFill>
-              <a:schemeClr val="accent6">
-                <a:lumMod val="60000"/>
-                <a:lumOff val="40000"/>
-              </a:schemeClr>
+              <a:srgbClr val="E8718C"/>
             </a:solidFill>
           </p:spPr>
           <p:style>
@@ -4362,10 +4359,7 @@
               <a:avLst/>
             </a:prstGeom>
             <a:solidFill>
-              <a:schemeClr val="accent6">
-                <a:lumMod val="60000"/>
-                <a:lumOff val="40000"/>
-              </a:schemeClr>
+              <a:srgbClr val="E8718C"/>
             </a:solidFill>
           </p:spPr>
           <p:style>
@@ -4389,7 +4383,7 @@
             <a:lstStyle/>
             <a:p>
               <a:pPr algn="ctr"/>
-              <a:endParaRPr lang="en-US" sz="1801"/>
+              <a:endParaRPr lang="en-US" sz="1801" dirty="0"/>
             </a:p>
           </p:txBody>
         </p:sp>
@@ -5100,10 +5094,7 @@
             <a:avLst/>
           </a:prstGeom>
           <a:solidFill>
-            <a:schemeClr val="accent6">
-              <a:lumMod val="60000"/>
-              <a:lumOff val="40000"/>
-            </a:schemeClr>
+            <a:srgbClr val="E8718C"/>
           </a:solidFill>
         </p:spPr>
         <p:style>
@@ -5152,10 +5143,7 @@
             <a:avLst/>
           </a:prstGeom>
           <a:solidFill>
-            <a:schemeClr val="accent6">
-              <a:lumMod val="60000"/>
-              <a:lumOff val="40000"/>
-            </a:schemeClr>
+            <a:srgbClr val="E8718C"/>
           </a:solidFill>
         </p:spPr>
         <p:style>
@@ -5204,10 +5192,7 @@
             <a:avLst/>
           </a:prstGeom>
           <a:solidFill>
-            <a:schemeClr val="accent6">
-              <a:lumMod val="60000"/>
-              <a:lumOff val="40000"/>
-            </a:schemeClr>
+            <a:srgbClr val="E8718C"/>
           </a:solidFill>
         </p:spPr>
         <p:style>
@@ -5473,10 +5458,7 @@
             <a:avLst/>
           </a:prstGeom>
           <a:solidFill>
-            <a:schemeClr val="accent6">
-              <a:lumMod val="60000"/>
-              <a:lumOff val="40000"/>
-            </a:schemeClr>
+            <a:srgbClr val="E8718C"/>
           </a:solidFill>
         </p:spPr>
         <p:style>
@@ -5525,10 +5507,7 @@
             <a:avLst/>
           </a:prstGeom>
           <a:solidFill>
-            <a:schemeClr val="accent6">
-              <a:lumMod val="60000"/>
-              <a:lumOff val="40000"/>
-            </a:schemeClr>
+            <a:srgbClr val="E8718C"/>
           </a:solidFill>
         </p:spPr>
         <p:style>
@@ -5577,10 +5556,7 @@
             <a:avLst/>
           </a:prstGeom>
           <a:solidFill>
-            <a:schemeClr val="accent6">
-              <a:lumMod val="60000"/>
-              <a:lumOff val="40000"/>
-            </a:schemeClr>
+            <a:srgbClr val="E8718C"/>
           </a:solidFill>
         </p:spPr>
         <p:style>
@@ -5847,10 +5823,7 @@
             <a:avLst/>
           </a:prstGeom>
           <a:solidFill>
-            <a:schemeClr val="accent6">
-              <a:lumMod val="60000"/>
-              <a:lumOff val="40000"/>
-            </a:schemeClr>
+            <a:srgbClr val="E8718C"/>
           </a:solidFill>
         </p:spPr>
         <p:style>
@@ -5899,10 +5872,7 @@
             <a:avLst/>
           </a:prstGeom>
           <a:solidFill>
-            <a:schemeClr val="accent6">
-              <a:lumMod val="60000"/>
-              <a:lumOff val="40000"/>
-            </a:schemeClr>
+            <a:srgbClr val="E8718C"/>
           </a:solidFill>
         </p:spPr>
         <p:style>
@@ -5951,10 +5921,7 @@
             <a:avLst/>
           </a:prstGeom>
           <a:solidFill>
-            <a:schemeClr val="accent6">
-              <a:lumMod val="60000"/>
-              <a:lumOff val="40000"/>
-            </a:schemeClr>
+            <a:srgbClr val="E8718C"/>
           </a:solidFill>
         </p:spPr>
         <p:style>
@@ -6101,10 +6068,7 @@
             <a:avLst/>
           </a:prstGeom>
           <a:solidFill>
-            <a:schemeClr val="accent6">
-              <a:lumMod val="60000"/>
-              <a:lumOff val="40000"/>
-            </a:schemeClr>
+            <a:srgbClr val="E8718C"/>
           </a:solidFill>
         </p:spPr>
         <p:style>
@@ -6153,10 +6117,7 @@
             <a:avLst/>
           </a:prstGeom>
           <a:solidFill>
-            <a:schemeClr val="accent6">
-              <a:lumMod val="60000"/>
-              <a:lumOff val="40000"/>
-            </a:schemeClr>
+            <a:srgbClr val="E8718C"/>
           </a:solidFill>
         </p:spPr>
         <p:style>
@@ -6205,10 +6166,7 @@
             <a:avLst/>
           </a:prstGeom>
           <a:solidFill>
-            <a:schemeClr val="accent6">
-              <a:lumMod val="60000"/>
-              <a:lumOff val="40000"/>
-            </a:schemeClr>
+            <a:srgbClr val="E8718C"/>
           </a:solidFill>
         </p:spPr>
         <p:style>
@@ -6457,284 +6415,6 @@
           </a:fontRef>
         </p:style>
       </p:cxnSp>
-      <p:grpSp>
-        <p:nvGrpSpPr>
-          <p:cNvPr id="160" name="Group 159">
-            <a:extLst>
-              <a:ext uri="{FF2B5EF4-FFF2-40B4-BE49-F238E27FC236}">
-                <a16:creationId xmlns:a16="http://schemas.microsoft.com/office/drawing/2014/main" id="{1513EE24-0F49-4E81-A0FF-9C785C4CAF84}"/>
-              </a:ext>
-            </a:extLst>
-          </p:cNvPr>
-          <p:cNvGrpSpPr/>
-          <p:nvPr/>
-        </p:nvGrpSpPr>
-        <p:grpSpPr>
-          <a:xfrm>
-            <a:off x="75340" y="9899645"/>
-            <a:ext cx="3834763" cy="2664267"/>
-            <a:chOff x="704487" y="3736015"/>
-            <a:chExt cx="4225996" cy="2973280"/>
-          </a:xfrm>
-        </p:grpSpPr>
-        <p:pic>
-          <p:nvPicPr>
-            <p:cNvPr id="161" name="Picture 2">
-              <a:extLst>
-                <a:ext uri="{FF2B5EF4-FFF2-40B4-BE49-F238E27FC236}">
-                  <a16:creationId xmlns:a16="http://schemas.microsoft.com/office/drawing/2014/main" id="{B9908BEF-1F04-4A3F-B83C-4371180082E2}"/>
-                </a:ext>
-              </a:extLst>
-            </p:cNvPr>
-            <p:cNvPicPr>
-              <a:picLocks noChangeAspect="1" noChangeArrowheads="1"/>
-            </p:cNvPicPr>
-            <p:nvPr/>
-          </p:nvPicPr>
-          <p:blipFill>
-            <a:blip r:embed="rId6">
-              <a:extLst>
-                <a:ext uri="{28A0092B-C50C-407E-A947-70E740481C1C}">
-                  <a14:useLocalDpi xmlns:a14="http://schemas.microsoft.com/office/drawing/2010/main" val="0"/>
-                </a:ext>
-              </a:extLst>
-            </a:blip>
-            <a:srcRect/>
-            <a:stretch>
-              <a:fillRect/>
-            </a:stretch>
-          </p:blipFill>
-          <p:spPr bwMode="auto">
-            <a:xfrm>
-              <a:off x="765196" y="3736015"/>
-              <a:ext cx="4165287" cy="2862057"/>
-            </a:xfrm>
-            <a:prstGeom prst="rect">
-              <a:avLst/>
-            </a:prstGeom>
-            <a:noFill/>
-            <a:extLst>
-              <a:ext uri="{909E8E84-426E-40DD-AFC4-6F175D3DCCD1}">
-                <a14:hiddenFill xmlns:a14="http://schemas.microsoft.com/office/drawing/2010/main">
-                  <a:solidFill>
-                    <a:srgbClr val="FFFFFF"/>
-                  </a:solidFill>
-                </a14:hiddenFill>
-              </a:ext>
-            </a:extLst>
-          </p:spPr>
-        </p:pic>
-        <p:sp>
-          <p:nvSpPr>
-            <p:cNvPr id="162" name="TextBox 161">
-              <a:extLst>
-                <a:ext uri="{FF2B5EF4-FFF2-40B4-BE49-F238E27FC236}">
-                  <a16:creationId xmlns:a16="http://schemas.microsoft.com/office/drawing/2014/main" id="{A9426960-547B-4F47-94A6-CD915EFD881D}"/>
-                </a:ext>
-              </a:extLst>
-            </p:cNvPr>
-            <p:cNvSpPr txBox="1"/>
-            <p:nvPr/>
-          </p:nvSpPr>
-          <p:spPr>
-            <a:xfrm>
-              <a:off x="2770473" y="6458585"/>
-              <a:ext cx="524503" cy="250710"/>
-            </a:xfrm>
-            <a:prstGeom prst="rect">
-              <a:avLst/>
-            </a:prstGeom>
-            <a:solidFill>
-              <a:schemeClr val="bg1"/>
-            </a:solidFill>
-          </p:spPr>
-          <p:txBody>
-            <a:bodyPr wrap="none" rtlCol="0">
-              <a:spAutoFit/>
-            </a:bodyPr>
-            <a:lstStyle/>
-            <a:p>
-              <a:r>
-                <a:rPr lang="en-US" sz="1029" dirty="0">
-                  <a:latin typeface="Times New Roman" panose="02020603050405020304" pitchFamily="18" charset="0"/>
-                  <a:cs typeface="Times New Roman" panose="02020603050405020304" pitchFamily="18" charset="0"/>
-                </a:rPr>
-                <a:t>log </a:t>
-              </a:r>
-              <a:r>
-                <a:rPr lang="en-US" sz="1029" dirty="0">
-                  <a:latin typeface="Times New Roman" panose="02020603050405020304" pitchFamily="18" charset="0"/>
-                  <a:ea typeface="Calibri" panose="020F0502020204030204" pitchFamily="34" charset="0"/>
-                  <a:cs typeface="Times New Roman" panose="02020603050405020304" pitchFamily="18" charset="0"/>
-                </a:rPr>
-                <a:t>K</a:t>
-              </a:r>
-              <a:r>
-                <a:rPr lang="en-US" sz="1029" baseline="-25000" dirty="0">
-                  <a:latin typeface="Times New Roman" panose="02020603050405020304" pitchFamily="18" charset="0"/>
-                  <a:ea typeface="Calibri" panose="020F0502020204030204" pitchFamily="34" charset="0"/>
-                  <a:cs typeface="Times New Roman" panose="02020603050405020304" pitchFamily="18" charset="0"/>
-                </a:rPr>
-                <a:t>d</a:t>
-              </a:r>
-              <a:endParaRPr lang="en-US" sz="1029" dirty="0">
-                <a:latin typeface="Times New Roman" panose="02020603050405020304" pitchFamily="18" charset="0"/>
-                <a:cs typeface="Times New Roman" panose="02020603050405020304" pitchFamily="18" charset="0"/>
-              </a:endParaRPr>
-            </a:p>
-          </p:txBody>
-        </p:sp>
-        <p:sp>
-          <p:nvSpPr>
-            <p:cNvPr id="163" name="TextBox 162">
-              <a:extLst>
-                <a:ext uri="{FF2B5EF4-FFF2-40B4-BE49-F238E27FC236}">
-                  <a16:creationId xmlns:a16="http://schemas.microsoft.com/office/drawing/2014/main" id="{62834712-DC5D-45F4-A859-378865DEEEA1}"/>
-                </a:ext>
-              </a:extLst>
-            </p:cNvPr>
-            <p:cNvSpPr txBox="1"/>
-            <p:nvPr/>
-          </p:nvSpPr>
-          <p:spPr>
-            <a:xfrm rot="16200000">
-              <a:off x="609269" y="4913629"/>
-              <a:ext cx="441146" cy="250710"/>
-            </a:xfrm>
-            <a:prstGeom prst="rect">
-              <a:avLst/>
-            </a:prstGeom>
-            <a:solidFill>
-              <a:schemeClr val="bg1"/>
-            </a:solidFill>
-          </p:spPr>
-          <p:txBody>
-            <a:bodyPr wrap="none" rtlCol="0">
-              <a:spAutoFit/>
-            </a:bodyPr>
-            <a:lstStyle/>
-            <a:p>
-              <a:r>
-                <a:rPr lang="en-US" sz="1029" dirty="0">
-                  <a:latin typeface="Times New Roman" panose="02020603050405020304" pitchFamily="18" charset="0"/>
-                  <a:cs typeface="Times New Roman" panose="02020603050405020304" pitchFamily="18" charset="0"/>
-                </a:rPr>
-                <a:t>CDF</a:t>
-              </a:r>
-            </a:p>
-          </p:txBody>
-        </p:sp>
-        <p:sp>
-          <p:nvSpPr>
-            <p:cNvPr id="164" name="TextBox 163">
-              <a:extLst>
-                <a:ext uri="{FF2B5EF4-FFF2-40B4-BE49-F238E27FC236}">
-                  <a16:creationId xmlns:a16="http://schemas.microsoft.com/office/drawing/2014/main" id="{A1B38AE2-7C4F-45DE-BA79-B97E12658118}"/>
-                </a:ext>
-              </a:extLst>
-            </p:cNvPr>
-            <p:cNvSpPr txBox="1"/>
-            <p:nvPr/>
-          </p:nvSpPr>
-          <p:spPr>
-            <a:xfrm>
-              <a:off x="3326635" y="6037648"/>
-              <a:ext cx="628698" cy="223972"/>
-            </a:xfrm>
-            <a:prstGeom prst="rect">
-              <a:avLst/>
-            </a:prstGeom>
-            <a:noFill/>
-          </p:spPr>
-          <p:txBody>
-            <a:bodyPr wrap="none" rtlCol="0">
-              <a:spAutoFit/>
-            </a:bodyPr>
-            <a:lstStyle/>
-            <a:p>
-              <a:pPr>
-                <a:lnSpc>
-                  <a:spcPct val="107000"/>
-                </a:lnSpc>
-                <a:spcAft>
-                  <a:spcPts val="1371"/>
-                </a:spcAft>
-              </a:pPr>
-              <a:r>
-                <a:rPr lang="en-US" sz="857" dirty="0">
-                  <a:latin typeface="Times New Roman" panose="02020603050405020304" pitchFamily="18" charset="0"/>
-                  <a:ea typeface="Calibri" panose="020F0502020204030204" pitchFamily="34" charset="0"/>
-                  <a:cs typeface="Times New Roman" panose="02020603050405020304" pitchFamily="18" charset="0"/>
-                </a:rPr>
-                <a:t>Threshold</a:t>
-              </a:r>
-            </a:p>
-          </p:txBody>
-        </p:sp>
-        <p:sp>
-          <p:nvSpPr>
-            <p:cNvPr id="166" name="TextBox 165">
-              <a:extLst>
-                <a:ext uri="{FF2B5EF4-FFF2-40B4-BE49-F238E27FC236}">
-                  <a16:creationId xmlns:a16="http://schemas.microsoft.com/office/drawing/2014/main" id="{F7E78E51-21E4-4A41-ADF5-0021BE26DB10}"/>
-                </a:ext>
-              </a:extLst>
-            </p:cNvPr>
-            <p:cNvSpPr txBox="1"/>
-            <p:nvPr/>
-          </p:nvSpPr>
-          <p:spPr>
-            <a:xfrm>
-              <a:off x="1136554" y="5528676"/>
-              <a:ext cx="668773" cy="223972"/>
-            </a:xfrm>
-            <a:prstGeom prst="rect">
-              <a:avLst/>
-            </a:prstGeom>
-            <a:noFill/>
-          </p:spPr>
-          <p:txBody>
-            <a:bodyPr wrap="none" rtlCol="0">
-              <a:spAutoFit/>
-            </a:bodyPr>
-            <a:lstStyle/>
-            <a:p>
-              <a:pPr>
-                <a:lnSpc>
-                  <a:spcPct val="107000"/>
-                </a:lnSpc>
-                <a:spcAft>
-                  <a:spcPts val="686"/>
-                </a:spcAft>
-              </a:pPr>
-              <a:r>
-                <a:rPr lang="en-US" sz="857" dirty="0">
-                  <a:latin typeface="Times New Roman" panose="02020603050405020304" pitchFamily="18" charset="0"/>
-                  <a:ea typeface="Calibri" panose="020F0502020204030204" pitchFamily="34" charset="0"/>
-                  <a:cs typeface="Times New Roman" panose="02020603050405020304" pitchFamily="18" charset="0"/>
-                </a:rPr>
-                <a:t>p</a:t>
-              </a:r>
-              <a:r>
-                <a:rPr lang="en-US" sz="857" baseline="-25000" dirty="0">
-                  <a:latin typeface="Times New Roman" panose="02020603050405020304" pitchFamily="18" charset="0"/>
-                  <a:ea typeface="Calibri" panose="020F0502020204030204" pitchFamily="34" charset="0"/>
-                  <a:cs typeface="Times New Roman" panose="02020603050405020304" pitchFamily="18" charset="0"/>
-                </a:rPr>
-                <a:t>bind </a:t>
-              </a:r>
-              <a:r>
-                <a:rPr lang="en-US" sz="857" dirty="0">
-                  <a:latin typeface="Times New Roman" panose="02020603050405020304" pitchFamily="18" charset="0"/>
-                  <a:ea typeface="Calibri" panose="020F0502020204030204" pitchFamily="34" charset="0"/>
-                  <a:cs typeface="Times New Roman" panose="02020603050405020304" pitchFamily="18" charset="0"/>
-                </a:rPr>
-                <a:t>= 0.16</a:t>
-              </a:r>
-            </a:p>
-          </p:txBody>
-        </p:sp>
-      </p:grpSp>
       <p:sp>
         <p:nvSpPr>
           <p:cNvPr id="168" name="TextBox 167">
@@ -7663,7 +7343,7 @@
           <p:nvPr/>
         </p:nvPicPr>
         <p:blipFill>
-          <a:blip r:embed="rId7"/>
+          <a:blip r:embed="rId6"/>
           <a:stretch>
             <a:fillRect/>
           </a:stretch>
@@ -7957,6 +7637,350 @@
               <a:latin typeface="Times New Roman" panose="02020603050405020304" pitchFamily="18" charset="0"/>
               <a:cs typeface="Times New Roman" panose="02020603050405020304" pitchFamily="18" charset="0"/>
             </a:endParaRPr>
+          </a:p>
+        </p:txBody>
+      </p:sp>
+      <p:pic>
+        <p:nvPicPr>
+          <p:cNvPr id="2" name="Picture 2">
+            <a:extLst>
+              <a:ext uri="{FF2B5EF4-FFF2-40B4-BE49-F238E27FC236}">
+                <a16:creationId xmlns:a16="http://schemas.microsoft.com/office/drawing/2014/main" id="{66D6F38D-5328-45D7-85AB-4AB7B66127DD}"/>
+              </a:ext>
+            </a:extLst>
+          </p:cNvPr>
+          <p:cNvPicPr>
+            <a:picLocks noChangeAspect="1" noChangeArrowheads="1"/>
+          </p:cNvPicPr>
+          <p:nvPr/>
+        </p:nvPicPr>
+        <p:blipFill>
+          <a:blip r:embed="rId7">
+            <a:extLst>
+              <a:ext uri="{28A0092B-C50C-407E-A947-70E740481C1C}">
+                <a14:useLocalDpi xmlns:a14="http://schemas.microsoft.com/office/drawing/2010/main" val="0"/>
+              </a:ext>
+            </a:extLst>
+          </a:blip>
+          <a:srcRect/>
+          <a:stretch>
+            <a:fillRect/>
+          </a:stretch>
+        </p:blipFill>
+        <p:spPr bwMode="auto">
+          <a:xfrm>
+            <a:off x="379357" y="9933877"/>
+            <a:ext cx="3287194" cy="2460937"/>
+          </a:xfrm>
+          <a:prstGeom prst="rect">
+            <a:avLst/>
+          </a:prstGeom>
+          <a:noFill/>
+          <a:extLst>
+            <a:ext uri="{909E8E84-426E-40DD-AFC4-6F175D3DCCD1}">
+              <a14:hiddenFill xmlns:a14="http://schemas.microsoft.com/office/drawing/2010/main">
+                <a:solidFill>
+                  <a:srgbClr val="FFFFFF"/>
+                </a:solidFill>
+              </a14:hiddenFill>
+            </a:ext>
+          </a:extLst>
+        </p:spPr>
+      </p:pic>
+      <p:sp>
+        <p:nvSpPr>
+          <p:cNvPr id="93" name="TextBox 92">
+            <a:extLst>
+              <a:ext uri="{FF2B5EF4-FFF2-40B4-BE49-F238E27FC236}">
+                <a16:creationId xmlns:a16="http://schemas.microsoft.com/office/drawing/2014/main" id="{050F72F5-4430-414A-9243-B09A520374F4}"/>
+              </a:ext>
+            </a:extLst>
+          </p:cNvPr>
+          <p:cNvSpPr txBox="1"/>
+          <p:nvPr/>
+        </p:nvSpPr>
+        <p:spPr>
+          <a:xfrm>
+            <a:off x="1874849" y="12233857"/>
+            <a:ext cx="475946" cy="224654"/>
+          </a:xfrm>
+          <a:prstGeom prst="rect">
+            <a:avLst/>
+          </a:prstGeom>
+          <a:solidFill>
+            <a:schemeClr val="bg1"/>
+          </a:solidFill>
+        </p:spPr>
+        <p:txBody>
+          <a:bodyPr wrap="none" rtlCol="0">
+            <a:spAutoFit/>
+          </a:bodyPr>
+          <a:lstStyle/>
+          <a:p>
+            <a:r>
+              <a:rPr lang="en-US" sz="1029" dirty="0">
+                <a:latin typeface="Times New Roman" panose="02020603050405020304" pitchFamily="18" charset="0"/>
+                <a:cs typeface="Times New Roman" panose="02020603050405020304" pitchFamily="18" charset="0"/>
+              </a:rPr>
+              <a:t>log </a:t>
+            </a:r>
+            <a:r>
+              <a:rPr lang="en-US" sz="1029" dirty="0">
+                <a:latin typeface="Times New Roman" panose="02020603050405020304" pitchFamily="18" charset="0"/>
+                <a:ea typeface="Calibri" panose="020F0502020204030204" pitchFamily="34" charset="0"/>
+                <a:cs typeface="Times New Roman" panose="02020603050405020304" pitchFamily="18" charset="0"/>
+              </a:rPr>
+              <a:t>K</a:t>
+            </a:r>
+            <a:r>
+              <a:rPr lang="en-US" sz="1029" baseline="-25000" dirty="0">
+                <a:latin typeface="Times New Roman" panose="02020603050405020304" pitchFamily="18" charset="0"/>
+                <a:ea typeface="Calibri" panose="020F0502020204030204" pitchFamily="34" charset="0"/>
+                <a:cs typeface="Times New Roman" panose="02020603050405020304" pitchFamily="18" charset="0"/>
+              </a:rPr>
+              <a:t>d</a:t>
+            </a:r>
+            <a:endParaRPr lang="en-US" sz="1029" dirty="0">
+              <a:latin typeface="Times New Roman" panose="02020603050405020304" pitchFamily="18" charset="0"/>
+              <a:cs typeface="Times New Roman" panose="02020603050405020304" pitchFamily="18" charset="0"/>
+            </a:endParaRPr>
+          </a:p>
+        </p:txBody>
+      </p:sp>
+      <p:sp>
+        <p:nvSpPr>
+          <p:cNvPr id="94" name="TextBox 93">
+            <a:extLst>
+              <a:ext uri="{FF2B5EF4-FFF2-40B4-BE49-F238E27FC236}">
+                <a16:creationId xmlns:a16="http://schemas.microsoft.com/office/drawing/2014/main" id="{C64771CC-6FB1-4076-B022-5A4366C93B5A}"/>
+              </a:ext>
+            </a:extLst>
+          </p:cNvPr>
+          <p:cNvSpPr txBox="1"/>
+          <p:nvPr/>
+        </p:nvSpPr>
+        <p:spPr>
+          <a:xfrm rot="16200000">
+            <a:off x="201079" y="10947577"/>
+            <a:ext cx="395298" cy="227500"/>
+          </a:xfrm>
+          <a:prstGeom prst="rect">
+            <a:avLst/>
+          </a:prstGeom>
+          <a:solidFill>
+            <a:schemeClr val="bg1"/>
+          </a:solidFill>
+        </p:spPr>
+        <p:txBody>
+          <a:bodyPr wrap="none" rtlCol="0">
+            <a:spAutoFit/>
+          </a:bodyPr>
+          <a:lstStyle/>
+          <a:p>
+            <a:r>
+              <a:rPr lang="en-US" sz="1029" dirty="0">
+                <a:latin typeface="Times New Roman" panose="02020603050405020304" pitchFamily="18" charset="0"/>
+                <a:cs typeface="Times New Roman" panose="02020603050405020304" pitchFamily="18" charset="0"/>
+              </a:rPr>
+              <a:t>CDF</a:t>
+            </a:r>
+          </a:p>
+        </p:txBody>
+      </p:sp>
+      <p:sp>
+        <p:nvSpPr>
+          <p:cNvPr id="95" name="TextBox 94">
+            <a:extLst>
+              <a:ext uri="{FF2B5EF4-FFF2-40B4-BE49-F238E27FC236}">
+                <a16:creationId xmlns:a16="http://schemas.microsoft.com/office/drawing/2014/main" id="{AABC376D-E762-4D92-9EA7-D83059BE8ABD}"/>
+              </a:ext>
+            </a:extLst>
+          </p:cNvPr>
+          <p:cNvSpPr txBox="1"/>
+          <p:nvPr/>
+        </p:nvSpPr>
+        <p:spPr>
+          <a:xfrm>
+            <a:off x="1737706" y="11936851"/>
+            <a:ext cx="570495" cy="200695"/>
+          </a:xfrm>
+          <a:prstGeom prst="rect">
+            <a:avLst/>
+          </a:prstGeom>
+          <a:noFill/>
+        </p:spPr>
+        <p:txBody>
+          <a:bodyPr wrap="none" rtlCol="0">
+            <a:spAutoFit/>
+          </a:bodyPr>
+          <a:lstStyle/>
+          <a:p>
+            <a:pPr>
+              <a:lnSpc>
+                <a:spcPct val="107000"/>
+              </a:lnSpc>
+              <a:spcAft>
+                <a:spcPts val="1371"/>
+              </a:spcAft>
+            </a:pPr>
+            <a:r>
+              <a:rPr lang="en-US" sz="857" dirty="0">
+                <a:latin typeface="Times New Roman" panose="02020603050405020304" pitchFamily="18" charset="0"/>
+                <a:ea typeface="Calibri" panose="020F0502020204030204" pitchFamily="34" charset="0"/>
+                <a:cs typeface="Times New Roman" panose="02020603050405020304" pitchFamily="18" charset="0"/>
+              </a:rPr>
+              <a:t>Threshold</a:t>
+            </a:r>
+          </a:p>
+        </p:txBody>
+      </p:sp>
+      <p:sp>
+        <p:nvSpPr>
+          <p:cNvPr id="96" name="TextBox 95">
+            <a:extLst>
+              <a:ext uri="{FF2B5EF4-FFF2-40B4-BE49-F238E27FC236}">
+                <a16:creationId xmlns:a16="http://schemas.microsoft.com/office/drawing/2014/main" id="{382E5042-D0E5-4CDD-99CE-4B5A0553C839}"/>
+              </a:ext>
+            </a:extLst>
+          </p:cNvPr>
+          <p:cNvSpPr txBox="1"/>
+          <p:nvPr/>
+        </p:nvSpPr>
+        <p:spPr>
+          <a:xfrm>
+            <a:off x="651379" y="11479254"/>
+            <a:ext cx="606859" cy="200695"/>
+          </a:xfrm>
+          <a:prstGeom prst="rect">
+            <a:avLst/>
+          </a:prstGeom>
+          <a:noFill/>
+        </p:spPr>
+        <p:txBody>
+          <a:bodyPr wrap="none" rtlCol="0">
+            <a:spAutoFit/>
+          </a:bodyPr>
+          <a:lstStyle/>
+          <a:p>
+            <a:pPr>
+              <a:lnSpc>
+                <a:spcPct val="107000"/>
+              </a:lnSpc>
+              <a:spcAft>
+                <a:spcPts val="686"/>
+              </a:spcAft>
+            </a:pPr>
+            <a:r>
+              <a:rPr lang="en-US" sz="857" dirty="0">
+                <a:latin typeface="Times New Roman" panose="02020603050405020304" pitchFamily="18" charset="0"/>
+                <a:ea typeface="Calibri" panose="020F0502020204030204" pitchFamily="34" charset="0"/>
+                <a:cs typeface="Times New Roman" panose="02020603050405020304" pitchFamily="18" charset="0"/>
+              </a:rPr>
+              <a:t>p</a:t>
+            </a:r>
+            <a:r>
+              <a:rPr lang="en-US" sz="857" baseline="-25000" dirty="0">
+                <a:latin typeface="Times New Roman" panose="02020603050405020304" pitchFamily="18" charset="0"/>
+                <a:ea typeface="Calibri" panose="020F0502020204030204" pitchFamily="34" charset="0"/>
+                <a:cs typeface="Times New Roman" panose="02020603050405020304" pitchFamily="18" charset="0"/>
+              </a:rPr>
+              <a:t>bind </a:t>
+            </a:r>
+            <a:r>
+              <a:rPr lang="en-US" sz="857" dirty="0">
+                <a:latin typeface="Times New Roman" panose="02020603050405020304" pitchFamily="18" charset="0"/>
+                <a:ea typeface="Calibri" panose="020F0502020204030204" pitchFamily="34" charset="0"/>
+                <a:cs typeface="Times New Roman" panose="02020603050405020304" pitchFamily="18" charset="0"/>
+              </a:rPr>
+              <a:t>= 0.16</a:t>
+            </a:r>
+          </a:p>
+        </p:txBody>
+      </p:sp>
+      <p:sp>
+        <p:nvSpPr>
+          <p:cNvPr id="97" name="TextBox 96">
+            <a:extLst>
+              <a:ext uri="{FF2B5EF4-FFF2-40B4-BE49-F238E27FC236}">
+                <a16:creationId xmlns:a16="http://schemas.microsoft.com/office/drawing/2014/main" id="{2ACE3068-CC5E-4568-9B48-03E97434DA34}"/>
+              </a:ext>
+            </a:extLst>
+          </p:cNvPr>
+          <p:cNvSpPr txBox="1"/>
+          <p:nvPr/>
+        </p:nvSpPr>
+        <p:spPr>
+          <a:xfrm>
+            <a:off x="9385335" y="8416053"/>
+            <a:ext cx="1265142" cy="307777"/>
+          </a:xfrm>
+          <a:prstGeom prst="rect">
+            <a:avLst/>
+          </a:prstGeom>
+          <a:noFill/>
+        </p:spPr>
+        <p:txBody>
+          <a:bodyPr wrap="square" rtlCol="0">
+            <a:spAutoFit/>
+          </a:bodyPr>
+          <a:lstStyle/>
+          <a:p>
+            <a:r>
+              <a:rPr lang="en-US" sz="1400" dirty="0">
+                <a:latin typeface="Times New Roman" panose="02020603050405020304" pitchFamily="18" charset="0"/>
+                <a:cs typeface="Times New Roman" panose="02020603050405020304" pitchFamily="18" charset="0"/>
+              </a:rPr>
+              <a:t>Protein target</a:t>
+            </a:r>
+          </a:p>
+        </p:txBody>
+      </p:sp>
+      <p:sp>
+        <p:nvSpPr>
+          <p:cNvPr id="99" name="Oval 98">
+            <a:extLst>
+              <a:ext uri="{FF2B5EF4-FFF2-40B4-BE49-F238E27FC236}">
+                <a16:creationId xmlns:a16="http://schemas.microsoft.com/office/drawing/2014/main" id="{83D4B71A-C8E7-48CC-8343-EE26FE60CE71}"/>
+              </a:ext>
+            </a:extLst>
+          </p:cNvPr>
+          <p:cNvSpPr/>
+          <p:nvPr/>
+        </p:nvSpPr>
+        <p:spPr>
+          <a:xfrm>
+            <a:off x="9166540" y="8443822"/>
+            <a:ext cx="224904" cy="211069"/>
+          </a:xfrm>
+          <a:prstGeom prst="ellipse">
+            <a:avLst/>
+          </a:prstGeom>
+          <a:solidFill>
+            <a:srgbClr val="E8718C"/>
+          </a:solidFill>
+        </p:spPr>
+        <p:style>
+          <a:lnRef idx="2">
+            <a:schemeClr val="accent1">
+              <a:shade val="50000"/>
+            </a:schemeClr>
+          </a:lnRef>
+          <a:fillRef idx="1">
+            <a:schemeClr val="accent1"/>
+          </a:fillRef>
+          <a:effectRef idx="0">
+            <a:schemeClr val="accent1"/>
+          </a:effectRef>
+          <a:fontRef idx="minor">
+            <a:schemeClr val="lt1"/>
+          </a:fontRef>
+        </p:style>
+        <p:txBody>
+          <a:bodyPr rtlCol="0" anchor="ctr"/>
+          <a:lstStyle/>
+          <a:p>
+            <a:pPr algn="ctr"/>
+            <a:endParaRPr lang="en-US" sz="1801" dirty="0"/>
           </a:p>
         </p:txBody>
       </p:sp>

--- a/Images/SI11.pptx
+++ b/Images/SI11.pptx
@@ -197,7 +197,7 @@
           <a:p>
             <a:fld id="{DC40427D-09B2-479E-BE2F-F1C9B7D308F4}" type="datetimeFigureOut">
               <a:rPr lang="en-US" smtClean="0"/>
-              <a:t>10/26/2021</a:t>
+              <a:t>10/27/2021</a:t>
             </a:fld>
             <a:endParaRPr lang="en-US"/>
           </a:p>
@@ -713,7 +713,7 @@
           <a:p>
             <a:fld id="{B2C42CBD-EDEC-463A-9192-0B8850A40619}" type="datetimeFigureOut">
               <a:rPr lang="en-US" smtClean="0"/>
-              <a:t>10/26/2021</a:t>
+              <a:t>10/27/2021</a:t>
             </a:fld>
             <a:endParaRPr lang="en-US"/>
           </a:p>
@@ -883,7 +883,7 @@
           <a:p>
             <a:fld id="{B2C42CBD-EDEC-463A-9192-0B8850A40619}" type="datetimeFigureOut">
               <a:rPr lang="en-US" smtClean="0"/>
-              <a:t>10/26/2021</a:t>
+              <a:t>10/27/2021</a:t>
             </a:fld>
             <a:endParaRPr lang="en-US"/>
           </a:p>
@@ -1063,7 +1063,7 @@
           <a:p>
             <a:fld id="{B2C42CBD-EDEC-463A-9192-0B8850A40619}" type="datetimeFigureOut">
               <a:rPr lang="en-US" smtClean="0"/>
-              <a:t>10/26/2021</a:t>
+              <a:t>10/27/2021</a:t>
             </a:fld>
             <a:endParaRPr lang="en-US"/>
           </a:p>
@@ -1233,7 +1233,7 @@
           <a:p>
             <a:fld id="{B2C42CBD-EDEC-463A-9192-0B8850A40619}" type="datetimeFigureOut">
               <a:rPr lang="en-US" smtClean="0"/>
-              <a:t>10/26/2021</a:t>
+              <a:t>10/27/2021</a:t>
             </a:fld>
             <a:endParaRPr lang="en-US"/>
           </a:p>
@@ -1477,7 +1477,7 @@
           <a:p>
             <a:fld id="{B2C42CBD-EDEC-463A-9192-0B8850A40619}" type="datetimeFigureOut">
               <a:rPr lang="en-US" smtClean="0"/>
-              <a:t>10/26/2021</a:t>
+              <a:t>10/27/2021</a:t>
             </a:fld>
             <a:endParaRPr lang="en-US"/>
           </a:p>
@@ -1709,7 +1709,7 @@
           <a:p>
             <a:fld id="{B2C42CBD-EDEC-463A-9192-0B8850A40619}" type="datetimeFigureOut">
               <a:rPr lang="en-US" smtClean="0"/>
-              <a:t>10/26/2021</a:t>
+              <a:t>10/27/2021</a:t>
             </a:fld>
             <a:endParaRPr lang="en-US"/>
           </a:p>
@@ -2076,7 +2076,7 @@
           <a:p>
             <a:fld id="{B2C42CBD-EDEC-463A-9192-0B8850A40619}" type="datetimeFigureOut">
               <a:rPr lang="en-US" smtClean="0"/>
-              <a:t>10/26/2021</a:t>
+              <a:t>10/27/2021</a:t>
             </a:fld>
             <a:endParaRPr lang="en-US"/>
           </a:p>
@@ -2194,7 +2194,7 @@
           <a:p>
             <a:fld id="{B2C42CBD-EDEC-463A-9192-0B8850A40619}" type="datetimeFigureOut">
               <a:rPr lang="en-US" smtClean="0"/>
-              <a:t>10/26/2021</a:t>
+              <a:t>10/27/2021</a:t>
             </a:fld>
             <a:endParaRPr lang="en-US"/>
           </a:p>
@@ -2289,7 +2289,7 @@
           <a:p>
             <a:fld id="{B2C42CBD-EDEC-463A-9192-0B8850A40619}" type="datetimeFigureOut">
               <a:rPr lang="en-US" smtClean="0"/>
-              <a:t>10/26/2021</a:t>
+              <a:t>10/27/2021</a:t>
             </a:fld>
             <a:endParaRPr lang="en-US"/>
           </a:p>
@@ -2566,7 +2566,7 @@
           <a:p>
             <a:fld id="{B2C42CBD-EDEC-463A-9192-0B8850A40619}" type="datetimeFigureOut">
               <a:rPr lang="en-US" smtClean="0"/>
-              <a:t>10/26/2021</a:t>
+              <a:t>10/27/2021</a:t>
             </a:fld>
             <a:endParaRPr lang="en-US"/>
           </a:p>
@@ -2823,7 +2823,7 @@
           <a:p>
             <a:fld id="{B2C42CBD-EDEC-463A-9192-0B8850A40619}" type="datetimeFigureOut">
               <a:rPr lang="en-US" smtClean="0"/>
-              <a:t>10/26/2021</a:t>
+              <a:t>10/27/2021</a:t>
             </a:fld>
             <a:endParaRPr lang="en-US"/>
           </a:p>
@@ -3036,7 +3036,7 @@
           <a:p>
             <a:fld id="{B2C42CBD-EDEC-463A-9192-0B8850A40619}" type="datetimeFigureOut">
               <a:rPr lang="en-US" smtClean="0"/>
-              <a:t>10/26/2021</a:t>
+              <a:t>10/27/2021</a:t>
             </a:fld>
             <a:endParaRPr lang="en-US"/>
           </a:p>
@@ -3704,7 +3704,7 @@
         </p:nvSpPr>
         <p:spPr>
           <a:xfrm>
-            <a:off x="5314329" y="566573"/>
+            <a:off x="5221311" y="468175"/>
             <a:ext cx="1622066" cy="276999"/>
           </a:xfrm>
           <a:prstGeom prst="rect">
@@ -3742,8 +3742,8 @@
         </p:nvSpPr>
         <p:spPr>
           <a:xfrm>
-            <a:off x="5245627" y="1056448"/>
-            <a:ext cx="1622066" cy="461665"/>
+            <a:off x="5152875" y="892765"/>
+            <a:ext cx="1622066" cy="1200329"/>
           </a:xfrm>
           <a:prstGeom prst="rect">
             <a:avLst/>
@@ -3762,8 +3762,11 @@
                 <a:latin typeface="Times New Roman" panose="02020603050405020304" pitchFamily="18" charset="0"/>
                 <a:cs typeface="Times New Roman" panose="02020603050405020304" pitchFamily="18" charset="0"/>
               </a:rPr>
-              <a:t>Power-law degree distribution with </a:t>
-            </a:r>
+              <a:t>Power-law degree distribution with N=1,507</a:t>
+            </a:r>
+          </a:p>
+          <a:p>
+            <a:pPr algn="ctr"/>
             <a:r>
               <a:rPr lang="el-GR" sz="1200" dirty="0">
                 <a:latin typeface="Times New Roman" panose="02020603050405020304" pitchFamily="18" charset="0"/>
@@ -3778,6 +3781,41 @@
               </a:rPr>
               <a:t>=2.8</a:t>
             </a:r>
+          </a:p>
+          <a:p>
+            <a:pPr algn="ctr"/>
+            <a:r>
+              <a:rPr lang="en-US" sz="1200" dirty="0">
+                <a:effectLst/>
+                <a:latin typeface="Times New Roman" panose="02020603050405020304" pitchFamily="18" charset="0"/>
+                <a:ea typeface="Calibri" panose="020F0502020204030204" pitchFamily="34" charset="0"/>
+                <a:cs typeface="Times New Roman" panose="02020603050405020304" pitchFamily="18" charset="0"/>
+              </a:rPr>
+              <a:t>k</a:t>
+            </a:r>
+            <a:r>
+              <a:rPr lang="en-US" sz="1200" baseline="-25000" dirty="0">
+                <a:latin typeface="Times New Roman" panose="02020603050405020304" pitchFamily="18" charset="0"/>
+                <a:ea typeface="Calibri" panose="020F0502020204030204" pitchFamily="34" charset="0"/>
+                <a:cs typeface="Times New Roman" panose="02020603050405020304" pitchFamily="18" charset="0"/>
+              </a:rPr>
+              <a:t>max</a:t>
+            </a:r>
+            <a:r>
+              <a:rPr lang="en-US" sz="1200" dirty="0">
+                <a:latin typeface="Times New Roman" panose="02020603050405020304" pitchFamily="18" charset="0"/>
+                <a:cs typeface="Times New Roman" panose="02020603050405020304" pitchFamily="18" charset="0"/>
+              </a:rPr>
+              <a:t> = 1,426</a:t>
+            </a:r>
+            <a:endParaRPr lang="en-US" sz="1000" dirty="0"/>
+          </a:p>
+          <a:p>
+            <a:pPr algn="ctr"/>
+            <a:endParaRPr lang="en-US" sz="1200" dirty="0">
+              <a:latin typeface="Times New Roman" panose="02020603050405020304" pitchFamily="18" charset="0"/>
+              <a:cs typeface="Times New Roman" panose="02020603050405020304" pitchFamily="18" charset="0"/>
+            </a:endParaRPr>
           </a:p>
         </p:txBody>
       </p:sp>
@@ -3847,7 +3885,7 @@
         </p:nvSpPr>
         <p:spPr>
           <a:xfrm>
-            <a:off x="5648328" y="2964821"/>
+            <a:off x="5568861" y="2730133"/>
             <a:ext cx="1622066" cy="276999"/>
           </a:xfrm>
           <a:prstGeom prst="rect">
@@ -3885,8 +3923,8 @@
         </p:nvSpPr>
         <p:spPr>
           <a:xfrm>
-            <a:off x="5245627" y="3389393"/>
-            <a:ext cx="1622066" cy="646331"/>
+            <a:off x="5161899" y="3205785"/>
+            <a:ext cx="1622066" cy="830997"/>
           </a:xfrm>
           <a:prstGeom prst="rect">
             <a:avLst/>
@@ -3905,7 +3943,27 @@
                 <a:latin typeface="Times New Roman" panose="02020603050405020304" pitchFamily="18" charset="0"/>
                 <a:cs typeface="Times New Roman" panose="02020603050405020304" pitchFamily="18" charset="0"/>
               </a:rPr>
-              <a:t>Poisson degree distribution with &lt;k&gt;=47</a:t>
+              <a:t>Poisson degree distribution with</a:t>
+            </a:r>
+          </a:p>
+          <a:p>
+            <a:pPr algn="ctr"/>
+            <a:r>
+              <a:rPr lang="en-US" sz="1200" dirty="0">
+                <a:latin typeface="Times New Roman" panose="02020603050405020304" pitchFamily="18" charset="0"/>
+                <a:cs typeface="Times New Roman" panose="02020603050405020304" pitchFamily="18" charset="0"/>
+              </a:rPr>
+              <a:t>N=1,507</a:t>
+            </a:r>
+          </a:p>
+          <a:p>
+            <a:pPr algn="ctr"/>
+            <a:r>
+              <a:rPr lang="en-US" sz="1200" dirty="0">
+                <a:latin typeface="Times New Roman" panose="02020603050405020304" pitchFamily="18" charset="0"/>
+                <a:cs typeface="Times New Roman" panose="02020603050405020304" pitchFamily="18" charset="0"/>
+              </a:rPr>
+              <a:t> &lt;k&gt;=47</a:t>
             </a:r>
           </a:p>
         </p:txBody>
@@ -4111,7 +4169,7 @@
                 <a:latin typeface="Times New Roman" panose="02020603050405020304" pitchFamily="18" charset="0"/>
                 <a:cs typeface="Times New Roman" panose="02020603050405020304" pitchFamily="18" charset="0"/>
               </a:rPr>
-              <a:t>&lt;</a:t>
+              <a:t>log &lt;</a:t>
             </a:r>
             <a:r>
               <a:rPr lang="en-US" sz="1200" dirty="0">
@@ -4239,7 +4297,7 @@
                 <a:latin typeface="Times New Roman" panose="02020603050405020304" pitchFamily="18" charset="0"/>
                 <a:cs typeface="Times New Roman" panose="02020603050405020304" pitchFamily="18" charset="0"/>
               </a:rPr>
-              <a:t>= exp(Gaussian(&lt;</a:t>
+              <a:t>= exp(Gaussian(log &lt;</a:t>
             </a:r>
             <a:r>
               <a:rPr lang="en-US" sz="1200" dirty="0">
@@ -4310,7 +4368,10 @@
               <a:avLst/>
             </a:prstGeom>
             <a:solidFill>
-              <a:srgbClr val="E8718C"/>
+              <a:schemeClr val="accent1">
+                <a:lumMod val="20000"/>
+                <a:lumOff val="80000"/>
+              </a:schemeClr>
             </a:solidFill>
           </p:spPr>
           <p:style>
@@ -4359,7 +4420,10 @@
               <a:avLst/>
             </a:prstGeom>
             <a:solidFill>
-              <a:srgbClr val="E8718C"/>
+              <a:schemeClr val="accent1">
+                <a:lumMod val="40000"/>
+                <a:lumOff val="60000"/>
+              </a:schemeClr>
             </a:solidFill>
           </p:spPr>
           <p:style>
@@ -4701,7 +4765,7 @@
         </p:nvSpPr>
         <p:spPr>
           <a:xfrm>
-            <a:off x="3434522" y="6914092"/>
+            <a:off x="3356955" y="6860168"/>
             <a:ext cx="661029" cy="489745"/>
           </a:xfrm>
           <a:prstGeom prst="rightArrow">
@@ -4753,7 +4817,7 @@
         </p:nvSpPr>
         <p:spPr>
           <a:xfrm>
-            <a:off x="8147070" y="6896433"/>
+            <a:off x="8198592" y="6832955"/>
             <a:ext cx="661029" cy="489745"/>
           </a:xfrm>
           <a:prstGeom prst="rightArrow">
@@ -4881,8 +4945,8 @@
         </p:nvSpPr>
         <p:spPr>
           <a:xfrm>
-            <a:off x="4191969" y="6437303"/>
-            <a:ext cx="3829365" cy="1296929"/>
+            <a:off x="4095792" y="6402347"/>
+            <a:ext cx="3992871" cy="1296929"/>
           </a:xfrm>
           <a:prstGeom prst="roundRect">
             <a:avLst/>
@@ -4933,8 +4997,8 @@
         </p:nvSpPr>
         <p:spPr>
           <a:xfrm>
-            <a:off x="5245627" y="2846449"/>
-            <a:ext cx="1622066" cy="1296929"/>
+            <a:off x="5078171" y="2626561"/>
+            <a:ext cx="1789522" cy="1516817"/>
           </a:xfrm>
           <a:prstGeom prst="roundRect">
             <a:avLst/>
@@ -4985,8 +5049,8 @@
         </p:nvSpPr>
         <p:spPr>
           <a:xfrm>
-            <a:off x="5227490" y="428074"/>
-            <a:ext cx="1622066" cy="1296929"/>
+            <a:off x="5060034" y="428074"/>
+            <a:ext cx="1789522" cy="1516817"/>
           </a:xfrm>
           <a:prstGeom prst="roundRect">
             <a:avLst/>
@@ -5094,7 +5158,10 @@
             <a:avLst/>
           </a:prstGeom>
           <a:solidFill>
-            <a:srgbClr val="E8718C"/>
+            <a:schemeClr val="accent1">
+              <a:lumMod val="40000"/>
+              <a:lumOff val="60000"/>
+            </a:schemeClr>
           </a:solidFill>
         </p:spPr>
         <p:style>
@@ -5143,7 +5210,10 @@
             <a:avLst/>
           </a:prstGeom>
           <a:solidFill>
-            <a:srgbClr val="E8718C"/>
+            <a:schemeClr val="accent1">
+              <a:lumMod val="40000"/>
+              <a:lumOff val="60000"/>
+            </a:schemeClr>
           </a:solidFill>
         </p:spPr>
         <p:style>
@@ -5192,7 +5262,10 @@
             <a:avLst/>
           </a:prstGeom>
           <a:solidFill>
-            <a:srgbClr val="E8718C"/>
+            <a:schemeClr val="accent1">
+              <a:lumMod val="40000"/>
+              <a:lumOff val="60000"/>
+            </a:schemeClr>
           </a:solidFill>
         </p:spPr>
         <p:style>
@@ -5241,7 +5314,10 @@
             <a:avLst/>
           </a:prstGeom>
           <a:solidFill>
-            <a:srgbClr val="E8718C"/>
+            <a:schemeClr val="accent1">
+              <a:lumMod val="40000"/>
+              <a:lumOff val="60000"/>
+            </a:schemeClr>
           </a:solidFill>
         </p:spPr>
         <p:style>
@@ -5369,7 +5445,10 @@
             <a:avLst/>
           </a:prstGeom>
           <a:solidFill>
-            <a:srgbClr val="E8718C"/>
+            <a:schemeClr val="accent1">
+              <a:lumMod val="40000"/>
+              <a:lumOff val="60000"/>
+            </a:schemeClr>
           </a:solidFill>
         </p:spPr>
         <p:style>
@@ -5458,7 +5537,10 @@
             <a:avLst/>
           </a:prstGeom>
           <a:solidFill>
-            <a:srgbClr val="E8718C"/>
+            <a:schemeClr val="accent1">
+              <a:lumMod val="40000"/>
+              <a:lumOff val="60000"/>
+            </a:schemeClr>
           </a:solidFill>
         </p:spPr>
         <p:style>
@@ -5507,7 +5589,10 @@
             <a:avLst/>
           </a:prstGeom>
           <a:solidFill>
-            <a:srgbClr val="E8718C"/>
+            <a:schemeClr val="accent1">
+              <a:lumMod val="40000"/>
+              <a:lumOff val="60000"/>
+            </a:schemeClr>
           </a:solidFill>
         </p:spPr>
         <p:style>
@@ -5556,7 +5641,10 @@
             <a:avLst/>
           </a:prstGeom>
           <a:solidFill>
-            <a:srgbClr val="E8718C"/>
+            <a:schemeClr val="accent1">
+              <a:lumMod val="40000"/>
+              <a:lumOff val="60000"/>
+            </a:schemeClr>
           </a:solidFill>
         </p:spPr>
         <p:style>
@@ -5605,7 +5693,10 @@
             <a:avLst/>
           </a:prstGeom>
           <a:solidFill>
-            <a:srgbClr val="E8718C"/>
+            <a:schemeClr val="accent1">
+              <a:lumMod val="40000"/>
+              <a:lumOff val="60000"/>
+            </a:schemeClr>
           </a:solidFill>
         </p:spPr>
         <p:style>
@@ -5823,7 +5914,10 @@
             <a:avLst/>
           </a:prstGeom>
           <a:solidFill>
-            <a:srgbClr val="E8718C"/>
+            <a:schemeClr val="accent1">
+              <a:lumMod val="40000"/>
+              <a:lumOff val="60000"/>
+            </a:schemeClr>
           </a:solidFill>
         </p:spPr>
         <p:style>
@@ -5872,7 +5966,10 @@
             <a:avLst/>
           </a:prstGeom>
           <a:solidFill>
-            <a:srgbClr val="E8718C"/>
+            <a:schemeClr val="accent1">
+              <a:lumMod val="40000"/>
+              <a:lumOff val="60000"/>
+            </a:schemeClr>
           </a:solidFill>
         </p:spPr>
         <p:style>
@@ -5921,7 +6018,10 @@
             <a:avLst/>
           </a:prstGeom>
           <a:solidFill>
-            <a:srgbClr val="E8718C"/>
+            <a:schemeClr val="accent1">
+              <a:lumMod val="40000"/>
+              <a:lumOff val="60000"/>
+            </a:schemeClr>
           </a:solidFill>
         </p:spPr>
         <p:style>
@@ -5970,7 +6070,10 @@
             <a:avLst/>
           </a:prstGeom>
           <a:solidFill>
-            <a:srgbClr val="E8718C"/>
+            <a:schemeClr val="accent1">
+              <a:lumMod val="40000"/>
+              <a:lumOff val="60000"/>
+            </a:schemeClr>
           </a:solidFill>
         </p:spPr>
         <p:style>
@@ -6019,7 +6122,10 @@
             <a:avLst/>
           </a:prstGeom>
           <a:solidFill>
-            <a:srgbClr val="E8718C"/>
+            <a:schemeClr val="accent1">
+              <a:lumMod val="40000"/>
+              <a:lumOff val="60000"/>
+            </a:schemeClr>
           </a:solidFill>
         </p:spPr>
         <p:style>
@@ -6068,7 +6174,10 @@
             <a:avLst/>
           </a:prstGeom>
           <a:solidFill>
-            <a:srgbClr val="E8718C"/>
+            <a:schemeClr val="accent1">
+              <a:lumMod val="40000"/>
+              <a:lumOff val="60000"/>
+            </a:schemeClr>
           </a:solidFill>
         </p:spPr>
         <p:style>
@@ -6117,7 +6226,10 @@
             <a:avLst/>
           </a:prstGeom>
           <a:solidFill>
-            <a:srgbClr val="E8718C"/>
+            <a:schemeClr val="accent1">
+              <a:lumMod val="40000"/>
+              <a:lumOff val="60000"/>
+            </a:schemeClr>
           </a:solidFill>
         </p:spPr>
         <p:style>
@@ -6166,7 +6278,10 @@
             <a:avLst/>
           </a:prstGeom>
           <a:solidFill>
-            <a:srgbClr val="E8718C"/>
+            <a:schemeClr val="accent1">
+              <a:lumMod val="40000"/>
+              <a:lumOff val="60000"/>
+            </a:schemeClr>
           </a:solidFill>
         </p:spPr>
         <p:style>
@@ -6215,7 +6330,10 @@
             <a:avLst/>
           </a:prstGeom>
           <a:solidFill>
-            <a:srgbClr val="E8718C"/>
+            <a:schemeClr val="accent1">
+              <a:lumMod val="40000"/>
+              <a:lumOff val="60000"/>
+            </a:schemeClr>
           </a:solidFill>
         </p:spPr>
         <p:style>
@@ -7802,7 +7920,7 @@
         <p:spPr>
           <a:xfrm>
             <a:off x="1737706" y="11936851"/>
-            <a:ext cx="570495" cy="200695"/>
+            <a:ext cx="795411" cy="223972"/>
           </a:xfrm>
           <a:prstGeom prst="rect">
             <a:avLst/>
@@ -7829,7 +7947,7 @@
                 <a:ea typeface="Calibri" panose="020F0502020204030204" pitchFamily="34" charset="0"/>
                 <a:cs typeface="Times New Roman" panose="02020603050405020304" pitchFamily="18" charset="0"/>
               </a:rPr>
-              <a:t>Threshold</a:t>
+              <a:t>log Threshold</a:t>
             </a:r>
           </a:p>
         </p:txBody>
@@ -7894,93 +8012,6 @@
               </a:rPr>
               <a:t>= 0.16</a:t>
             </a:r>
-          </a:p>
-        </p:txBody>
-      </p:sp>
-      <p:sp>
-        <p:nvSpPr>
-          <p:cNvPr id="97" name="TextBox 96">
-            <a:extLst>
-              <a:ext uri="{FF2B5EF4-FFF2-40B4-BE49-F238E27FC236}">
-                <a16:creationId xmlns:a16="http://schemas.microsoft.com/office/drawing/2014/main" id="{2ACE3068-CC5E-4568-9B48-03E97434DA34}"/>
-              </a:ext>
-            </a:extLst>
-          </p:cNvPr>
-          <p:cNvSpPr txBox="1"/>
-          <p:nvPr/>
-        </p:nvSpPr>
-        <p:spPr>
-          <a:xfrm>
-            <a:off x="9385335" y="8416053"/>
-            <a:ext cx="1265142" cy="307777"/>
-          </a:xfrm>
-          <a:prstGeom prst="rect">
-            <a:avLst/>
-          </a:prstGeom>
-          <a:noFill/>
-        </p:spPr>
-        <p:txBody>
-          <a:bodyPr wrap="square" rtlCol="0">
-            <a:spAutoFit/>
-          </a:bodyPr>
-          <a:lstStyle/>
-          <a:p>
-            <a:r>
-              <a:rPr lang="en-US" sz="1400" dirty="0">
-                <a:latin typeface="Times New Roman" panose="02020603050405020304" pitchFamily="18" charset="0"/>
-                <a:cs typeface="Times New Roman" panose="02020603050405020304" pitchFamily="18" charset="0"/>
-              </a:rPr>
-              <a:t>Protein target</a:t>
-            </a:r>
-          </a:p>
-        </p:txBody>
-      </p:sp>
-      <p:sp>
-        <p:nvSpPr>
-          <p:cNvPr id="99" name="Oval 98">
-            <a:extLst>
-              <a:ext uri="{FF2B5EF4-FFF2-40B4-BE49-F238E27FC236}">
-                <a16:creationId xmlns:a16="http://schemas.microsoft.com/office/drawing/2014/main" id="{83D4B71A-C8E7-48CC-8343-EE26FE60CE71}"/>
-              </a:ext>
-            </a:extLst>
-          </p:cNvPr>
-          <p:cNvSpPr/>
-          <p:nvPr/>
-        </p:nvSpPr>
-        <p:spPr>
-          <a:xfrm>
-            <a:off x="9166540" y="8443822"/>
-            <a:ext cx="224904" cy="211069"/>
-          </a:xfrm>
-          <a:prstGeom prst="ellipse">
-            <a:avLst/>
-          </a:prstGeom>
-          <a:solidFill>
-            <a:srgbClr val="E8718C"/>
-          </a:solidFill>
-        </p:spPr>
-        <p:style>
-          <a:lnRef idx="2">
-            <a:schemeClr val="accent1">
-              <a:shade val="50000"/>
-            </a:schemeClr>
-          </a:lnRef>
-          <a:fillRef idx="1">
-            <a:schemeClr val="accent1"/>
-          </a:fillRef>
-          <a:effectRef idx="0">
-            <a:schemeClr val="accent1"/>
-          </a:effectRef>
-          <a:fontRef idx="minor">
-            <a:schemeClr val="lt1"/>
-          </a:fontRef>
-        </p:style>
-        <p:txBody>
-          <a:bodyPr rtlCol="0" anchor="ctr"/>
-          <a:lstStyle/>
-          <a:p>
-            <a:pPr algn="ctr"/>
-            <a:endParaRPr lang="en-US" sz="1801" dirty="0"/>
           </a:p>
         </p:txBody>
       </p:sp>

--- a/Images/SI11.pptx
+++ b/Images/SI11.pptx
@@ -197,7 +197,7 @@
           <a:p>
             <a:fld id="{DC40427D-09B2-479E-BE2F-F1C9B7D308F4}" type="datetimeFigureOut">
               <a:rPr lang="en-US" smtClean="0"/>
-              <a:t>10/27/2021</a:t>
+              <a:t>10/28/2021</a:t>
             </a:fld>
             <a:endParaRPr lang="en-US"/>
           </a:p>
@@ -508,40 +508,6 @@
           <a:bodyPr/>
           <a:lstStyle/>
           <a:p>
-            <a:r>
-              <a:rPr lang="en-US" sz="1200" dirty="0" err="1">
-                <a:effectLst/>
-                <a:latin typeface="Times New Roman" panose="02020603050405020304" pitchFamily="18" charset="0"/>
-                <a:ea typeface="Calibri" panose="020F0502020204030204" pitchFamily="34" charset="0"/>
-                <a:cs typeface="Times New Roman" panose="02020603050405020304" pitchFamily="18" charset="0"/>
-              </a:rPr>
-              <a:t>k</a:t>
-            </a:r>
-            <a:r>
-              <a:rPr lang="en-US" sz="1200" baseline="-25000" dirty="0" err="1">
-                <a:effectLst/>
-                <a:latin typeface="Times New Roman" panose="02020603050405020304" pitchFamily="18" charset="0"/>
-                <a:ea typeface="Calibri" panose="020F0502020204030204" pitchFamily="34" charset="0"/>
-                <a:cs typeface="Times New Roman" panose="02020603050405020304" pitchFamily="18" charset="0"/>
-              </a:rPr>
-              <a:t>cut</a:t>
-            </a:r>
-            <a:r>
-              <a:rPr lang="en-US" sz="1200" baseline="-25000" dirty="0">
-                <a:effectLst/>
-                <a:latin typeface="Times New Roman" panose="02020603050405020304" pitchFamily="18" charset="0"/>
-                <a:ea typeface="Calibri" panose="020F0502020204030204" pitchFamily="34" charset="0"/>
-                <a:cs typeface="Times New Roman" panose="02020603050405020304" pitchFamily="18" charset="0"/>
-              </a:rPr>
-              <a:t>-off</a:t>
-            </a:r>
-            <a:r>
-              <a:rPr lang="en-US" sz="1200" dirty="0">
-                <a:latin typeface="Times New Roman" panose="02020603050405020304" pitchFamily="18" charset="0"/>
-                <a:cs typeface="Times New Roman" panose="02020603050405020304" pitchFamily="18" charset="0"/>
-              </a:rPr>
-              <a:t> = 1,426</a:t>
-            </a:r>
             <a:endParaRPr lang="en-US" dirty="0"/>
           </a:p>
         </p:txBody>
@@ -713,7 +679,7 @@
           <a:p>
             <a:fld id="{B2C42CBD-EDEC-463A-9192-0B8850A40619}" type="datetimeFigureOut">
               <a:rPr lang="en-US" smtClean="0"/>
-              <a:t>10/27/2021</a:t>
+              <a:t>10/28/2021</a:t>
             </a:fld>
             <a:endParaRPr lang="en-US"/>
           </a:p>
@@ -883,7 +849,7 @@
           <a:p>
             <a:fld id="{B2C42CBD-EDEC-463A-9192-0B8850A40619}" type="datetimeFigureOut">
               <a:rPr lang="en-US" smtClean="0"/>
-              <a:t>10/27/2021</a:t>
+              <a:t>10/28/2021</a:t>
             </a:fld>
             <a:endParaRPr lang="en-US"/>
           </a:p>
@@ -1063,7 +1029,7 @@
           <a:p>
             <a:fld id="{B2C42CBD-EDEC-463A-9192-0B8850A40619}" type="datetimeFigureOut">
               <a:rPr lang="en-US" smtClean="0"/>
-              <a:t>10/27/2021</a:t>
+              <a:t>10/28/2021</a:t>
             </a:fld>
             <a:endParaRPr lang="en-US"/>
           </a:p>
@@ -1233,7 +1199,7 @@
           <a:p>
             <a:fld id="{B2C42CBD-EDEC-463A-9192-0B8850A40619}" type="datetimeFigureOut">
               <a:rPr lang="en-US" smtClean="0"/>
-              <a:t>10/27/2021</a:t>
+              <a:t>10/28/2021</a:t>
             </a:fld>
             <a:endParaRPr lang="en-US"/>
           </a:p>
@@ -1477,7 +1443,7 @@
           <a:p>
             <a:fld id="{B2C42CBD-EDEC-463A-9192-0B8850A40619}" type="datetimeFigureOut">
               <a:rPr lang="en-US" smtClean="0"/>
-              <a:t>10/27/2021</a:t>
+              <a:t>10/28/2021</a:t>
             </a:fld>
             <a:endParaRPr lang="en-US"/>
           </a:p>
@@ -1709,7 +1675,7 @@
           <a:p>
             <a:fld id="{B2C42CBD-EDEC-463A-9192-0B8850A40619}" type="datetimeFigureOut">
               <a:rPr lang="en-US" smtClean="0"/>
-              <a:t>10/27/2021</a:t>
+              <a:t>10/28/2021</a:t>
             </a:fld>
             <a:endParaRPr lang="en-US"/>
           </a:p>
@@ -2076,7 +2042,7 @@
           <a:p>
             <a:fld id="{B2C42CBD-EDEC-463A-9192-0B8850A40619}" type="datetimeFigureOut">
               <a:rPr lang="en-US" smtClean="0"/>
-              <a:t>10/27/2021</a:t>
+              <a:t>10/28/2021</a:t>
             </a:fld>
             <a:endParaRPr lang="en-US"/>
           </a:p>
@@ -2194,7 +2160,7 @@
           <a:p>
             <a:fld id="{B2C42CBD-EDEC-463A-9192-0B8850A40619}" type="datetimeFigureOut">
               <a:rPr lang="en-US" smtClean="0"/>
-              <a:t>10/27/2021</a:t>
+              <a:t>10/28/2021</a:t>
             </a:fld>
             <a:endParaRPr lang="en-US"/>
           </a:p>
@@ -2289,7 +2255,7 @@
           <a:p>
             <a:fld id="{B2C42CBD-EDEC-463A-9192-0B8850A40619}" type="datetimeFigureOut">
               <a:rPr lang="en-US" smtClean="0"/>
-              <a:t>10/27/2021</a:t>
+              <a:t>10/28/2021</a:t>
             </a:fld>
             <a:endParaRPr lang="en-US"/>
           </a:p>
@@ -2566,7 +2532,7 @@
           <a:p>
             <a:fld id="{B2C42CBD-EDEC-463A-9192-0B8850A40619}" type="datetimeFigureOut">
               <a:rPr lang="en-US" smtClean="0"/>
-              <a:t>10/27/2021</a:t>
+              <a:t>10/28/2021</a:t>
             </a:fld>
             <a:endParaRPr lang="en-US"/>
           </a:p>
@@ -2823,7 +2789,7 @@
           <a:p>
             <a:fld id="{B2C42CBD-EDEC-463A-9192-0B8850A40619}" type="datetimeFigureOut">
               <a:rPr lang="en-US" smtClean="0"/>
-              <a:t>10/27/2021</a:t>
+              <a:t>10/28/2021</a:t>
             </a:fld>
             <a:endParaRPr lang="en-US"/>
           </a:p>
@@ -3036,7 +3002,7 @@
           <a:p>
             <a:fld id="{B2C42CBD-EDEC-463A-9192-0B8850A40619}" type="datetimeFigureOut">
               <a:rPr lang="en-US" smtClean="0"/>
-              <a:t>10/27/2021</a:t>
+              <a:t>10/28/2021</a:t>
             </a:fld>
             <a:endParaRPr lang="en-US"/>
           </a:p>
@@ -3704,7 +3670,7 @@
         </p:nvSpPr>
         <p:spPr>
           <a:xfrm>
-            <a:off x="5221311" y="468175"/>
+            <a:off x="5220077" y="427561"/>
             <a:ext cx="1622066" cy="276999"/>
           </a:xfrm>
           <a:prstGeom prst="rect">
@@ -3742,8 +3708,8 @@
         </p:nvSpPr>
         <p:spPr>
           <a:xfrm>
-            <a:off x="5152875" y="892765"/>
-            <a:ext cx="1622066" cy="1200329"/>
+            <a:off x="5143762" y="1037780"/>
+            <a:ext cx="1622066" cy="1169551"/>
           </a:xfrm>
           <a:prstGeom prst="rect">
             <a:avLst/>
@@ -3784,30 +3750,6 @@
           </a:p>
           <a:p>
             <a:pPr algn="ctr"/>
-            <a:r>
-              <a:rPr lang="en-US" sz="1200" dirty="0">
-                <a:effectLst/>
-                <a:latin typeface="Times New Roman" panose="02020603050405020304" pitchFamily="18" charset="0"/>
-                <a:ea typeface="Calibri" panose="020F0502020204030204" pitchFamily="34" charset="0"/>
-                <a:cs typeface="Times New Roman" panose="02020603050405020304" pitchFamily="18" charset="0"/>
-              </a:rPr>
-              <a:t>k</a:t>
-            </a:r>
-            <a:r>
-              <a:rPr lang="en-US" sz="1200" baseline="-25000" dirty="0">
-                <a:latin typeface="Times New Roman" panose="02020603050405020304" pitchFamily="18" charset="0"/>
-                <a:ea typeface="Calibri" panose="020F0502020204030204" pitchFamily="34" charset="0"/>
-                <a:cs typeface="Times New Roman" panose="02020603050405020304" pitchFamily="18" charset="0"/>
-              </a:rPr>
-              <a:t>max</a:t>
-            </a:r>
-            <a:r>
-              <a:rPr lang="en-US" sz="1200" dirty="0">
-                <a:latin typeface="Times New Roman" panose="02020603050405020304" pitchFamily="18" charset="0"/>
-                <a:cs typeface="Times New Roman" panose="02020603050405020304" pitchFamily="18" charset="0"/>
-              </a:rPr>
-              <a:t> = 1,426</a:t>
-            </a:r>
             <a:endParaRPr lang="en-US" sz="1000" dirty="0"/>
           </a:p>
           <a:p>
@@ -4114,8 +4056,8 @@
         </p:nvSpPr>
         <p:spPr>
           <a:xfrm>
-            <a:off x="4049148" y="6717402"/>
-            <a:ext cx="4067966" cy="646331"/>
+            <a:off x="4079962" y="6414830"/>
+            <a:ext cx="4067966" cy="1200329"/>
           </a:xfrm>
           <a:prstGeom prst="rect">
             <a:avLst/>
@@ -4134,7 +4076,21 @@
                 <a:latin typeface="Times New Roman" panose="02020603050405020304" pitchFamily="18" charset="0"/>
                 <a:cs typeface="Times New Roman" panose="02020603050405020304" pitchFamily="18" charset="0"/>
               </a:rPr>
-              <a:t>k = degree_seq_</a:t>
+              <a:t>k</a:t>
+            </a:r>
+            <a:r>
+              <a:rPr lang="en-US" sz="1200" baseline="-25000" dirty="0">
+                <a:latin typeface="Times New Roman" panose="02020603050405020304" pitchFamily="18" charset="0"/>
+                <a:cs typeface="Times New Roman" panose="02020603050405020304" pitchFamily="18" charset="0"/>
+              </a:rPr>
+              <a:t>i</a:t>
+            </a:r>
+            <a:r>
+              <a:rPr lang="en-US" sz="1200" dirty="0">
+                <a:latin typeface="Times New Roman" panose="02020603050405020304" pitchFamily="18" charset="0"/>
+                <a:cs typeface="Times New Roman" panose="02020603050405020304" pitchFamily="18" charset="0"/>
+              </a:rPr>
+              <a:t> = degree_seq_</a:t>
             </a:r>
             <a:r>
               <a:rPr lang="en-US" sz="1200" dirty="0">
@@ -4164,12 +4120,19 @@
           </a:p>
           <a:p>
             <a:pPr algn="ctr"/>
+            <a:endParaRPr lang="en-US" sz="1200" dirty="0">
+              <a:latin typeface="Times New Roman" panose="02020603050405020304" pitchFamily="18" charset="0"/>
+              <a:cs typeface="Times New Roman" panose="02020603050405020304" pitchFamily="18" charset="0"/>
+            </a:endParaRPr>
+          </a:p>
+          <a:p>
+            <a:pPr algn="ctr"/>
             <a:r>
               <a:rPr lang="en-US" sz="1200" dirty="0">
                 <a:latin typeface="Times New Roman" panose="02020603050405020304" pitchFamily="18" charset="0"/>
                 <a:cs typeface="Times New Roman" panose="02020603050405020304" pitchFamily="18" charset="0"/>
               </a:rPr>
-              <a:t>log &lt;</a:t>
+              <a:t>log(&lt;</a:t>
             </a:r>
             <a:r>
               <a:rPr lang="en-US" sz="1200" dirty="0">
@@ -4194,7 +4157,23 @@
                 <a:latin typeface="Times New Roman" panose="02020603050405020304" pitchFamily="18" charset="0"/>
                 <a:cs typeface="Times New Roman" panose="02020603050405020304" pitchFamily="18" charset="0"/>
               </a:rPr>
-              <a:t>&gt; = &lt;log </a:t>
+              <a:t>&gt;</a:t>
+            </a:r>
+            <a:r>
+              <a:rPr lang="en-US" sz="1200" baseline="30000" dirty="0">
+                <a:effectLst/>
+                <a:latin typeface="Times New Roman" panose="02020603050405020304" pitchFamily="18" charset="0"/>
+                <a:ea typeface="Calibri" panose="020F0502020204030204" pitchFamily="34" charset="0"/>
+                <a:cs typeface="Times New Roman" panose="02020603050405020304" pitchFamily="18" charset="0"/>
+              </a:rPr>
+              <a:t>i</a:t>
+            </a:r>
+            <a:r>
+              <a:rPr lang="en-US" sz="1200" dirty="0">
+                <a:latin typeface="Times New Roman" panose="02020603050405020304" pitchFamily="18" charset="0"/>
+                <a:cs typeface="Times New Roman" panose="02020603050405020304" pitchFamily="18" charset="0"/>
+              </a:rPr>
+              <a:t>) = &lt;log(</a:t>
             </a:r>
             <a:r>
               <a:rPr lang="en-US" sz="1200" dirty="0">
@@ -4212,15 +4191,110 @@
                 <a:ea typeface="Calibri" panose="020F0502020204030204" pitchFamily="34" charset="0"/>
                 <a:cs typeface="Times New Roman" panose="02020603050405020304" pitchFamily="18" charset="0"/>
               </a:rPr>
-              <a:t>d </a:t>
+              <a:t>d</a:t>
             </a:r>
             <a:r>
               <a:rPr lang="en-US" sz="1200" dirty="0">
                 <a:latin typeface="Times New Roman" panose="02020603050405020304" pitchFamily="18" charset="0"/>
                 <a:cs typeface="Times New Roman" panose="02020603050405020304" pitchFamily="18" charset="0"/>
               </a:rPr>
-              <a:t>&gt; + STD(log </a:t>
-            </a:r>
+              <a:t>)&gt; + </a:t>
+            </a:r>
+            <a:r>
+              <a:rPr lang="en-US" sz="1200" i="0" dirty="0">
+                <a:effectLst/>
+                <a:latin typeface="Times New Roman" panose="02020603050405020304" pitchFamily="18" charset="0"/>
+                <a:ea typeface="Calibri" panose="020F0502020204030204" pitchFamily="34" charset="0"/>
+                <a:cs typeface="Times New Roman" panose="02020603050405020304" pitchFamily="18" charset="0"/>
+              </a:rPr>
+              <a:t>σ</a:t>
+            </a:r>
+            <a:r>
+              <a:rPr lang="en-US" sz="1200" i="0" baseline="-25000" dirty="0">
+                <a:effectLst/>
+                <a:latin typeface="Times New Roman" panose="02020603050405020304" pitchFamily="18" charset="0"/>
+                <a:ea typeface="Calibri" panose="020F0502020204030204" pitchFamily="34" charset="0"/>
+                <a:cs typeface="Times New Roman" panose="02020603050405020304" pitchFamily="18" charset="0"/>
+              </a:rPr>
+              <a:t>log(K</a:t>
+            </a:r>
+            <a:r>
+              <a:rPr lang="en-US" sz="1050" i="0" baseline="-25000" dirty="0">
+                <a:effectLst/>
+                <a:latin typeface="Times New Roman" panose="02020603050405020304" pitchFamily="18" charset="0"/>
+                <a:ea typeface="Calibri" panose="020F0502020204030204" pitchFamily="34" charset="0"/>
+                <a:cs typeface="Times New Roman" panose="02020603050405020304" pitchFamily="18" charset="0"/>
+              </a:rPr>
+              <a:t>d</a:t>
+            </a:r>
+            <a:r>
+              <a:rPr lang="en-US" sz="1200" i="0" baseline="-25000" dirty="0">
+                <a:effectLst/>
+                <a:latin typeface="Times New Roman" panose="02020603050405020304" pitchFamily="18" charset="0"/>
+                <a:ea typeface="Calibri" panose="020F0502020204030204" pitchFamily="34" charset="0"/>
+                <a:cs typeface="Times New Roman" panose="02020603050405020304" pitchFamily="18" charset="0"/>
+              </a:rPr>
+              <a:t>)</a:t>
+            </a:r>
+            <a:r>
+              <a:rPr lang="en-US" sz="1200" dirty="0">
+                <a:latin typeface="Times New Roman" panose="02020603050405020304" pitchFamily="18" charset="0"/>
+                <a:cs typeface="Times New Roman" panose="02020603050405020304" pitchFamily="18" charset="0"/>
+              </a:rPr>
+              <a:t>* Gaussian_</a:t>
+            </a:r>
+            <a:r>
+              <a:rPr lang="en-US" sz="1200" dirty="0">
+                <a:effectLst/>
+                <a:latin typeface="Times New Roman" panose="02020603050405020304" pitchFamily="18" charset="0"/>
+                <a:ea typeface="Calibri" panose="020F0502020204030204" pitchFamily="34" charset="0"/>
+                <a:cs typeface="Times New Roman" panose="02020603050405020304" pitchFamily="18" charset="0"/>
+              </a:rPr>
+              <a:t>CDF</a:t>
+            </a:r>
+            <a:r>
+              <a:rPr lang="en-US" sz="1200" baseline="30000" dirty="0">
+                <a:effectLst/>
+                <a:latin typeface="Times New Roman" panose="02020603050405020304" pitchFamily="18" charset="0"/>
+                <a:ea typeface="Calibri" panose="020F0502020204030204" pitchFamily="34" charset="0"/>
+                <a:cs typeface="Times New Roman" panose="02020603050405020304" pitchFamily="18" charset="0"/>
+              </a:rPr>
+              <a:t>-1 </a:t>
+            </a:r>
+            <a:r>
+              <a:rPr lang="en-US" sz="1200" dirty="0">
+                <a:latin typeface="Times New Roman" panose="02020603050405020304" pitchFamily="18" charset="0"/>
+                <a:cs typeface="Times New Roman" panose="02020603050405020304" pitchFamily="18" charset="0"/>
+              </a:rPr>
+              <a:t>(U2)</a:t>
+            </a:r>
+          </a:p>
+          <a:p>
+            <a:pPr algn="ctr"/>
+            <a:endParaRPr lang="en-US" sz="1200" i="1" dirty="0">
+              <a:latin typeface="Times New Roman" panose="02020603050405020304" pitchFamily="18" charset="0"/>
+              <a:cs typeface="Times New Roman" panose="02020603050405020304" pitchFamily="18" charset="0"/>
+            </a:endParaRPr>
+          </a:p>
+          <a:p>
+            <a:pPr algn="ctr"/>
+            <a:r>
+              <a:rPr lang="en-US" sz="1200" i="1" dirty="0">
+                <a:latin typeface="Times New Roman" panose="02020603050405020304" pitchFamily="18" charset="0"/>
+                <a:cs typeface="Times New Roman" panose="02020603050405020304" pitchFamily="18" charset="0"/>
+              </a:rPr>
+              <a:t>For each edge containing node i</a:t>
+            </a:r>
+            <a:r>
+              <a:rPr lang="en-US" sz="1200" dirty="0">
+                <a:latin typeface="Times New Roman" panose="02020603050405020304" pitchFamily="18" charset="0"/>
+                <a:cs typeface="Times New Roman" panose="02020603050405020304" pitchFamily="18" charset="0"/>
+              </a:rPr>
+              <a:t>, </a:t>
+            </a:r>
+          </a:p>
+          <a:p>
+            <a:pPr algn="ctr"/>
             <a:r>
               <a:rPr lang="en-US" sz="1200" dirty="0">
                 <a:effectLst/>
@@ -4240,40 +4314,30 @@
               <a:t>d</a:t>
             </a:r>
             <a:r>
-              <a:rPr lang="en-US" sz="1200" dirty="0">
-                <a:latin typeface="Times New Roman" panose="02020603050405020304" pitchFamily="18" charset="0"/>
-                <a:cs typeface="Times New Roman" panose="02020603050405020304" pitchFamily="18" charset="0"/>
-              </a:rPr>
-              <a:t>) * Gaussian_</a:t>
-            </a:r>
-            <a:r>
-              <a:rPr lang="en-US" sz="1200" dirty="0">
+              <a:rPr lang="en-US" sz="1200" baseline="30000" dirty="0">
                 <a:effectLst/>
                 <a:latin typeface="Times New Roman" panose="02020603050405020304" pitchFamily="18" charset="0"/>
                 <a:ea typeface="Calibri" panose="020F0502020204030204" pitchFamily="34" charset="0"/>
                 <a:cs typeface="Times New Roman" panose="02020603050405020304" pitchFamily="18" charset="0"/>
               </a:rPr>
-              <a:t>CDF</a:t>
-            </a:r>
-            <a:r>
-              <a:rPr lang="en-US" sz="1200" baseline="30000" dirty="0">
+              <a:t> i</a:t>
+            </a:r>
+            <a:r>
+              <a:rPr lang="en-US" sz="1200" baseline="-25000" dirty="0">
                 <a:effectLst/>
                 <a:latin typeface="Times New Roman" panose="02020603050405020304" pitchFamily="18" charset="0"/>
                 <a:ea typeface="Calibri" panose="020F0502020204030204" pitchFamily="34" charset="0"/>
                 <a:cs typeface="Times New Roman" panose="02020603050405020304" pitchFamily="18" charset="0"/>
               </a:rPr>
-              <a:t>-1 </a:t>
+              <a:t> </a:t>
             </a:r>
             <a:r>
               <a:rPr lang="en-US" sz="1200" dirty="0">
                 <a:latin typeface="Times New Roman" panose="02020603050405020304" pitchFamily="18" charset="0"/>
                 <a:cs typeface="Times New Roman" panose="02020603050405020304" pitchFamily="18" charset="0"/>
               </a:rPr>
-              <a:t>(U2) </a:t>
-            </a:r>
-          </a:p>
-          <a:p>
-            <a:pPr algn="ctr"/>
+              <a:t>= exp(Gaussian(log(&lt;</a:t>
+            </a:r>
             <a:r>
               <a:rPr lang="en-US" sz="1200" dirty="0">
                 <a:effectLst/>
@@ -4290,39 +4354,73 @@
                 <a:ea typeface="Calibri" panose="020F0502020204030204" pitchFamily="34" charset="0"/>
                 <a:cs typeface="Times New Roman" panose="02020603050405020304" pitchFamily="18" charset="0"/>
               </a:rPr>
-              <a:t>d </a:t>
+              <a:t>d</a:t>
             </a:r>
             <a:r>
               <a:rPr lang="en-US" sz="1200" dirty="0">
                 <a:latin typeface="Times New Roman" panose="02020603050405020304" pitchFamily="18" charset="0"/>
                 <a:cs typeface="Times New Roman" panose="02020603050405020304" pitchFamily="18" charset="0"/>
               </a:rPr>
-              <a:t>= exp(Gaussian(log &lt;</a:t>
-            </a:r>
-            <a:r>
-              <a:rPr lang="en-US" sz="1200" dirty="0">
+              <a:t>&gt;</a:t>
+            </a:r>
+            <a:r>
+              <a:rPr lang="en-US" sz="1200" baseline="30000" dirty="0">
                 <a:effectLst/>
                 <a:latin typeface="Times New Roman" panose="02020603050405020304" pitchFamily="18" charset="0"/>
                 <a:ea typeface="Calibri" panose="020F0502020204030204" pitchFamily="34" charset="0"/>
                 <a:cs typeface="Times New Roman" panose="02020603050405020304" pitchFamily="18" charset="0"/>
               </a:rPr>
-              <a:t>K</a:t>
-            </a:r>
-            <a:r>
-              <a:rPr lang="en-US" sz="1200" baseline="-25000" dirty="0">
+              <a:t>i</a:t>
+            </a:r>
+            <a:r>
+              <a:rPr lang="en-US" sz="1200" dirty="0">
+                <a:latin typeface="Times New Roman" panose="02020603050405020304" pitchFamily="18" charset="0"/>
+                <a:cs typeface="Times New Roman" panose="02020603050405020304" pitchFamily="18" charset="0"/>
+              </a:rPr>
+              <a:t>), </a:t>
+            </a:r>
+            <a:r>
+              <a:rPr lang="en-US" sz="1200" i="0" dirty="0">
                 <a:effectLst/>
                 <a:latin typeface="Times New Roman" panose="02020603050405020304" pitchFamily="18" charset="0"/>
                 <a:ea typeface="Calibri" panose="020F0502020204030204" pitchFamily="34" charset="0"/>
                 <a:cs typeface="Times New Roman" panose="02020603050405020304" pitchFamily="18" charset="0"/>
               </a:rPr>
-              <a:t>d</a:t>
-            </a:r>
-            <a:r>
-              <a:rPr lang="en-US" sz="1200" dirty="0">
-                <a:latin typeface="Times New Roman" panose="02020603050405020304" pitchFamily="18" charset="0"/>
+              <a:t>σ</a:t>
+            </a:r>
+            <a:r>
+              <a:rPr lang="en-US" sz="1200" i="0" baseline="30000" dirty="0">
+                <a:effectLst/>
+                <a:latin typeface="Times New Roman" panose="02020603050405020304" pitchFamily="18" charset="0"/>
+                <a:ea typeface="Calibri" panose="020F0502020204030204" pitchFamily="34" charset="0"/>
                 <a:cs typeface="Times New Roman" panose="02020603050405020304" pitchFamily="18" charset="0"/>
               </a:rPr>
-              <a:t>&gt;, STD(k)))</a:t>
+              <a:t>k</a:t>
+            </a:r>
+            <a:r>
+              <a:rPr lang="en-US" sz="1000" i="0" baseline="30000" dirty="0">
+                <a:effectLst/>
+                <a:latin typeface="Times New Roman" panose="02020603050405020304" pitchFamily="18" charset="0"/>
+                <a:ea typeface="Calibri" panose="020F0502020204030204" pitchFamily="34" charset="0"/>
+                <a:cs typeface="Times New Roman" panose="02020603050405020304" pitchFamily="18" charset="0"/>
+              </a:rPr>
+              <a:t>i</a:t>
+            </a:r>
+            <a:r>
+              <a:rPr lang="en-US" sz="1200" i="0" baseline="-25000" dirty="0">
+                <a:effectLst/>
+                <a:latin typeface="Times New Roman" panose="02020603050405020304" pitchFamily="18" charset="0"/>
+                <a:ea typeface="Calibri" panose="020F0502020204030204" pitchFamily="34" charset="0"/>
+                <a:cs typeface="Times New Roman" panose="02020603050405020304" pitchFamily="18" charset="0"/>
+              </a:rPr>
+              <a:t>log(Kd)</a:t>
+            </a:r>
+            <a:r>
+              <a:rPr lang="en-US" sz="1200" dirty="0">
+                <a:latin typeface="Times New Roman" panose="02020603050405020304" pitchFamily="18" charset="0"/>
+                <a:cs typeface="Times New Roman" panose="02020603050405020304" pitchFamily="18" charset="0"/>
+              </a:rPr>
+              <a:t>))</a:t>
             </a:r>
           </a:p>
         </p:txBody>
@@ -4341,7 +4439,7 @@
         </p:nvGrpSpPr>
         <p:grpSpPr>
           <a:xfrm>
-            <a:off x="8732944" y="5697099"/>
+            <a:off x="8613727" y="5736869"/>
             <a:ext cx="3556692" cy="2330334"/>
             <a:chOff x="8390447" y="5358018"/>
             <a:chExt cx="3556692" cy="2330334"/>
@@ -4685,7 +4783,25 @@
                   <a:ea typeface="Calibri" panose="020F0502020204030204" pitchFamily="34" charset="0"/>
                   <a:cs typeface="Times New Roman" panose="02020603050405020304" pitchFamily="18" charset="0"/>
                 </a:rPr>
-                <a:t>(i,j) </a:t>
+                <a:t>(</a:t>
+              </a:r>
+              <a:r>
+                <a:rPr lang="en-US" sz="1200" baseline="30000" dirty="0" err="1">
+                  <a:effectLst/>
+                  <a:latin typeface="Times New Roman" panose="02020603050405020304" pitchFamily="18" charset="0"/>
+                  <a:ea typeface="Calibri" panose="020F0502020204030204" pitchFamily="34" charset="0"/>
+                  <a:cs typeface="Times New Roman" panose="02020603050405020304" pitchFamily="18" charset="0"/>
+                </a:rPr>
+                <a:t>i,j</a:t>
+              </a:r>
+              <a:r>
+                <a:rPr lang="en-US" sz="1200" baseline="30000" dirty="0">
+                  <a:effectLst/>
+                  <a:latin typeface="Times New Roman" panose="02020603050405020304" pitchFamily="18" charset="0"/>
+                  <a:ea typeface="Calibri" panose="020F0502020204030204" pitchFamily="34" charset="0"/>
+                  <a:cs typeface="Times New Roman" panose="02020603050405020304" pitchFamily="18" charset="0"/>
+                </a:rPr>
+                <a:t>) </a:t>
               </a:r>
               <a:r>
                 <a:rPr lang="en-US" sz="1200" dirty="0">
@@ -4765,8 +4881,8 @@
         </p:nvSpPr>
         <p:spPr>
           <a:xfrm>
-            <a:off x="3356955" y="6860168"/>
-            <a:ext cx="661029" cy="489745"/>
+            <a:off x="3461365" y="6828031"/>
+            <a:ext cx="410377" cy="489745"/>
           </a:xfrm>
           <a:prstGeom prst="rightArrow">
             <a:avLst/>
@@ -4817,8 +4933,8 @@
         </p:nvSpPr>
         <p:spPr>
           <a:xfrm>
-            <a:off x="8198592" y="6832955"/>
-            <a:ext cx="661029" cy="489745"/>
+            <a:off x="8280631" y="6848770"/>
+            <a:ext cx="372651" cy="489745"/>
           </a:xfrm>
           <a:prstGeom prst="rightArrow">
             <a:avLst/>
@@ -5089,1530 +5205,6 @@
       </p:sp>
       <p:sp>
         <p:nvSpPr>
-          <p:cNvPr id="130" name="Flowchart: Data 129">
-            <a:extLst>
-              <a:ext uri="{FF2B5EF4-FFF2-40B4-BE49-F238E27FC236}">
-                <a16:creationId xmlns:a16="http://schemas.microsoft.com/office/drawing/2014/main" id="{74C8B2B6-2E5C-45B3-B9B6-8841405CD935}"/>
-              </a:ext>
-            </a:extLst>
-          </p:cNvPr>
-          <p:cNvSpPr/>
-          <p:nvPr/>
-        </p:nvSpPr>
-        <p:spPr>
-          <a:xfrm>
-            <a:off x="7698429" y="9629742"/>
-            <a:ext cx="2873368" cy="1395713"/>
-          </a:xfrm>
-          <a:prstGeom prst="flowChartInputOutput">
-            <a:avLst/>
-          </a:prstGeom>
-          <a:solidFill>
-            <a:schemeClr val="bg1"/>
-          </a:solidFill>
-          <a:ln w="6350"/>
-        </p:spPr>
-        <p:style>
-          <a:lnRef idx="2">
-            <a:schemeClr val="accent1">
-              <a:shade val="50000"/>
-            </a:schemeClr>
-          </a:lnRef>
-          <a:fillRef idx="1">
-            <a:schemeClr val="accent1"/>
-          </a:fillRef>
-          <a:effectRef idx="0">
-            <a:schemeClr val="accent1"/>
-          </a:effectRef>
-          <a:fontRef idx="minor">
-            <a:schemeClr val="lt1"/>
-          </a:fontRef>
-        </p:style>
-        <p:txBody>
-          <a:bodyPr rtlCol="0" anchor="ctr"/>
-          <a:lstStyle/>
-          <a:p>
-            <a:pPr algn="ctr"/>
-            <a:endParaRPr lang="en-US" sz="1965"/>
-          </a:p>
-        </p:txBody>
-      </p:sp>
-      <p:sp>
-        <p:nvSpPr>
-          <p:cNvPr id="131" name="Oval 130">
-            <a:extLst>
-              <a:ext uri="{FF2B5EF4-FFF2-40B4-BE49-F238E27FC236}">
-                <a16:creationId xmlns:a16="http://schemas.microsoft.com/office/drawing/2014/main" id="{C26318F3-B61A-4CB3-9F52-54164B59FA5B}"/>
-              </a:ext>
-            </a:extLst>
-          </p:cNvPr>
-          <p:cNvSpPr/>
-          <p:nvPr/>
-        </p:nvSpPr>
-        <p:spPr>
-          <a:xfrm>
-            <a:off x="8021335" y="10657722"/>
-            <a:ext cx="191558" cy="158263"/>
-          </a:xfrm>
-          <a:prstGeom prst="ellipse">
-            <a:avLst/>
-          </a:prstGeom>
-          <a:solidFill>
-            <a:schemeClr val="accent1">
-              <a:lumMod val="40000"/>
-              <a:lumOff val="60000"/>
-            </a:schemeClr>
-          </a:solidFill>
-        </p:spPr>
-        <p:style>
-          <a:lnRef idx="2">
-            <a:schemeClr val="accent1">
-              <a:shade val="50000"/>
-            </a:schemeClr>
-          </a:lnRef>
-          <a:fillRef idx="1">
-            <a:schemeClr val="accent1"/>
-          </a:fillRef>
-          <a:effectRef idx="0">
-            <a:schemeClr val="accent1"/>
-          </a:effectRef>
-          <a:fontRef idx="minor">
-            <a:schemeClr val="lt1"/>
-          </a:fontRef>
-        </p:style>
-        <p:txBody>
-          <a:bodyPr rtlCol="0" anchor="ctr"/>
-          <a:lstStyle/>
-          <a:p>
-            <a:pPr algn="ctr"/>
-            <a:endParaRPr lang="en-US" sz="1965"/>
-          </a:p>
-        </p:txBody>
-      </p:sp>
-      <p:sp>
-        <p:nvSpPr>
-          <p:cNvPr id="132" name="Oval 131">
-            <a:extLst>
-              <a:ext uri="{FF2B5EF4-FFF2-40B4-BE49-F238E27FC236}">
-                <a16:creationId xmlns:a16="http://schemas.microsoft.com/office/drawing/2014/main" id="{22D4794F-8658-4DE0-8BE0-B47995F3B6A8}"/>
-              </a:ext>
-            </a:extLst>
-          </p:cNvPr>
-          <p:cNvSpPr/>
-          <p:nvPr/>
-        </p:nvSpPr>
-        <p:spPr>
-          <a:xfrm>
-            <a:off x="8373671" y="9899645"/>
-            <a:ext cx="191558" cy="158263"/>
-          </a:xfrm>
-          <a:prstGeom prst="ellipse">
-            <a:avLst/>
-          </a:prstGeom>
-          <a:solidFill>
-            <a:schemeClr val="accent1">
-              <a:lumMod val="40000"/>
-              <a:lumOff val="60000"/>
-            </a:schemeClr>
-          </a:solidFill>
-        </p:spPr>
-        <p:style>
-          <a:lnRef idx="2">
-            <a:schemeClr val="accent1">
-              <a:shade val="50000"/>
-            </a:schemeClr>
-          </a:lnRef>
-          <a:fillRef idx="1">
-            <a:schemeClr val="accent1"/>
-          </a:fillRef>
-          <a:effectRef idx="0">
-            <a:schemeClr val="accent1"/>
-          </a:effectRef>
-          <a:fontRef idx="minor">
-            <a:schemeClr val="lt1"/>
-          </a:fontRef>
-        </p:style>
-        <p:txBody>
-          <a:bodyPr rtlCol="0" anchor="ctr"/>
-          <a:lstStyle/>
-          <a:p>
-            <a:pPr algn="ctr"/>
-            <a:endParaRPr lang="en-US" sz="1965"/>
-          </a:p>
-        </p:txBody>
-      </p:sp>
-      <p:sp>
-        <p:nvSpPr>
-          <p:cNvPr id="133" name="Oval 132">
-            <a:extLst>
-              <a:ext uri="{FF2B5EF4-FFF2-40B4-BE49-F238E27FC236}">
-                <a16:creationId xmlns:a16="http://schemas.microsoft.com/office/drawing/2014/main" id="{90FFC2FF-7E3D-4C74-AE57-4599204C8199}"/>
-              </a:ext>
-            </a:extLst>
-          </p:cNvPr>
-          <p:cNvSpPr/>
-          <p:nvPr/>
-        </p:nvSpPr>
-        <p:spPr>
-          <a:xfrm>
-            <a:off x="9024930" y="9984025"/>
-            <a:ext cx="191558" cy="158263"/>
-          </a:xfrm>
-          <a:prstGeom prst="ellipse">
-            <a:avLst/>
-          </a:prstGeom>
-          <a:solidFill>
-            <a:schemeClr val="accent1">
-              <a:lumMod val="40000"/>
-              <a:lumOff val="60000"/>
-            </a:schemeClr>
-          </a:solidFill>
-        </p:spPr>
-        <p:style>
-          <a:lnRef idx="2">
-            <a:schemeClr val="accent1">
-              <a:shade val="50000"/>
-            </a:schemeClr>
-          </a:lnRef>
-          <a:fillRef idx="1">
-            <a:schemeClr val="accent1"/>
-          </a:fillRef>
-          <a:effectRef idx="0">
-            <a:schemeClr val="accent1"/>
-          </a:effectRef>
-          <a:fontRef idx="minor">
-            <a:schemeClr val="lt1"/>
-          </a:fontRef>
-        </p:style>
-        <p:txBody>
-          <a:bodyPr rtlCol="0" anchor="ctr"/>
-          <a:lstStyle/>
-          <a:p>
-            <a:pPr algn="ctr"/>
-            <a:endParaRPr lang="en-US" sz="1965"/>
-          </a:p>
-        </p:txBody>
-      </p:sp>
-      <p:sp>
-        <p:nvSpPr>
-          <p:cNvPr id="134" name="Oval 133">
-            <a:extLst>
-              <a:ext uri="{FF2B5EF4-FFF2-40B4-BE49-F238E27FC236}">
-                <a16:creationId xmlns:a16="http://schemas.microsoft.com/office/drawing/2014/main" id="{4BB1A7DB-C7A6-4DE3-8E6B-D6D7AA64DE17}"/>
-              </a:ext>
-            </a:extLst>
-          </p:cNvPr>
-          <p:cNvSpPr/>
-          <p:nvPr/>
-        </p:nvSpPr>
-        <p:spPr>
-          <a:xfrm>
-            <a:off x="8680163" y="10323231"/>
-            <a:ext cx="191558" cy="158263"/>
-          </a:xfrm>
-          <a:prstGeom prst="ellipse">
-            <a:avLst/>
-          </a:prstGeom>
-          <a:solidFill>
-            <a:schemeClr val="accent1">
-              <a:lumMod val="40000"/>
-              <a:lumOff val="60000"/>
-            </a:schemeClr>
-          </a:solidFill>
-        </p:spPr>
-        <p:style>
-          <a:lnRef idx="2">
-            <a:schemeClr val="accent1">
-              <a:shade val="50000"/>
-            </a:schemeClr>
-          </a:lnRef>
-          <a:fillRef idx="1">
-            <a:schemeClr val="accent1"/>
-          </a:fillRef>
-          <a:effectRef idx="0">
-            <a:schemeClr val="accent1"/>
-          </a:effectRef>
-          <a:fontRef idx="minor">
-            <a:schemeClr val="lt1"/>
-          </a:fontRef>
-        </p:style>
-        <p:txBody>
-          <a:bodyPr rtlCol="0" anchor="ctr"/>
-          <a:lstStyle/>
-          <a:p>
-            <a:pPr algn="ctr"/>
-            <a:endParaRPr lang="en-US" sz="1965"/>
-          </a:p>
-        </p:txBody>
-      </p:sp>
-      <p:cxnSp>
-        <p:nvCxnSpPr>
-          <p:cNvPr id="135" name="Straight Connector 134">
-            <a:extLst>
-              <a:ext uri="{FF2B5EF4-FFF2-40B4-BE49-F238E27FC236}">
-                <a16:creationId xmlns:a16="http://schemas.microsoft.com/office/drawing/2014/main" id="{679E2FFD-581B-47B8-A9FD-9E2F2CE0BAA4}"/>
-              </a:ext>
-            </a:extLst>
-          </p:cNvPr>
-          <p:cNvCxnSpPr>
-            <a:cxnSpLocks/>
-            <a:stCxn id="131" idx="7"/>
-            <a:endCxn id="134" idx="2"/>
-          </p:cNvCxnSpPr>
-          <p:nvPr/>
-        </p:nvCxnSpPr>
-        <p:spPr>
-          <a:xfrm flipV="1">
-            <a:off x="8184840" y="10402363"/>
-            <a:ext cx="495323" cy="278536"/>
-          </a:xfrm>
-          <a:prstGeom prst="line">
-            <a:avLst/>
-          </a:prstGeom>
-        </p:spPr>
-        <p:style>
-          <a:lnRef idx="1">
-            <a:schemeClr val="accent1"/>
-          </a:lnRef>
-          <a:fillRef idx="0">
-            <a:schemeClr val="accent1"/>
-          </a:fillRef>
-          <a:effectRef idx="0">
-            <a:schemeClr val="accent1"/>
-          </a:effectRef>
-          <a:fontRef idx="minor">
-            <a:schemeClr val="tx1"/>
-          </a:fontRef>
-        </p:style>
-      </p:cxnSp>
-      <p:cxnSp>
-        <p:nvCxnSpPr>
-          <p:cNvPr id="136" name="Straight Connector 135">
-            <a:extLst>
-              <a:ext uri="{FF2B5EF4-FFF2-40B4-BE49-F238E27FC236}">
-                <a16:creationId xmlns:a16="http://schemas.microsoft.com/office/drawing/2014/main" id="{2AF8D042-47E2-445D-9818-F12DC9A37BD9}"/>
-              </a:ext>
-            </a:extLst>
-          </p:cNvPr>
-          <p:cNvCxnSpPr>
-            <a:stCxn id="132" idx="5"/>
-            <a:endCxn id="134" idx="1"/>
-          </p:cNvCxnSpPr>
-          <p:nvPr/>
-        </p:nvCxnSpPr>
-        <p:spPr>
-          <a:xfrm>
-            <a:off x="8537176" y="10034731"/>
-            <a:ext cx="171040" cy="311677"/>
-          </a:xfrm>
-          <a:prstGeom prst="line">
-            <a:avLst/>
-          </a:prstGeom>
-        </p:spPr>
-        <p:style>
-          <a:lnRef idx="1">
-            <a:schemeClr val="accent1"/>
-          </a:lnRef>
-          <a:fillRef idx="0">
-            <a:schemeClr val="accent1"/>
-          </a:fillRef>
-          <a:effectRef idx="0">
-            <a:schemeClr val="accent1"/>
-          </a:effectRef>
-          <a:fontRef idx="minor">
-            <a:schemeClr val="tx1"/>
-          </a:fontRef>
-        </p:style>
-      </p:cxnSp>
-      <p:sp>
-        <p:nvSpPr>
-          <p:cNvPr id="137" name="Oval 136">
-            <a:extLst>
-              <a:ext uri="{FF2B5EF4-FFF2-40B4-BE49-F238E27FC236}">
-                <a16:creationId xmlns:a16="http://schemas.microsoft.com/office/drawing/2014/main" id="{6C8AA97F-9870-411C-A3E0-FD6268CF4E25}"/>
-              </a:ext>
-            </a:extLst>
-          </p:cNvPr>
-          <p:cNvSpPr/>
-          <p:nvPr/>
-        </p:nvSpPr>
-        <p:spPr>
-          <a:xfrm rot="699369">
-            <a:off x="9125459" y="10555618"/>
-            <a:ext cx="191558" cy="158263"/>
-          </a:xfrm>
-          <a:prstGeom prst="ellipse">
-            <a:avLst/>
-          </a:prstGeom>
-          <a:solidFill>
-            <a:schemeClr val="accent1">
-              <a:lumMod val="40000"/>
-              <a:lumOff val="60000"/>
-            </a:schemeClr>
-          </a:solidFill>
-        </p:spPr>
-        <p:style>
-          <a:lnRef idx="2">
-            <a:schemeClr val="accent1">
-              <a:shade val="50000"/>
-            </a:schemeClr>
-          </a:lnRef>
-          <a:fillRef idx="1">
-            <a:schemeClr val="accent1"/>
-          </a:fillRef>
-          <a:effectRef idx="0">
-            <a:schemeClr val="accent1"/>
-          </a:effectRef>
-          <a:fontRef idx="minor">
-            <a:schemeClr val="lt1"/>
-          </a:fontRef>
-        </p:style>
-        <p:txBody>
-          <a:bodyPr rtlCol="0" anchor="ctr"/>
-          <a:lstStyle/>
-          <a:p>
-            <a:pPr algn="ctr"/>
-            <a:endParaRPr lang="en-US" sz="1965"/>
-          </a:p>
-        </p:txBody>
-      </p:sp>
-      <p:cxnSp>
-        <p:nvCxnSpPr>
-          <p:cNvPr id="138" name="Straight Connector 137">
-            <a:extLst>
-              <a:ext uri="{FF2B5EF4-FFF2-40B4-BE49-F238E27FC236}">
-                <a16:creationId xmlns:a16="http://schemas.microsoft.com/office/drawing/2014/main" id="{E0567B63-350D-4EBE-9852-45A4DE6BC686}"/>
-              </a:ext>
-            </a:extLst>
-          </p:cNvPr>
-          <p:cNvCxnSpPr>
-            <a:cxnSpLocks/>
-            <a:stCxn id="133" idx="4"/>
-            <a:endCxn id="137" idx="1"/>
-          </p:cNvCxnSpPr>
-          <p:nvPr/>
-        </p:nvCxnSpPr>
-        <p:spPr>
-          <a:xfrm>
-            <a:off x="9120709" y="10142287"/>
-            <a:ext cx="45831" cy="424360"/>
-          </a:xfrm>
-          <a:prstGeom prst="line">
-            <a:avLst/>
-          </a:prstGeom>
-        </p:spPr>
-        <p:style>
-          <a:lnRef idx="1">
-            <a:schemeClr val="accent1"/>
-          </a:lnRef>
-          <a:fillRef idx="0">
-            <a:schemeClr val="accent1"/>
-          </a:fillRef>
-          <a:effectRef idx="0">
-            <a:schemeClr val="accent1"/>
-          </a:effectRef>
-          <a:fontRef idx="minor">
-            <a:schemeClr val="tx1"/>
-          </a:fontRef>
-        </p:style>
-      </p:cxnSp>
-      <p:sp>
-        <p:nvSpPr>
-          <p:cNvPr id="139" name="Oval 138">
-            <a:extLst>
-              <a:ext uri="{FF2B5EF4-FFF2-40B4-BE49-F238E27FC236}">
-                <a16:creationId xmlns:a16="http://schemas.microsoft.com/office/drawing/2014/main" id="{D6922D57-EFE1-41DE-80BC-7ADF122EB56D}"/>
-              </a:ext>
-            </a:extLst>
-          </p:cNvPr>
-          <p:cNvSpPr/>
-          <p:nvPr/>
-        </p:nvSpPr>
-        <p:spPr>
-          <a:xfrm>
-            <a:off x="9732359" y="9682523"/>
-            <a:ext cx="191558" cy="158263"/>
-          </a:xfrm>
-          <a:prstGeom prst="ellipse">
-            <a:avLst/>
-          </a:prstGeom>
-          <a:solidFill>
-            <a:schemeClr val="accent1">
-              <a:lumMod val="40000"/>
-              <a:lumOff val="60000"/>
-            </a:schemeClr>
-          </a:solidFill>
-        </p:spPr>
-        <p:style>
-          <a:lnRef idx="2">
-            <a:schemeClr val="accent1">
-              <a:shade val="50000"/>
-            </a:schemeClr>
-          </a:lnRef>
-          <a:fillRef idx="1">
-            <a:schemeClr val="accent1"/>
-          </a:fillRef>
-          <a:effectRef idx="0">
-            <a:schemeClr val="accent1"/>
-          </a:effectRef>
-          <a:fontRef idx="minor">
-            <a:schemeClr val="lt1"/>
-          </a:fontRef>
-        </p:style>
-        <p:txBody>
-          <a:bodyPr rtlCol="0" anchor="ctr"/>
-          <a:lstStyle/>
-          <a:p>
-            <a:pPr algn="ctr"/>
-            <a:endParaRPr lang="en-US" sz="1965"/>
-          </a:p>
-        </p:txBody>
-      </p:sp>
-      <p:sp>
-        <p:nvSpPr>
-          <p:cNvPr id="140" name="Oval 139">
-            <a:extLst>
-              <a:ext uri="{FF2B5EF4-FFF2-40B4-BE49-F238E27FC236}">
-                <a16:creationId xmlns:a16="http://schemas.microsoft.com/office/drawing/2014/main" id="{2CDCCDD0-13F8-471F-B658-AD2B90679EE7}"/>
-              </a:ext>
-            </a:extLst>
-          </p:cNvPr>
-          <p:cNvSpPr/>
-          <p:nvPr/>
-        </p:nvSpPr>
-        <p:spPr>
-          <a:xfrm>
-            <a:off x="10108979" y="9869597"/>
-            <a:ext cx="191558" cy="158263"/>
-          </a:xfrm>
-          <a:prstGeom prst="ellipse">
-            <a:avLst/>
-          </a:prstGeom>
-          <a:solidFill>
-            <a:schemeClr val="accent1">
-              <a:lumMod val="40000"/>
-              <a:lumOff val="60000"/>
-            </a:schemeClr>
-          </a:solidFill>
-        </p:spPr>
-        <p:style>
-          <a:lnRef idx="2">
-            <a:schemeClr val="accent1">
-              <a:shade val="50000"/>
-            </a:schemeClr>
-          </a:lnRef>
-          <a:fillRef idx="1">
-            <a:schemeClr val="accent1"/>
-          </a:fillRef>
-          <a:effectRef idx="0">
-            <a:schemeClr val="accent1"/>
-          </a:effectRef>
-          <a:fontRef idx="minor">
-            <a:schemeClr val="lt1"/>
-          </a:fontRef>
-        </p:style>
-        <p:txBody>
-          <a:bodyPr rtlCol="0" anchor="ctr"/>
-          <a:lstStyle/>
-          <a:p>
-            <a:pPr algn="ctr"/>
-            <a:endParaRPr lang="en-US" sz="1965"/>
-          </a:p>
-        </p:txBody>
-      </p:sp>
-      <p:sp>
-        <p:nvSpPr>
-          <p:cNvPr id="141" name="Oval 140">
-            <a:extLst>
-              <a:ext uri="{FF2B5EF4-FFF2-40B4-BE49-F238E27FC236}">
-                <a16:creationId xmlns:a16="http://schemas.microsoft.com/office/drawing/2014/main" id="{EB6DA694-7A4A-4E53-992A-173C8CC92440}"/>
-              </a:ext>
-            </a:extLst>
-          </p:cNvPr>
-          <p:cNvSpPr/>
-          <p:nvPr/>
-        </p:nvSpPr>
-        <p:spPr>
-          <a:xfrm>
-            <a:off x="9853455" y="10481494"/>
-            <a:ext cx="191558" cy="158263"/>
-          </a:xfrm>
-          <a:prstGeom prst="ellipse">
-            <a:avLst/>
-          </a:prstGeom>
-          <a:solidFill>
-            <a:schemeClr val="accent1">
-              <a:lumMod val="40000"/>
-              <a:lumOff val="60000"/>
-            </a:schemeClr>
-          </a:solidFill>
-        </p:spPr>
-        <p:style>
-          <a:lnRef idx="2">
-            <a:schemeClr val="accent1">
-              <a:shade val="50000"/>
-            </a:schemeClr>
-          </a:lnRef>
-          <a:fillRef idx="1">
-            <a:schemeClr val="accent1"/>
-          </a:fillRef>
-          <a:effectRef idx="0">
-            <a:schemeClr val="accent1"/>
-          </a:effectRef>
-          <a:fontRef idx="minor">
-            <a:schemeClr val="lt1"/>
-          </a:fontRef>
-        </p:style>
-        <p:txBody>
-          <a:bodyPr rtlCol="0" anchor="ctr"/>
-          <a:lstStyle/>
-          <a:p>
-            <a:pPr algn="ctr"/>
-            <a:endParaRPr lang="en-US" sz="1965"/>
-          </a:p>
-        </p:txBody>
-      </p:sp>
-      <p:sp>
-        <p:nvSpPr>
-          <p:cNvPr id="142" name="Oval 141">
-            <a:extLst>
-              <a:ext uri="{FF2B5EF4-FFF2-40B4-BE49-F238E27FC236}">
-                <a16:creationId xmlns:a16="http://schemas.microsoft.com/office/drawing/2014/main" id="{94DC5904-53B0-4885-8AE3-F6179D5A481E}"/>
-              </a:ext>
-            </a:extLst>
-          </p:cNvPr>
-          <p:cNvSpPr/>
-          <p:nvPr/>
-        </p:nvSpPr>
-        <p:spPr>
-          <a:xfrm rot="699369">
-            <a:off x="9636580" y="10179662"/>
-            <a:ext cx="191558" cy="158263"/>
-          </a:xfrm>
-          <a:prstGeom prst="ellipse">
-            <a:avLst/>
-          </a:prstGeom>
-          <a:solidFill>
-            <a:schemeClr val="accent1">
-              <a:lumMod val="40000"/>
-              <a:lumOff val="60000"/>
-            </a:schemeClr>
-          </a:solidFill>
-        </p:spPr>
-        <p:style>
-          <a:lnRef idx="2">
-            <a:schemeClr val="accent1">
-              <a:shade val="50000"/>
-            </a:schemeClr>
-          </a:lnRef>
-          <a:fillRef idx="1">
-            <a:schemeClr val="accent1"/>
-          </a:fillRef>
-          <a:effectRef idx="0">
-            <a:schemeClr val="accent1"/>
-          </a:effectRef>
-          <a:fontRef idx="minor">
-            <a:schemeClr val="lt1"/>
-          </a:fontRef>
-        </p:style>
-        <p:txBody>
-          <a:bodyPr rtlCol="0" anchor="ctr"/>
-          <a:lstStyle/>
-          <a:p>
-            <a:pPr algn="ctr"/>
-            <a:endParaRPr lang="en-US" sz="1965"/>
-          </a:p>
-        </p:txBody>
-      </p:sp>
-      <p:cxnSp>
-        <p:nvCxnSpPr>
-          <p:cNvPr id="143" name="Straight Connector 142">
-            <a:extLst>
-              <a:ext uri="{FF2B5EF4-FFF2-40B4-BE49-F238E27FC236}">
-                <a16:creationId xmlns:a16="http://schemas.microsoft.com/office/drawing/2014/main" id="{348C70BF-37AC-4B0B-BFA9-B0105C682AAA}"/>
-              </a:ext>
-            </a:extLst>
-          </p:cNvPr>
-          <p:cNvCxnSpPr>
-            <a:cxnSpLocks/>
-            <a:stCxn id="142" idx="0"/>
-            <a:endCxn id="139" idx="4"/>
-          </p:cNvCxnSpPr>
-          <p:nvPr/>
-        </p:nvCxnSpPr>
-        <p:spPr>
-          <a:xfrm flipV="1">
-            <a:off x="9748807" y="9840786"/>
-            <a:ext cx="79331" cy="340508"/>
-          </a:xfrm>
-          <a:prstGeom prst="line">
-            <a:avLst/>
-          </a:prstGeom>
-        </p:spPr>
-        <p:style>
-          <a:lnRef idx="1">
-            <a:schemeClr val="accent1"/>
-          </a:lnRef>
-          <a:fillRef idx="0">
-            <a:schemeClr val="accent1"/>
-          </a:fillRef>
-          <a:effectRef idx="0">
-            <a:schemeClr val="accent1"/>
-          </a:effectRef>
-          <a:fontRef idx="minor">
-            <a:schemeClr val="tx1"/>
-          </a:fontRef>
-        </p:style>
-      </p:cxnSp>
-      <p:cxnSp>
-        <p:nvCxnSpPr>
-          <p:cNvPr id="144" name="Straight Connector 143">
-            <a:extLst>
-              <a:ext uri="{FF2B5EF4-FFF2-40B4-BE49-F238E27FC236}">
-                <a16:creationId xmlns:a16="http://schemas.microsoft.com/office/drawing/2014/main" id="{2EB96C58-DD5D-4BC7-8305-E28E6C4E49A7}"/>
-              </a:ext>
-            </a:extLst>
-          </p:cNvPr>
-          <p:cNvCxnSpPr>
-            <a:cxnSpLocks/>
-            <a:stCxn id="140" idx="3"/>
-            <a:endCxn id="142" idx="7"/>
-          </p:cNvCxnSpPr>
-          <p:nvPr/>
-        </p:nvCxnSpPr>
-        <p:spPr>
-          <a:xfrm flipH="1">
-            <a:off x="9810319" y="10004683"/>
-            <a:ext cx="326713" cy="212610"/>
-          </a:xfrm>
-          <a:prstGeom prst="line">
-            <a:avLst/>
-          </a:prstGeom>
-        </p:spPr>
-        <p:style>
-          <a:lnRef idx="1">
-            <a:schemeClr val="accent1"/>
-          </a:lnRef>
-          <a:fillRef idx="0">
-            <a:schemeClr val="accent1"/>
-          </a:fillRef>
-          <a:effectRef idx="0">
-            <a:schemeClr val="accent1"/>
-          </a:effectRef>
-          <a:fontRef idx="minor">
-            <a:schemeClr val="tx1"/>
-          </a:fontRef>
-        </p:style>
-      </p:cxnSp>
-      <p:cxnSp>
-        <p:nvCxnSpPr>
-          <p:cNvPr id="145" name="Straight Connector 144">
-            <a:extLst>
-              <a:ext uri="{FF2B5EF4-FFF2-40B4-BE49-F238E27FC236}">
-                <a16:creationId xmlns:a16="http://schemas.microsoft.com/office/drawing/2014/main" id="{41A32415-1516-4EB9-8C26-FA96FF107A56}"/>
-              </a:ext>
-            </a:extLst>
-          </p:cNvPr>
-          <p:cNvCxnSpPr>
-            <a:cxnSpLocks/>
-            <a:endCxn id="141" idx="1"/>
-          </p:cNvCxnSpPr>
-          <p:nvPr/>
-        </p:nvCxnSpPr>
-        <p:spPr>
-          <a:xfrm>
-            <a:off x="9759005" y="10332985"/>
-            <a:ext cx="122503" cy="171686"/>
-          </a:xfrm>
-          <a:prstGeom prst="line">
-            <a:avLst/>
-          </a:prstGeom>
-        </p:spPr>
-        <p:style>
-          <a:lnRef idx="1">
-            <a:schemeClr val="accent1"/>
-          </a:lnRef>
-          <a:fillRef idx="0">
-            <a:schemeClr val="accent1"/>
-          </a:fillRef>
-          <a:effectRef idx="0">
-            <a:schemeClr val="accent1"/>
-          </a:effectRef>
-          <a:fontRef idx="minor">
-            <a:schemeClr val="tx1"/>
-          </a:fontRef>
-        </p:style>
-      </p:cxnSp>
-      <p:sp>
-        <p:nvSpPr>
-          <p:cNvPr id="146" name="Flowchart: Data 145">
-            <a:extLst>
-              <a:ext uri="{FF2B5EF4-FFF2-40B4-BE49-F238E27FC236}">
-                <a16:creationId xmlns:a16="http://schemas.microsoft.com/office/drawing/2014/main" id="{03A771F8-9883-496F-B35B-F04F3951B962}"/>
-              </a:ext>
-            </a:extLst>
-          </p:cNvPr>
-          <p:cNvSpPr/>
-          <p:nvPr/>
-        </p:nvSpPr>
-        <p:spPr>
-          <a:xfrm>
-            <a:off x="7637922" y="11072778"/>
-            <a:ext cx="2873368" cy="1395713"/>
-          </a:xfrm>
-          <a:prstGeom prst="flowChartInputOutput">
-            <a:avLst/>
-          </a:prstGeom>
-          <a:solidFill>
-            <a:schemeClr val="bg1"/>
-          </a:solidFill>
-          <a:ln w="6350"/>
-        </p:spPr>
-        <p:style>
-          <a:lnRef idx="2">
-            <a:schemeClr val="accent1">
-              <a:shade val="50000"/>
-            </a:schemeClr>
-          </a:lnRef>
-          <a:fillRef idx="1">
-            <a:schemeClr val="accent1"/>
-          </a:fillRef>
-          <a:effectRef idx="0">
-            <a:schemeClr val="accent1"/>
-          </a:effectRef>
-          <a:fontRef idx="minor">
-            <a:schemeClr val="lt1"/>
-          </a:fontRef>
-        </p:style>
-        <p:txBody>
-          <a:bodyPr rtlCol="0" anchor="ctr"/>
-          <a:lstStyle/>
-          <a:p>
-            <a:pPr algn="ctr"/>
-            <a:endParaRPr lang="en-US" sz="1965"/>
-          </a:p>
-        </p:txBody>
-      </p:sp>
-      <p:sp>
-        <p:nvSpPr>
-          <p:cNvPr id="147" name="Oval 146">
-            <a:extLst>
-              <a:ext uri="{FF2B5EF4-FFF2-40B4-BE49-F238E27FC236}">
-                <a16:creationId xmlns:a16="http://schemas.microsoft.com/office/drawing/2014/main" id="{44046624-0DCB-4688-A6B0-D0D285C19B83}"/>
-              </a:ext>
-            </a:extLst>
-          </p:cNvPr>
-          <p:cNvSpPr/>
-          <p:nvPr/>
-        </p:nvSpPr>
-        <p:spPr>
-          <a:xfrm>
-            <a:off x="8021335" y="12058415"/>
-            <a:ext cx="191558" cy="158263"/>
-          </a:xfrm>
-          <a:prstGeom prst="ellipse">
-            <a:avLst/>
-          </a:prstGeom>
-          <a:solidFill>
-            <a:schemeClr val="accent1">
-              <a:lumMod val="40000"/>
-              <a:lumOff val="60000"/>
-            </a:schemeClr>
-          </a:solidFill>
-        </p:spPr>
-        <p:style>
-          <a:lnRef idx="2">
-            <a:schemeClr val="accent1">
-              <a:shade val="50000"/>
-            </a:schemeClr>
-          </a:lnRef>
-          <a:fillRef idx="1">
-            <a:schemeClr val="accent1"/>
-          </a:fillRef>
-          <a:effectRef idx="0">
-            <a:schemeClr val="accent1"/>
-          </a:effectRef>
-          <a:fontRef idx="minor">
-            <a:schemeClr val="lt1"/>
-          </a:fontRef>
-        </p:style>
-        <p:txBody>
-          <a:bodyPr rtlCol="0" anchor="ctr"/>
-          <a:lstStyle/>
-          <a:p>
-            <a:pPr algn="ctr"/>
-            <a:endParaRPr lang="en-US" sz="1965"/>
-          </a:p>
-        </p:txBody>
-      </p:sp>
-      <p:sp>
-        <p:nvSpPr>
-          <p:cNvPr id="148" name="Oval 147">
-            <a:extLst>
-              <a:ext uri="{FF2B5EF4-FFF2-40B4-BE49-F238E27FC236}">
-                <a16:creationId xmlns:a16="http://schemas.microsoft.com/office/drawing/2014/main" id="{CD76935A-908D-48C3-B9D3-5FCF3FE764EA}"/>
-              </a:ext>
-            </a:extLst>
-          </p:cNvPr>
-          <p:cNvSpPr/>
-          <p:nvPr/>
-        </p:nvSpPr>
-        <p:spPr>
-          <a:xfrm>
-            <a:off x="8282683" y="11351040"/>
-            <a:ext cx="191558" cy="158263"/>
-          </a:xfrm>
-          <a:prstGeom prst="ellipse">
-            <a:avLst/>
-          </a:prstGeom>
-          <a:solidFill>
-            <a:schemeClr val="accent1">
-              <a:lumMod val="40000"/>
-              <a:lumOff val="60000"/>
-            </a:schemeClr>
-          </a:solidFill>
-        </p:spPr>
-        <p:style>
-          <a:lnRef idx="2">
-            <a:schemeClr val="accent1">
-              <a:shade val="50000"/>
-            </a:schemeClr>
-          </a:lnRef>
-          <a:fillRef idx="1">
-            <a:schemeClr val="accent1"/>
-          </a:fillRef>
-          <a:effectRef idx="0">
-            <a:schemeClr val="accent1"/>
-          </a:effectRef>
-          <a:fontRef idx="minor">
-            <a:schemeClr val="lt1"/>
-          </a:fontRef>
-        </p:style>
-        <p:txBody>
-          <a:bodyPr rtlCol="0" anchor="ctr"/>
-          <a:lstStyle/>
-          <a:p>
-            <a:pPr algn="ctr"/>
-            <a:endParaRPr lang="en-US" sz="1965"/>
-          </a:p>
-        </p:txBody>
-      </p:sp>
-      <p:sp>
-        <p:nvSpPr>
-          <p:cNvPr id="149" name="Oval 148">
-            <a:extLst>
-              <a:ext uri="{FF2B5EF4-FFF2-40B4-BE49-F238E27FC236}">
-                <a16:creationId xmlns:a16="http://schemas.microsoft.com/office/drawing/2014/main" id="{64DF4558-B7A6-41E8-B272-4131846EB726}"/>
-              </a:ext>
-            </a:extLst>
-          </p:cNvPr>
-          <p:cNvSpPr/>
-          <p:nvPr/>
-        </p:nvSpPr>
-        <p:spPr>
-          <a:xfrm>
-            <a:off x="9012952" y="11374278"/>
-            <a:ext cx="191558" cy="158263"/>
-          </a:xfrm>
-          <a:prstGeom prst="ellipse">
-            <a:avLst/>
-          </a:prstGeom>
-          <a:solidFill>
-            <a:schemeClr val="accent1">
-              <a:lumMod val="40000"/>
-              <a:lumOff val="60000"/>
-            </a:schemeClr>
-          </a:solidFill>
-        </p:spPr>
-        <p:style>
-          <a:lnRef idx="2">
-            <a:schemeClr val="accent1">
-              <a:shade val="50000"/>
-            </a:schemeClr>
-          </a:lnRef>
-          <a:fillRef idx="1">
-            <a:schemeClr val="accent1"/>
-          </a:fillRef>
-          <a:effectRef idx="0">
-            <a:schemeClr val="accent1"/>
-          </a:effectRef>
-          <a:fontRef idx="minor">
-            <a:schemeClr val="lt1"/>
-          </a:fontRef>
-        </p:style>
-        <p:txBody>
-          <a:bodyPr rtlCol="0" anchor="ctr"/>
-          <a:lstStyle/>
-          <a:p>
-            <a:pPr algn="ctr"/>
-            <a:endParaRPr lang="en-US" sz="1965"/>
-          </a:p>
-        </p:txBody>
-      </p:sp>
-      <p:sp>
-        <p:nvSpPr>
-          <p:cNvPr id="150" name="Oval 149">
-            <a:extLst>
-              <a:ext uri="{FF2B5EF4-FFF2-40B4-BE49-F238E27FC236}">
-                <a16:creationId xmlns:a16="http://schemas.microsoft.com/office/drawing/2014/main" id="{E20CEA47-DB0B-44C9-85F2-36923E3688AE}"/>
-              </a:ext>
-            </a:extLst>
-          </p:cNvPr>
-          <p:cNvSpPr/>
-          <p:nvPr/>
-        </p:nvSpPr>
-        <p:spPr>
-          <a:xfrm>
-            <a:off x="8589175" y="11774626"/>
-            <a:ext cx="191558" cy="158263"/>
-          </a:xfrm>
-          <a:prstGeom prst="ellipse">
-            <a:avLst/>
-          </a:prstGeom>
-          <a:solidFill>
-            <a:schemeClr val="accent1">
-              <a:lumMod val="40000"/>
-              <a:lumOff val="60000"/>
-            </a:schemeClr>
-          </a:solidFill>
-        </p:spPr>
-        <p:style>
-          <a:lnRef idx="2">
-            <a:schemeClr val="accent1">
-              <a:shade val="50000"/>
-            </a:schemeClr>
-          </a:lnRef>
-          <a:fillRef idx="1">
-            <a:schemeClr val="accent1"/>
-          </a:fillRef>
-          <a:effectRef idx="0">
-            <a:schemeClr val="accent1"/>
-          </a:effectRef>
-          <a:fontRef idx="minor">
-            <a:schemeClr val="lt1"/>
-          </a:fontRef>
-        </p:style>
-        <p:txBody>
-          <a:bodyPr rtlCol="0" anchor="ctr"/>
-          <a:lstStyle/>
-          <a:p>
-            <a:pPr algn="ctr"/>
-            <a:endParaRPr lang="en-US" sz="1965"/>
-          </a:p>
-        </p:txBody>
-      </p:sp>
-      <p:sp>
-        <p:nvSpPr>
-          <p:cNvPr id="151" name="Oval 150">
-            <a:extLst>
-              <a:ext uri="{FF2B5EF4-FFF2-40B4-BE49-F238E27FC236}">
-                <a16:creationId xmlns:a16="http://schemas.microsoft.com/office/drawing/2014/main" id="{EB85B7C6-4F9E-4B1A-BF85-B8F570D5A84E}"/>
-              </a:ext>
-            </a:extLst>
-          </p:cNvPr>
-          <p:cNvSpPr/>
-          <p:nvPr/>
-        </p:nvSpPr>
-        <p:spPr>
-          <a:xfrm rot="699369">
-            <a:off x="9108731" y="11979284"/>
-            <a:ext cx="191558" cy="158263"/>
-          </a:xfrm>
-          <a:prstGeom prst="ellipse">
-            <a:avLst/>
-          </a:prstGeom>
-          <a:solidFill>
-            <a:schemeClr val="accent1">
-              <a:lumMod val="40000"/>
-              <a:lumOff val="60000"/>
-            </a:schemeClr>
-          </a:solidFill>
-        </p:spPr>
-        <p:style>
-          <a:lnRef idx="2">
-            <a:schemeClr val="accent1">
-              <a:shade val="50000"/>
-            </a:schemeClr>
-          </a:lnRef>
-          <a:fillRef idx="1">
-            <a:schemeClr val="accent1"/>
-          </a:fillRef>
-          <a:effectRef idx="0">
-            <a:schemeClr val="accent1"/>
-          </a:effectRef>
-          <a:fontRef idx="minor">
-            <a:schemeClr val="lt1"/>
-          </a:fontRef>
-        </p:style>
-        <p:txBody>
-          <a:bodyPr rtlCol="0" anchor="ctr"/>
-          <a:lstStyle/>
-          <a:p>
-            <a:pPr algn="ctr"/>
-            <a:endParaRPr lang="en-US" sz="1965" dirty="0"/>
-          </a:p>
-        </p:txBody>
-      </p:sp>
-      <p:sp>
-        <p:nvSpPr>
-          <p:cNvPr id="152" name="Oval 151">
-            <a:extLst>
-              <a:ext uri="{FF2B5EF4-FFF2-40B4-BE49-F238E27FC236}">
-                <a16:creationId xmlns:a16="http://schemas.microsoft.com/office/drawing/2014/main" id="{70F22DDD-411B-44BB-968C-C6ABD662554E}"/>
-              </a:ext>
-            </a:extLst>
-          </p:cNvPr>
-          <p:cNvSpPr/>
-          <p:nvPr/>
-        </p:nvSpPr>
-        <p:spPr>
-          <a:xfrm>
-            <a:off x="9641371" y="11133918"/>
-            <a:ext cx="191558" cy="158263"/>
-          </a:xfrm>
-          <a:prstGeom prst="ellipse">
-            <a:avLst/>
-          </a:prstGeom>
-          <a:solidFill>
-            <a:schemeClr val="accent1">
-              <a:lumMod val="40000"/>
-              <a:lumOff val="60000"/>
-            </a:schemeClr>
-          </a:solidFill>
-        </p:spPr>
-        <p:style>
-          <a:lnRef idx="2">
-            <a:schemeClr val="accent1">
-              <a:shade val="50000"/>
-            </a:schemeClr>
-          </a:lnRef>
-          <a:fillRef idx="1">
-            <a:schemeClr val="accent1"/>
-          </a:fillRef>
-          <a:effectRef idx="0">
-            <a:schemeClr val="accent1"/>
-          </a:effectRef>
-          <a:fontRef idx="minor">
-            <a:schemeClr val="lt1"/>
-          </a:fontRef>
-        </p:style>
-        <p:txBody>
-          <a:bodyPr rtlCol="0" anchor="ctr"/>
-          <a:lstStyle/>
-          <a:p>
-            <a:pPr algn="ctr"/>
-            <a:endParaRPr lang="en-US" sz="1965"/>
-          </a:p>
-        </p:txBody>
-      </p:sp>
-      <p:sp>
-        <p:nvSpPr>
-          <p:cNvPr id="153" name="Oval 152">
-            <a:extLst>
-              <a:ext uri="{FF2B5EF4-FFF2-40B4-BE49-F238E27FC236}">
-                <a16:creationId xmlns:a16="http://schemas.microsoft.com/office/drawing/2014/main" id="{A86A02B5-8A50-4C8A-A812-99EE6E483432}"/>
-              </a:ext>
-            </a:extLst>
-          </p:cNvPr>
-          <p:cNvSpPr/>
-          <p:nvPr/>
-        </p:nvSpPr>
-        <p:spPr>
-          <a:xfrm>
-            <a:off x="10017990" y="11320991"/>
-            <a:ext cx="191558" cy="158263"/>
-          </a:xfrm>
-          <a:prstGeom prst="ellipse">
-            <a:avLst/>
-          </a:prstGeom>
-          <a:solidFill>
-            <a:schemeClr val="accent1">
-              <a:lumMod val="40000"/>
-              <a:lumOff val="60000"/>
-            </a:schemeClr>
-          </a:solidFill>
-        </p:spPr>
-        <p:style>
-          <a:lnRef idx="2">
-            <a:schemeClr val="accent1">
-              <a:shade val="50000"/>
-            </a:schemeClr>
-          </a:lnRef>
-          <a:fillRef idx="1">
-            <a:schemeClr val="accent1"/>
-          </a:fillRef>
-          <a:effectRef idx="0">
-            <a:schemeClr val="accent1"/>
-          </a:effectRef>
-          <a:fontRef idx="minor">
-            <a:schemeClr val="lt1"/>
-          </a:fontRef>
-        </p:style>
-        <p:txBody>
-          <a:bodyPr rtlCol="0" anchor="ctr"/>
-          <a:lstStyle/>
-          <a:p>
-            <a:pPr algn="ctr"/>
-            <a:endParaRPr lang="en-US" sz="1965"/>
-          </a:p>
-        </p:txBody>
-      </p:sp>
-      <p:sp>
-        <p:nvSpPr>
-          <p:cNvPr id="154" name="Oval 153">
-            <a:extLst>
-              <a:ext uri="{FF2B5EF4-FFF2-40B4-BE49-F238E27FC236}">
-                <a16:creationId xmlns:a16="http://schemas.microsoft.com/office/drawing/2014/main" id="{685D1F48-0AB8-467A-AD09-C5C33F35CDA0}"/>
-              </a:ext>
-            </a:extLst>
-          </p:cNvPr>
-          <p:cNvSpPr/>
-          <p:nvPr/>
-        </p:nvSpPr>
-        <p:spPr>
-          <a:xfrm>
-            <a:off x="9762467" y="11932889"/>
-            <a:ext cx="191558" cy="158263"/>
-          </a:xfrm>
-          <a:prstGeom prst="ellipse">
-            <a:avLst/>
-          </a:prstGeom>
-          <a:solidFill>
-            <a:schemeClr val="accent1">
-              <a:lumMod val="40000"/>
-              <a:lumOff val="60000"/>
-            </a:schemeClr>
-          </a:solidFill>
-        </p:spPr>
-        <p:style>
-          <a:lnRef idx="2">
-            <a:schemeClr val="accent1">
-              <a:shade val="50000"/>
-            </a:schemeClr>
-          </a:lnRef>
-          <a:fillRef idx="1">
-            <a:schemeClr val="accent1"/>
-          </a:fillRef>
-          <a:effectRef idx="0">
-            <a:schemeClr val="accent1"/>
-          </a:effectRef>
-          <a:fontRef idx="minor">
-            <a:schemeClr val="lt1"/>
-          </a:fontRef>
-        </p:style>
-        <p:txBody>
-          <a:bodyPr rtlCol="0" anchor="ctr"/>
-          <a:lstStyle/>
-          <a:p>
-            <a:pPr algn="ctr"/>
-            <a:endParaRPr lang="en-US" sz="1965"/>
-          </a:p>
-        </p:txBody>
-      </p:sp>
-      <p:sp>
-        <p:nvSpPr>
-          <p:cNvPr id="155" name="Oval 154">
-            <a:extLst>
-              <a:ext uri="{FF2B5EF4-FFF2-40B4-BE49-F238E27FC236}">
-                <a16:creationId xmlns:a16="http://schemas.microsoft.com/office/drawing/2014/main" id="{1F2A9351-0E9C-42DA-ADC4-D86AC4E5BD48}"/>
-              </a:ext>
-            </a:extLst>
-          </p:cNvPr>
-          <p:cNvSpPr/>
-          <p:nvPr/>
-        </p:nvSpPr>
-        <p:spPr>
-          <a:xfrm rot="699369">
-            <a:off x="9545592" y="11631057"/>
-            <a:ext cx="191558" cy="158263"/>
-          </a:xfrm>
-          <a:prstGeom prst="ellipse">
-            <a:avLst/>
-          </a:prstGeom>
-          <a:solidFill>
-            <a:schemeClr val="accent1">
-              <a:lumMod val="40000"/>
-              <a:lumOff val="60000"/>
-            </a:schemeClr>
-          </a:solidFill>
-        </p:spPr>
-        <p:style>
-          <a:lnRef idx="2">
-            <a:schemeClr val="accent1">
-              <a:shade val="50000"/>
-            </a:schemeClr>
-          </a:lnRef>
-          <a:fillRef idx="1">
-            <a:schemeClr val="accent1"/>
-          </a:fillRef>
-          <a:effectRef idx="0">
-            <a:schemeClr val="accent1"/>
-          </a:effectRef>
-          <a:fontRef idx="minor">
-            <a:schemeClr val="lt1"/>
-          </a:fontRef>
-        </p:style>
-        <p:txBody>
-          <a:bodyPr rtlCol="0" anchor="ctr"/>
-          <a:lstStyle/>
-          <a:p>
-            <a:pPr algn="ctr"/>
-            <a:endParaRPr lang="en-US" sz="1965"/>
-          </a:p>
-        </p:txBody>
-      </p:sp>
-      <p:cxnSp>
-        <p:nvCxnSpPr>
-          <p:cNvPr id="156" name="Straight Connector 155">
-            <a:extLst>
-              <a:ext uri="{FF2B5EF4-FFF2-40B4-BE49-F238E27FC236}">
-                <a16:creationId xmlns:a16="http://schemas.microsoft.com/office/drawing/2014/main" id="{C8D01104-366B-4D79-ABCC-77847A7D17A0}"/>
-              </a:ext>
-            </a:extLst>
-          </p:cNvPr>
-          <p:cNvCxnSpPr>
-            <a:cxnSpLocks/>
-            <a:stCxn id="154" idx="2"/>
-            <a:endCxn id="150" idx="7"/>
-          </p:cNvCxnSpPr>
-          <p:nvPr/>
-        </p:nvCxnSpPr>
-        <p:spPr>
-          <a:xfrm flipH="1" flipV="1">
-            <a:off x="8752680" y="11797803"/>
-            <a:ext cx="1009787" cy="214217"/>
-          </a:xfrm>
-          <a:prstGeom prst="line">
-            <a:avLst/>
-          </a:prstGeom>
-          <a:ln>
-            <a:prstDash val="dash"/>
-          </a:ln>
-        </p:spPr>
-        <p:style>
-          <a:lnRef idx="1">
-            <a:schemeClr val="accent1"/>
-          </a:lnRef>
-          <a:fillRef idx="0">
-            <a:schemeClr val="accent1"/>
-          </a:fillRef>
-          <a:effectRef idx="0">
-            <a:schemeClr val="accent1"/>
-          </a:effectRef>
-          <a:fontRef idx="minor">
-            <a:schemeClr val="tx1"/>
-          </a:fontRef>
-        </p:style>
-      </p:cxnSp>
-      <p:cxnSp>
-        <p:nvCxnSpPr>
-          <p:cNvPr id="157" name="Straight Connector 156">
-            <a:extLst>
-              <a:ext uri="{FF2B5EF4-FFF2-40B4-BE49-F238E27FC236}">
-                <a16:creationId xmlns:a16="http://schemas.microsoft.com/office/drawing/2014/main" id="{FE73A05F-1C05-43CB-8D9E-923207A9487C}"/>
-              </a:ext>
-            </a:extLst>
-          </p:cNvPr>
-          <p:cNvCxnSpPr>
-            <a:cxnSpLocks/>
-            <a:stCxn id="150" idx="7"/>
-            <a:endCxn id="149" idx="3"/>
-          </p:cNvCxnSpPr>
-          <p:nvPr/>
-        </p:nvCxnSpPr>
-        <p:spPr>
-          <a:xfrm flipV="1">
-            <a:off x="8752680" y="11509364"/>
-            <a:ext cx="288325" cy="288439"/>
-          </a:xfrm>
-          <a:prstGeom prst="line">
-            <a:avLst/>
-          </a:prstGeom>
-          <a:ln>
-            <a:prstDash val="dash"/>
-          </a:ln>
-        </p:spPr>
-        <p:style>
-          <a:lnRef idx="1">
-            <a:schemeClr val="accent1"/>
-          </a:lnRef>
-          <a:fillRef idx="0">
-            <a:schemeClr val="accent1"/>
-          </a:fillRef>
-          <a:effectRef idx="0">
-            <a:schemeClr val="accent1"/>
-          </a:effectRef>
-          <a:fontRef idx="minor">
-            <a:schemeClr val="tx1"/>
-          </a:fontRef>
-        </p:style>
-      </p:cxnSp>
-      <p:cxnSp>
-        <p:nvCxnSpPr>
-          <p:cNvPr id="158" name="Straight Connector 157">
-            <a:extLst>
-              <a:ext uri="{FF2B5EF4-FFF2-40B4-BE49-F238E27FC236}">
-                <a16:creationId xmlns:a16="http://schemas.microsoft.com/office/drawing/2014/main" id="{2585ACB9-A60C-4CA2-AEAB-87D7E78DE749}"/>
-              </a:ext>
-            </a:extLst>
-          </p:cNvPr>
-          <p:cNvCxnSpPr>
-            <a:cxnSpLocks/>
-            <a:stCxn id="151" idx="2"/>
-            <a:endCxn id="147" idx="6"/>
-          </p:cNvCxnSpPr>
-          <p:nvPr/>
-        </p:nvCxnSpPr>
-        <p:spPr>
-          <a:xfrm flipH="1">
-            <a:off x="8212893" y="12039606"/>
-            <a:ext cx="897814" cy="97940"/>
-          </a:xfrm>
-          <a:prstGeom prst="line">
-            <a:avLst/>
-          </a:prstGeom>
-          <a:ln>
-            <a:prstDash val="dash"/>
-          </a:ln>
-        </p:spPr>
-        <p:style>
-          <a:lnRef idx="1">
-            <a:schemeClr val="accent1"/>
-          </a:lnRef>
-          <a:fillRef idx="0">
-            <a:schemeClr val="accent1"/>
-          </a:fillRef>
-          <a:effectRef idx="0">
-            <a:schemeClr val="accent1"/>
-          </a:effectRef>
-          <a:fontRef idx="minor">
-            <a:schemeClr val="tx1"/>
-          </a:fontRef>
-        </p:style>
-      </p:cxnSp>
-      <p:cxnSp>
-        <p:nvCxnSpPr>
-          <p:cNvPr id="159" name="Straight Connector 158">
-            <a:extLst>
-              <a:ext uri="{FF2B5EF4-FFF2-40B4-BE49-F238E27FC236}">
-                <a16:creationId xmlns:a16="http://schemas.microsoft.com/office/drawing/2014/main" id="{214A90E4-43EA-4F1B-8DCC-4A2851090880}"/>
-              </a:ext>
-            </a:extLst>
-          </p:cNvPr>
-          <p:cNvCxnSpPr>
-            <a:cxnSpLocks/>
-            <a:stCxn id="150" idx="7"/>
-            <a:endCxn id="153" idx="2"/>
-          </p:cNvCxnSpPr>
-          <p:nvPr/>
-        </p:nvCxnSpPr>
-        <p:spPr>
-          <a:xfrm flipV="1">
-            <a:off x="8752680" y="11400123"/>
-            <a:ext cx="1265311" cy="397680"/>
-          </a:xfrm>
-          <a:prstGeom prst="line">
-            <a:avLst/>
-          </a:prstGeom>
-          <a:ln>
-            <a:prstDash val="dash"/>
-          </a:ln>
-        </p:spPr>
-        <p:style>
-          <a:lnRef idx="1">
-            <a:schemeClr val="accent1"/>
-          </a:lnRef>
-          <a:fillRef idx="0">
-            <a:schemeClr val="accent1"/>
-          </a:fillRef>
-          <a:effectRef idx="0">
-            <a:schemeClr val="accent1"/>
-          </a:effectRef>
-          <a:fontRef idx="minor">
-            <a:schemeClr val="tx1"/>
-          </a:fontRef>
-        </p:style>
-      </p:cxnSp>
-      <p:sp>
-        <p:nvSpPr>
-          <p:cNvPr id="168" name="TextBox 167">
-            <a:extLst>
-              <a:ext uri="{FF2B5EF4-FFF2-40B4-BE49-F238E27FC236}">
-                <a16:creationId xmlns:a16="http://schemas.microsoft.com/office/drawing/2014/main" id="{7D9CCC73-4632-4F72-BD66-692EADE6429F}"/>
-              </a:ext>
-            </a:extLst>
-          </p:cNvPr>
-          <p:cNvSpPr txBox="1"/>
-          <p:nvPr/>
-        </p:nvSpPr>
-        <p:spPr>
-          <a:xfrm>
-            <a:off x="5005987" y="10082733"/>
-            <a:ext cx="1332300" cy="276614"/>
-          </a:xfrm>
-          <a:prstGeom prst="rect">
-            <a:avLst/>
-          </a:prstGeom>
-          <a:noFill/>
-        </p:spPr>
-        <p:txBody>
-          <a:bodyPr wrap="square" rtlCol="0">
-            <a:spAutoFit/>
-          </a:bodyPr>
-          <a:lstStyle/>
-          <a:p>
-            <a:pPr marL="0" marR="0">
-              <a:lnSpc>
-                <a:spcPct val="107000"/>
-              </a:lnSpc>
-              <a:spcBef>
-                <a:spcPts val="0"/>
-              </a:spcBef>
-              <a:spcAft>
-                <a:spcPts val="800"/>
-              </a:spcAft>
-            </a:pPr>
-            <a:r>
-              <a:rPr lang="en-US" sz="1200" dirty="0">
-                <a:effectLst/>
-                <a:latin typeface="Times New Roman" panose="02020603050405020304" pitchFamily="18" charset="0"/>
-                <a:ea typeface="Calibri" panose="020F0502020204030204" pitchFamily="34" charset="0"/>
-                <a:cs typeface="Times New Roman" panose="02020603050405020304" pitchFamily="18" charset="0"/>
-              </a:rPr>
-              <a:t>K</a:t>
-            </a:r>
-            <a:r>
-              <a:rPr lang="en-US" sz="1200" baseline="-25000" dirty="0">
-                <a:effectLst/>
-                <a:latin typeface="Times New Roman" panose="02020603050405020304" pitchFamily="18" charset="0"/>
-                <a:ea typeface="Calibri" panose="020F0502020204030204" pitchFamily="34" charset="0"/>
-                <a:cs typeface="Times New Roman" panose="02020603050405020304" pitchFamily="18" charset="0"/>
-              </a:rPr>
-              <a:t>d</a:t>
-            </a:r>
-            <a:r>
-              <a:rPr lang="en-US" sz="1200" baseline="30000" dirty="0">
-                <a:effectLst/>
-                <a:latin typeface="Times New Roman" panose="02020603050405020304" pitchFamily="18" charset="0"/>
-                <a:ea typeface="Calibri" panose="020F0502020204030204" pitchFamily="34" charset="0"/>
-                <a:cs typeface="Times New Roman" panose="02020603050405020304" pitchFamily="18" charset="0"/>
-              </a:rPr>
-              <a:t>(i,j) </a:t>
-            </a:r>
-            <a:r>
-              <a:rPr lang="en-US" sz="1200" dirty="0">
-                <a:effectLst/>
-                <a:latin typeface="Times New Roman" panose="02020603050405020304" pitchFamily="18" charset="0"/>
-                <a:ea typeface="Calibri" panose="020F0502020204030204" pitchFamily="34" charset="0"/>
-                <a:cs typeface="Times New Roman" panose="02020603050405020304" pitchFamily="18" charset="0"/>
-              </a:rPr>
-              <a:t>&lt; Threshold</a:t>
-            </a:r>
-          </a:p>
-        </p:txBody>
-      </p:sp>
-      <p:sp>
-        <p:nvSpPr>
           <p:cNvPr id="169" name="Arrow: Right 168">
             <a:extLst>
               <a:ext uri="{FF2B5EF4-FFF2-40B4-BE49-F238E27FC236}">
@@ -6625,8 +5217,8 @@
         </p:nvSpPr>
         <p:spPr>
           <a:xfrm>
-            <a:off x="3954036" y="10755656"/>
-            <a:ext cx="661029" cy="489745"/>
+            <a:off x="4519284" y="10780024"/>
+            <a:ext cx="410376" cy="489745"/>
           </a:xfrm>
           <a:prstGeom prst="rightArrow">
             <a:avLst/>
@@ -6663,377 +5255,415 @@
           </a:p>
         </p:txBody>
       </p:sp>
-      <p:cxnSp>
-        <p:nvCxnSpPr>
-          <p:cNvPr id="170" name="Straight Connector 169">
+      <p:grpSp>
+        <p:nvGrpSpPr>
+          <p:cNvPr id="18" name="Group 17">
             <a:extLst>
               <a:ext uri="{FF2B5EF4-FFF2-40B4-BE49-F238E27FC236}">
-                <a16:creationId xmlns:a16="http://schemas.microsoft.com/office/drawing/2014/main" id="{DB611AC7-BDBE-4991-A496-86C76BDF530D}"/>
+                <a16:creationId xmlns:a16="http://schemas.microsoft.com/office/drawing/2014/main" id="{F31806E6-473A-481A-84F5-A7A7516D4569}"/>
               </a:ext>
             </a:extLst>
           </p:cNvPr>
-          <p:cNvCxnSpPr>
-            <a:cxnSpLocks/>
-          </p:cNvCxnSpPr>
+          <p:cNvGrpSpPr/>
           <p:nvPr/>
-        </p:nvCxnSpPr>
-        <p:spPr>
+        </p:nvGrpSpPr>
+        <p:grpSpPr>
           <a:xfrm>
-            <a:off x="5927184" y="10634749"/>
-            <a:ext cx="613858" cy="0"/>
+            <a:off x="5523241" y="9906587"/>
+            <a:ext cx="1472336" cy="2143791"/>
+            <a:chOff x="4707726" y="9978776"/>
+            <a:chExt cx="1472336" cy="2143791"/>
           </a:xfrm>
-          <a:prstGeom prst="line">
-            <a:avLst/>
-          </a:prstGeom>
-        </p:spPr>
-        <p:style>
-          <a:lnRef idx="1">
-            <a:schemeClr val="accent1"/>
-          </a:lnRef>
-          <a:fillRef idx="0">
-            <a:schemeClr val="accent1"/>
-          </a:fillRef>
-          <a:effectRef idx="0">
-            <a:schemeClr val="accent1"/>
-          </a:effectRef>
-          <a:fontRef idx="minor">
-            <a:schemeClr val="tx1"/>
-          </a:fontRef>
-        </p:style>
-      </p:cxnSp>
-      <p:sp>
-        <p:nvSpPr>
-          <p:cNvPr id="172" name="TextBox 171">
-            <a:extLst>
-              <a:ext uri="{FF2B5EF4-FFF2-40B4-BE49-F238E27FC236}">
-                <a16:creationId xmlns:a16="http://schemas.microsoft.com/office/drawing/2014/main" id="{E53AD19A-F6EF-4B9A-82AA-211FC090FA0F}"/>
-              </a:ext>
-            </a:extLst>
-          </p:cNvPr>
-          <p:cNvSpPr txBox="1"/>
-          <p:nvPr/>
-        </p:nvSpPr>
-        <p:spPr>
-          <a:xfrm>
-            <a:off x="5060034" y="11268411"/>
-            <a:ext cx="1332300" cy="276614"/>
-          </a:xfrm>
-          <a:prstGeom prst="rect">
-            <a:avLst/>
-          </a:prstGeom>
-          <a:noFill/>
-        </p:spPr>
-        <p:txBody>
-          <a:bodyPr wrap="square" rtlCol="0">
-            <a:spAutoFit/>
-          </a:bodyPr>
-          <a:lstStyle/>
-          <a:p>
-            <a:pPr marL="0" marR="0">
-              <a:lnSpc>
-                <a:spcPct val="107000"/>
-              </a:lnSpc>
-              <a:spcBef>
-                <a:spcPts val="0"/>
-              </a:spcBef>
-              <a:spcAft>
-                <a:spcPts val="800"/>
-              </a:spcAft>
-            </a:pPr>
-            <a:r>
-              <a:rPr lang="en-US" sz="1200" dirty="0">
-                <a:effectLst/>
-                <a:latin typeface="Times New Roman" panose="02020603050405020304" pitchFamily="18" charset="0"/>
-                <a:ea typeface="Calibri" panose="020F0502020204030204" pitchFamily="34" charset="0"/>
-                <a:cs typeface="Times New Roman" panose="02020603050405020304" pitchFamily="18" charset="0"/>
-              </a:rPr>
-              <a:t>K</a:t>
-            </a:r>
-            <a:r>
-              <a:rPr lang="en-US" sz="1200" baseline="-25000" dirty="0">
-                <a:effectLst/>
-                <a:latin typeface="Times New Roman" panose="02020603050405020304" pitchFamily="18" charset="0"/>
-                <a:ea typeface="Calibri" panose="020F0502020204030204" pitchFamily="34" charset="0"/>
-                <a:cs typeface="Times New Roman" panose="02020603050405020304" pitchFamily="18" charset="0"/>
-              </a:rPr>
-              <a:t>d</a:t>
-            </a:r>
-            <a:r>
-              <a:rPr lang="en-US" sz="1200" baseline="30000" dirty="0">
-                <a:effectLst/>
-                <a:latin typeface="Times New Roman" panose="02020603050405020304" pitchFamily="18" charset="0"/>
-                <a:ea typeface="Calibri" panose="020F0502020204030204" pitchFamily="34" charset="0"/>
-                <a:cs typeface="Times New Roman" panose="02020603050405020304" pitchFamily="18" charset="0"/>
-              </a:rPr>
-              <a:t>(i,j) </a:t>
-            </a:r>
-            <a:r>
-              <a:rPr lang="en-US" sz="1200" dirty="0">
-                <a:latin typeface="Times New Roman" panose="02020603050405020304" pitchFamily="18" charset="0"/>
-                <a:cs typeface="Times New Roman" panose="02020603050405020304" pitchFamily="18" charset="0"/>
-              </a:rPr>
-              <a:t>≥ </a:t>
-            </a:r>
-            <a:r>
-              <a:rPr lang="en-US" sz="1200" dirty="0">
-                <a:effectLst/>
-                <a:latin typeface="Times New Roman" panose="02020603050405020304" pitchFamily="18" charset="0"/>
-                <a:ea typeface="Calibri" panose="020F0502020204030204" pitchFamily="34" charset="0"/>
-                <a:cs typeface="Times New Roman" panose="02020603050405020304" pitchFamily="18" charset="0"/>
-              </a:rPr>
-              <a:t>Threshold</a:t>
-            </a:r>
-          </a:p>
-        </p:txBody>
-      </p:sp>
-      <p:cxnSp>
-        <p:nvCxnSpPr>
-          <p:cNvPr id="173" name="Straight Connector 172">
-            <a:extLst>
-              <a:ext uri="{FF2B5EF4-FFF2-40B4-BE49-F238E27FC236}">
-                <a16:creationId xmlns:a16="http://schemas.microsoft.com/office/drawing/2014/main" id="{41621C85-BDA2-41BF-9E70-5F709486D28F}"/>
-              </a:ext>
-            </a:extLst>
-          </p:cNvPr>
-          <p:cNvCxnSpPr>
-            <a:cxnSpLocks/>
-          </p:cNvCxnSpPr>
-          <p:nvPr/>
-        </p:nvCxnSpPr>
-        <p:spPr>
-          <a:xfrm flipH="1">
-            <a:off x="6004999" y="11853757"/>
-            <a:ext cx="625295" cy="0"/>
-          </a:xfrm>
-          <a:prstGeom prst="line">
-            <a:avLst/>
-          </a:prstGeom>
-          <a:ln>
-            <a:prstDash val="dash"/>
-          </a:ln>
-        </p:spPr>
-        <p:style>
-          <a:lnRef idx="1">
-            <a:schemeClr val="accent1"/>
-          </a:lnRef>
-          <a:fillRef idx="0">
-            <a:schemeClr val="accent1"/>
-          </a:fillRef>
-          <a:effectRef idx="0">
-            <a:schemeClr val="accent1"/>
-          </a:effectRef>
-          <a:fontRef idx="minor">
-            <a:schemeClr val="tx1"/>
-          </a:fontRef>
-        </p:style>
-      </p:cxnSp>
-      <p:sp>
-        <p:nvSpPr>
-          <p:cNvPr id="175" name="TextBox 174">
-            <a:extLst>
-              <a:ext uri="{FF2B5EF4-FFF2-40B4-BE49-F238E27FC236}">
-                <a16:creationId xmlns:a16="http://schemas.microsoft.com/office/drawing/2014/main" id="{FEA0BA59-32CD-4FC5-925F-EF372644158D}"/>
-              </a:ext>
-            </a:extLst>
-          </p:cNvPr>
-          <p:cNvSpPr txBox="1"/>
-          <p:nvPr/>
-        </p:nvSpPr>
-        <p:spPr>
-          <a:xfrm>
-            <a:off x="4783399" y="10501450"/>
-            <a:ext cx="1332300" cy="276614"/>
-          </a:xfrm>
-          <a:prstGeom prst="rect">
-            <a:avLst/>
-          </a:prstGeom>
-          <a:noFill/>
-        </p:spPr>
-        <p:txBody>
-          <a:bodyPr wrap="square" rtlCol="0">
-            <a:spAutoFit/>
-          </a:bodyPr>
-          <a:lstStyle/>
-          <a:p>
-            <a:pPr marL="0" marR="0">
-              <a:lnSpc>
-                <a:spcPct val="107000"/>
-              </a:lnSpc>
-              <a:spcBef>
-                <a:spcPts val="0"/>
-              </a:spcBef>
-              <a:spcAft>
-                <a:spcPts val="800"/>
-              </a:spcAft>
-            </a:pPr>
-            <a:r>
-              <a:rPr lang="en-US" sz="1200" dirty="0">
-                <a:effectLst/>
-                <a:latin typeface="Times New Roman" panose="02020603050405020304" pitchFamily="18" charset="0"/>
-                <a:ea typeface="Calibri" panose="020F0502020204030204" pitchFamily="34" charset="0"/>
-                <a:cs typeface="Times New Roman" panose="02020603050405020304" pitchFamily="18" charset="0"/>
-              </a:rPr>
-              <a:t>Positive Edge</a:t>
-            </a:r>
-          </a:p>
-        </p:txBody>
-      </p:sp>
-      <p:sp>
-        <p:nvSpPr>
-          <p:cNvPr id="178" name="TextBox 177">
-            <a:extLst>
-              <a:ext uri="{FF2B5EF4-FFF2-40B4-BE49-F238E27FC236}">
-                <a16:creationId xmlns:a16="http://schemas.microsoft.com/office/drawing/2014/main" id="{DDE15FEF-2444-4B8D-80BE-186993A7B567}"/>
-              </a:ext>
-            </a:extLst>
-          </p:cNvPr>
-          <p:cNvSpPr txBox="1"/>
-          <p:nvPr/>
-        </p:nvSpPr>
-        <p:spPr>
-          <a:xfrm>
-            <a:off x="4783399" y="11693388"/>
-            <a:ext cx="1332300" cy="276614"/>
-          </a:xfrm>
-          <a:prstGeom prst="rect">
-            <a:avLst/>
-          </a:prstGeom>
-          <a:noFill/>
-        </p:spPr>
-        <p:txBody>
-          <a:bodyPr wrap="square" rtlCol="0">
-            <a:spAutoFit/>
-          </a:bodyPr>
-          <a:lstStyle/>
-          <a:p>
-            <a:pPr marL="0" marR="0">
-              <a:lnSpc>
-                <a:spcPct val="107000"/>
-              </a:lnSpc>
-              <a:spcBef>
-                <a:spcPts val="0"/>
-              </a:spcBef>
-              <a:spcAft>
-                <a:spcPts val="800"/>
-              </a:spcAft>
-            </a:pPr>
-            <a:r>
-              <a:rPr lang="en-US" sz="1200" dirty="0">
-                <a:effectLst/>
-                <a:latin typeface="Times New Roman" panose="02020603050405020304" pitchFamily="18" charset="0"/>
-                <a:ea typeface="Calibri" panose="020F0502020204030204" pitchFamily="34" charset="0"/>
-                <a:cs typeface="Times New Roman" panose="02020603050405020304" pitchFamily="18" charset="0"/>
-              </a:rPr>
-              <a:t>Negative Edge</a:t>
-            </a:r>
-          </a:p>
-        </p:txBody>
-      </p:sp>
-      <p:sp>
-        <p:nvSpPr>
-          <p:cNvPr id="179" name="Rectangle: Rounded Corners 178">
-            <a:extLst>
-              <a:ext uri="{FF2B5EF4-FFF2-40B4-BE49-F238E27FC236}">
-                <a16:creationId xmlns:a16="http://schemas.microsoft.com/office/drawing/2014/main" id="{72BBACB4-053D-465C-A23D-D93CC73C9A95}"/>
-              </a:ext>
-            </a:extLst>
-          </p:cNvPr>
-          <p:cNvSpPr/>
-          <p:nvPr/>
-        </p:nvSpPr>
-        <p:spPr>
-          <a:xfrm>
-            <a:off x="4715437" y="9978776"/>
-            <a:ext cx="2086497" cy="936964"/>
-          </a:xfrm>
-          <a:prstGeom prst="roundRect">
-            <a:avLst/>
-          </a:prstGeom>
-          <a:noFill/>
-          <a:ln w="3175">
-            <a:solidFill>
+        </p:grpSpPr>
+        <p:sp>
+          <p:nvSpPr>
+            <p:cNvPr id="168" name="TextBox 167">
+              <a:extLst>
+                <a:ext uri="{FF2B5EF4-FFF2-40B4-BE49-F238E27FC236}">
+                  <a16:creationId xmlns:a16="http://schemas.microsoft.com/office/drawing/2014/main" id="{7D9CCC73-4632-4F72-BD66-692EADE6429F}"/>
+                </a:ext>
+              </a:extLst>
+            </p:cNvPr>
+            <p:cNvSpPr txBox="1"/>
+            <p:nvPr/>
+          </p:nvSpPr>
+          <p:spPr>
+            <a:xfrm>
+              <a:off x="4722344" y="10107758"/>
+              <a:ext cx="1332300" cy="276614"/>
+            </a:xfrm>
+            <a:prstGeom prst="rect">
+              <a:avLst/>
+            </a:prstGeom>
+            <a:noFill/>
+          </p:spPr>
+          <p:txBody>
+            <a:bodyPr wrap="square" rtlCol="0">
+              <a:spAutoFit/>
+            </a:bodyPr>
+            <a:lstStyle/>
+            <a:p>
+              <a:pPr marL="0" marR="0">
+                <a:lnSpc>
+                  <a:spcPct val="107000"/>
+                </a:lnSpc>
+                <a:spcBef>
+                  <a:spcPts val="0"/>
+                </a:spcBef>
+                <a:spcAft>
+                  <a:spcPts val="800"/>
+                </a:spcAft>
+              </a:pPr>
+              <a:r>
+                <a:rPr lang="en-US" sz="1200" dirty="0">
+                  <a:effectLst/>
+                  <a:latin typeface="Times New Roman" panose="02020603050405020304" pitchFamily="18" charset="0"/>
+                  <a:ea typeface="Calibri" panose="020F0502020204030204" pitchFamily="34" charset="0"/>
+                  <a:cs typeface="Times New Roman" panose="02020603050405020304" pitchFamily="18" charset="0"/>
+                </a:rPr>
+                <a:t>K</a:t>
+              </a:r>
+              <a:r>
+                <a:rPr lang="en-US" sz="1200" baseline="-25000" dirty="0">
+                  <a:effectLst/>
+                  <a:latin typeface="Times New Roman" panose="02020603050405020304" pitchFamily="18" charset="0"/>
+                  <a:ea typeface="Calibri" panose="020F0502020204030204" pitchFamily="34" charset="0"/>
+                  <a:cs typeface="Times New Roman" panose="02020603050405020304" pitchFamily="18" charset="0"/>
+                </a:rPr>
+                <a:t>d</a:t>
+              </a:r>
+              <a:r>
+                <a:rPr lang="en-US" sz="1200" baseline="30000" dirty="0">
+                  <a:effectLst/>
+                  <a:latin typeface="Times New Roman" panose="02020603050405020304" pitchFamily="18" charset="0"/>
+                  <a:ea typeface="Calibri" panose="020F0502020204030204" pitchFamily="34" charset="0"/>
+                  <a:cs typeface="Times New Roman" panose="02020603050405020304" pitchFamily="18" charset="0"/>
+                </a:rPr>
+                <a:t>(i,j) </a:t>
+              </a:r>
+              <a:r>
+                <a:rPr lang="en-US" sz="1200" dirty="0">
+                  <a:effectLst/>
+                  <a:latin typeface="Times New Roman" panose="02020603050405020304" pitchFamily="18" charset="0"/>
+                  <a:ea typeface="Calibri" panose="020F0502020204030204" pitchFamily="34" charset="0"/>
+                  <a:cs typeface="Times New Roman" panose="02020603050405020304" pitchFamily="18" charset="0"/>
+                </a:rPr>
+                <a:t>&lt; Threshold</a:t>
+              </a:r>
+            </a:p>
+          </p:txBody>
+        </p:sp>
+        <p:sp>
+          <p:nvSpPr>
+            <p:cNvPr id="172" name="TextBox 171">
+              <a:extLst>
+                <a:ext uri="{FF2B5EF4-FFF2-40B4-BE49-F238E27FC236}">
+                  <a16:creationId xmlns:a16="http://schemas.microsoft.com/office/drawing/2014/main" id="{E53AD19A-F6EF-4B9A-82AA-211FC090FA0F}"/>
+                </a:ext>
+              </a:extLst>
+            </p:cNvPr>
+            <p:cNvSpPr txBox="1"/>
+            <p:nvPr/>
+          </p:nvSpPr>
+          <p:spPr>
+            <a:xfrm>
+              <a:off x="4727529" y="11286917"/>
+              <a:ext cx="1332300" cy="276614"/>
+            </a:xfrm>
+            <a:prstGeom prst="rect">
+              <a:avLst/>
+            </a:prstGeom>
+            <a:noFill/>
+          </p:spPr>
+          <p:txBody>
+            <a:bodyPr wrap="square" rtlCol="0">
+              <a:spAutoFit/>
+            </a:bodyPr>
+            <a:lstStyle/>
+            <a:p>
+              <a:pPr marL="0" marR="0">
+                <a:lnSpc>
+                  <a:spcPct val="107000"/>
+                </a:lnSpc>
+                <a:spcBef>
+                  <a:spcPts val="0"/>
+                </a:spcBef>
+                <a:spcAft>
+                  <a:spcPts val="800"/>
+                </a:spcAft>
+              </a:pPr>
+              <a:r>
+                <a:rPr lang="en-US" sz="1200" dirty="0">
+                  <a:effectLst/>
+                  <a:latin typeface="Times New Roman" panose="02020603050405020304" pitchFamily="18" charset="0"/>
+                  <a:ea typeface="Calibri" panose="020F0502020204030204" pitchFamily="34" charset="0"/>
+                  <a:cs typeface="Times New Roman" panose="02020603050405020304" pitchFamily="18" charset="0"/>
+                </a:rPr>
+                <a:t>K</a:t>
+              </a:r>
+              <a:r>
+                <a:rPr lang="en-US" sz="1200" baseline="-25000" dirty="0">
+                  <a:effectLst/>
+                  <a:latin typeface="Times New Roman" panose="02020603050405020304" pitchFamily="18" charset="0"/>
+                  <a:ea typeface="Calibri" panose="020F0502020204030204" pitchFamily="34" charset="0"/>
+                  <a:cs typeface="Times New Roman" panose="02020603050405020304" pitchFamily="18" charset="0"/>
+                </a:rPr>
+                <a:t>d</a:t>
+              </a:r>
+              <a:r>
+                <a:rPr lang="en-US" sz="1200" baseline="30000" dirty="0">
+                  <a:effectLst/>
+                  <a:latin typeface="Times New Roman" panose="02020603050405020304" pitchFamily="18" charset="0"/>
+                  <a:ea typeface="Calibri" panose="020F0502020204030204" pitchFamily="34" charset="0"/>
+                  <a:cs typeface="Times New Roman" panose="02020603050405020304" pitchFamily="18" charset="0"/>
+                </a:rPr>
+                <a:t>(</a:t>
+              </a:r>
+              <a:r>
+                <a:rPr lang="en-US" sz="1200" baseline="30000" dirty="0" err="1">
+                  <a:effectLst/>
+                  <a:latin typeface="Times New Roman" panose="02020603050405020304" pitchFamily="18" charset="0"/>
+                  <a:ea typeface="Calibri" panose="020F0502020204030204" pitchFamily="34" charset="0"/>
+                  <a:cs typeface="Times New Roman" panose="02020603050405020304" pitchFamily="18" charset="0"/>
+                </a:rPr>
+                <a:t>i,j</a:t>
+              </a:r>
+              <a:r>
+                <a:rPr lang="en-US" sz="1200" baseline="30000" dirty="0">
+                  <a:effectLst/>
+                  <a:latin typeface="Times New Roman" panose="02020603050405020304" pitchFamily="18" charset="0"/>
+                  <a:ea typeface="Calibri" panose="020F0502020204030204" pitchFamily="34" charset="0"/>
+                  <a:cs typeface="Times New Roman" panose="02020603050405020304" pitchFamily="18" charset="0"/>
+                </a:rPr>
+                <a:t>) </a:t>
+              </a:r>
+              <a:r>
+                <a:rPr lang="en-US" sz="1200" dirty="0">
+                  <a:latin typeface="Times New Roman" panose="02020603050405020304" pitchFamily="18" charset="0"/>
+                  <a:cs typeface="Times New Roman" panose="02020603050405020304" pitchFamily="18" charset="0"/>
+                </a:rPr>
+                <a:t>≥ </a:t>
+              </a:r>
+              <a:r>
+                <a:rPr lang="en-US" sz="1200" dirty="0">
+                  <a:effectLst/>
+                  <a:latin typeface="Times New Roman" panose="02020603050405020304" pitchFamily="18" charset="0"/>
+                  <a:ea typeface="Calibri" panose="020F0502020204030204" pitchFamily="34" charset="0"/>
+                  <a:cs typeface="Times New Roman" panose="02020603050405020304" pitchFamily="18" charset="0"/>
+                </a:rPr>
+                <a:t>Threshold</a:t>
+              </a:r>
+            </a:p>
+          </p:txBody>
+        </p:sp>
+        <p:sp>
+          <p:nvSpPr>
+            <p:cNvPr id="175" name="TextBox 174">
+              <a:extLst>
+                <a:ext uri="{FF2B5EF4-FFF2-40B4-BE49-F238E27FC236}">
+                  <a16:creationId xmlns:a16="http://schemas.microsoft.com/office/drawing/2014/main" id="{FEA0BA59-32CD-4FC5-925F-EF372644158D}"/>
+                </a:ext>
+              </a:extLst>
+            </p:cNvPr>
+            <p:cNvSpPr txBox="1"/>
+            <p:nvPr/>
+          </p:nvSpPr>
+          <p:spPr>
+            <a:xfrm>
+              <a:off x="4847762" y="10512670"/>
+              <a:ext cx="1332300" cy="276614"/>
+            </a:xfrm>
+            <a:prstGeom prst="rect">
+              <a:avLst/>
+            </a:prstGeom>
+            <a:noFill/>
+          </p:spPr>
+          <p:txBody>
+            <a:bodyPr wrap="square" rtlCol="0">
+              <a:spAutoFit/>
+            </a:bodyPr>
+            <a:lstStyle/>
+            <a:p>
+              <a:pPr marL="0" marR="0">
+                <a:lnSpc>
+                  <a:spcPct val="107000"/>
+                </a:lnSpc>
+                <a:spcBef>
+                  <a:spcPts val="0"/>
+                </a:spcBef>
+                <a:spcAft>
+                  <a:spcPts val="800"/>
+                </a:spcAft>
+              </a:pPr>
+              <a:r>
+                <a:rPr lang="en-US" sz="1200" dirty="0">
+                  <a:effectLst/>
+                  <a:latin typeface="Times New Roman" panose="02020603050405020304" pitchFamily="18" charset="0"/>
+                  <a:ea typeface="Calibri" panose="020F0502020204030204" pitchFamily="34" charset="0"/>
+                  <a:cs typeface="Times New Roman" panose="02020603050405020304" pitchFamily="18" charset="0"/>
+                </a:rPr>
+                <a:t>Positive Edge</a:t>
+              </a:r>
+            </a:p>
+          </p:txBody>
+        </p:sp>
+        <p:sp>
+          <p:nvSpPr>
+            <p:cNvPr id="178" name="TextBox 177">
+              <a:extLst>
+                <a:ext uri="{FF2B5EF4-FFF2-40B4-BE49-F238E27FC236}">
+                  <a16:creationId xmlns:a16="http://schemas.microsoft.com/office/drawing/2014/main" id="{DDE15FEF-2444-4B8D-80BE-186993A7B567}"/>
+                </a:ext>
+              </a:extLst>
+            </p:cNvPr>
+            <p:cNvSpPr txBox="1"/>
+            <p:nvPr/>
+          </p:nvSpPr>
+          <p:spPr>
+            <a:xfrm>
+              <a:off x="4825484" y="11708722"/>
+              <a:ext cx="1332300" cy="276614"/>
+            </a:xfrm>
+            <a:prstGeom prst="rect">
+              <a:avLst/>
+            </a:prstGeom>
+            <a:noFill/>
+          </p:spPr>
+          <p:txBody>
+            <a:bodyPr wrap="square" rtlCol="0">
+              <a:spAutoFit/>
+            </a:bodyPr>
+            <a:lstStyle/>
+            <a:p>
+              <a:pPr marL="0" marR="0">
+                <a:lnSpc>
+                  <a:spcPct val="107000"/>
+                </a:lnSpc>
+                <a:spcBef>
+                  <a:spcPts val="0"/>
+                </a:spcBef>
+                <a:spcAft>
+                  <a:spcPts val="800"/>
+                </a:spcAft>
+              </a:pPr>
+              <a:r>
+                <a:rPr lang="en-US" sz="1200" dirty="0">
+                  <a:effectLst/>
+                  <a:latin typeface="Times New Roman" panose="02020603050405020304" pitchFamily="18" charset="0"/>
+                  <a:ea typeface="Calibri" panose="020F0502020204030204" pitchFamily="34" charset="0"/>
+                  <a:cs typeface="Times New Roman" panose="02020603050405020304" pitchFamily="18" charset="0"/>
+                </a:rPr>
+                <a:t>Negative Edge</a:t>
+              </a:r>
+            </a:p>
+          </p:txBody>
+        </p:sp>
+        <p:sp>
+          <p:nvSpPr>
+            <p:cNvPr id="179" name="Rectangle: Rounded Corners 178">
+              <a:extLst>
+                <a:ext uri="{FF2B5EF4-FFF2-40B4-BE49-F238E27FC236}">
+                  <a16:creationId xmlns:a16="http://schemas.microsoft.com/office/drawing/2014/main" id="{72BBACB4-053D-465C-A23D-D93CC73C9A95}"/>
+                </a:ext>
+              </a:extLst>
+            </p:cNvPr>
+            <p:cNvSpPr/>
+            <p:nvPr/>
+          </p:nvSpPr>
+          <p:spPr>
+            <a:xfrm>
+              <a:off x="4715438" y="9978776"/>
+              <a:ext cx="1255906" cy="936964"/>
+            </a:xfrm>
+            <a:prstGeom prst="roundRect">
+              <a:avLst/>
+            </a:prstGeom>
+            <a:noFill/>
+            <a:ln w="3175">
+              <a:solidFill>
+                <a:schemeClr val="accent1"/>
+              </a:solidFill>
+            </a:ln>
+          </p:spPr>
+          <p:style>
+            <a:lnRef idx="2">
+              <a:schemeClr val="accent1">
+                <a:shade val="50000"/>
+              </a:schemeClr>
+            </a:lnRef>
+            <a:fillRef idx="1">
               <a:schemeClr val="accent1"/>
-            </a:solidFill>
-          </a:ln>
-        </p:spPr>
-        <p:style>
-          <a:lnRef idx="2">
-            <a:schemeClr val="accent1">
-              <a:shade val="50000"/>
-            </a:schemeClr>
-          </a:lnRef>
-          <a:fillRef idx="1">
-            <a:schemeClr val="accent1"/>
-          </a:fillRef>
-          <a:effectRef idx="0">
-            <a:schemeClr val="accent1"/>
-          </a:effectRef>
-          <a:fontRef idx="minor">
-            <a:schemeClr val="lt1"/>
-          </a:fontRef>
-        </p:style>
-        <p:txBody>
-          <a:bodyPr rtlCol="0" anchor="ctr"/>
-          <a:lstStyle/>
-          <a:p>
-            <a:pPr algn="ctr"/>
-            <a:endParaRPr lang="en-US"/>
-          </a:p>
-        </p:txBody>
-      </p:sp>
-      <p:sp>
-        <p:nvSpPr>
-          <p:cNvPr id="180" name="Rectangle: Rounded Corners 179">
-            <a:extLst>
-              <a:ext uri="{FF2B5EF4-FFF2-40B4-BE49-F238E27FC236}">
-                <a16:creationId xmlns:a16="http://schemas.microsoft.com/office/drawing/2014/main" id="{4CB72537-7E0B-41A9-9313-F69E1D57EE17}"/>
-              </a:ext>
-            </a:extLst>
-          </p:cNvPr>
-          <p:cNvSpPr/>
-          <p:nvPr/>
-        </p:nvSpPr>
-        <p:spPr>
-          <a:xfrm>
-            <a:off x="4707725" y="11185603"/>
-            <a:ext cx="2086497" cy="936964"/>
-          </a:xfrm>
-          <a:prstGeom prst="roundRect">
-            <a:avLst/>
-          </a:prstGeom>
-          <a:noFill/>
-          <a:ln w="3175">
-            <a:solidFill>
+            </a:fillRef>
+            <a:effectRef idx="0">
               <a:schemeClr val="accent1"/>
-            </a:solidFill>
-            <a:prstDash val="lgDash"/>
-          </a:ln>
-        </p:spPr>
-        <p:style>
-          <a:lnRef idx="2">
-            <a:schemeClr val="accent1">
-              <a:shade val="50000"/>
-            </a:schemeClr>
-          </a:lnRef>
-          <a:fillRef idx="1">
-            <a:schemeClr val="accent1"/>
-          </a:fillRef>
-          <a:effectRef idx="0">
-            <a:schemeClr val="accent1"/>
-          </a:effectRef>
-          <a:fontRef idx="minor">
-            <a:schemeClr val="lt1"/>
-          </a:fontRef>
-        </p:style>
-        <p:txBody>
-          <a:bodyPr rtlCol="0" anchor="ctr"/>
-          <a:lstStyle/>
-          <a:p>
-            <a:pPr algn="ctr"/>
-            <a:endParaRPr lang="en-US"/>
-          </a:p>
-        </p:txBody>
-      </p:sp>
+            </a:effectRef>
+            <a:fontRef idx="minor">
+              <a:schemeClr val="lt1"/>
+            </a:fontRef>
+          </p:style>
+          <p:txBody>
+            <a:bodyPr rtlCol="0" anchor="ctr"/>
+            <a:lstStyle/>
+            <a:p>
+              <a:pPr algn="ctr"/>
+              <a:endParaRPr lang="en-US"/>
+            </a:p>
+          </p:txBody>
+        </p:sp>
+        <p:sp>
+          <p:nvSpPr>
+            <p:cNvPr id="180" name="Rectangle: Rounded Corners 179">
+              <a:extLst>
+                <a:ext uri="{FF2B5EF4-FFF2-40B4-BE49-F238E27FC236}">
+                  <a16:creationId xmlns:a16="http://schemas.microsoft.com/office/drawing/2014/main" id="{4CB72537-7E0B-41A9-9313-F69E1D57EE17}"/>
+                </a:ext>
+              </a:extLst>
+            </p:cNvPr>
+            <p:cNvSpPr/>
+            <p:nvPr/>
+          </p:nvSpPr>
+          <p:spPr>
+            <a:xfrm>
+              <a:off x="4707726" y="11185603"/>
+              <a:ext cx="1280346" cy="936964"/>
+            </a:xfrm>
+            <a:prstGeom prst="roundRect">
+              <a:avLst/>
+            </a:prstGeom>
+            <a:noFill/>
+            <a:ln w="3175">
+              <a:solidFill>
+                <a:schemeClr val="accent1"/>
+              </a:solidFill>
+              <a:prstDash val="lgDash"/>
+            </a:ln>
+          </p:spPr>
+          <p:style>
+            <a:lnRef idx="2">
+              <a:schemeClr val="accent1">
+                <a:shade val="50000"/>
+              </a:schemeClr>
+            </a:lnRef>
+            <a:fillRef idx="1">
+              <a:schemeClr val="accent1"/>
+            </a:fillRef>
+            <a:effectRef idx="0">
+              <a:schemeClr val="accent1"/>
+            </a:effectRef>
+            <a:fontRef idx="minor">
+              <a:schemeClr val="lt1"/>
+            </a:fontRef>
+          </p:style>
+          <p:txBody>
+            <a:bodyPr rtlCol="0" anchor="ctr"/>
+            <a:lstStyle/>
+            <a:p>
+              <a:pPr algn="ctr"/>
+              <a:endParaRPr lang="en-US"/>
+            </a:p>
+          </p:txBody>
+        </p:sp>
+      </p:grpSp>
       <p:sp>
         <p:nvSpPr>
           <p:cNvPr id="181" name="Arrow: Right 180">
@@ -7048,8 +5678,8 @@
         </p:nvSpPr>
         <p:spPr>
           <a:xfrm>
-            <a:off x="6919667" y="10827169"/>
-            <a:ext cx="661029" cy="489745"/>
+            <a:off x="7145647" y="10693832"/>
+            <a:ext cx="410377" cy="489745"/>
           </a:xfrm>
           <a:prstGeom prst="rightArrow">
             <a:avLst/>
@@ -7721,7 +6351,7 @@
         </p:nvSpPr>
         <p:spPr>
           <a:xfrm>
-            <a:off x="1746333" y="9320619"/>
+            <a:off x="1720330" y="9322867"/>
             <a:ext cx="1622066" cy="276999"/>
           </a:xfrm>
           <a:prstGeom prst="rect">
@@ -7758,59 +6388,1419 @@
           </a:p>
         </p:txBody>
       </p:sp>
-      <p:pic>
-        <p:nvPicPr>
-          <p:cNvPr id="2" name="Picture 2">
+      <p:grpSp>
+        <p:nvGrpSpPr>
+          <p:cNvPr id="19" name="Group 18">
             <a:extLst>
               <a:ext uri="{FF2B5EF4-FFF2-40B4-BE49-F238E27FC236}">
-                <a16:creationId xmlns:a16="http://schemas.microsoft.com/office/drawing/2014/main" id="{66D6F38D-5328-45D7-85AB-4AB7B66127DD}"/>
+                <a16:creationId xmlns:a16="http://schemas.microsoft.com/office/drawing/2014/main" id="{F1F0F1E6-163D-4D5F-8991-B8D9098D3C94}"/>
               </a:ext>
             </a:extLst>
           </p:cNvPr>
-          <p:cNvPicPr>
-            <a:picLocks noChangeAspect="1" noChangeArrowheads="1"/>
-          </p:cNvPicPr>
+          <p:cNvGrpSpPr/>
           <p:nvPr/>
-        </p:nvPicPr>
-        <p:blipFill>
-          <a:blip r:embed="rId7">
+        </p:nvGrpSpPr>
+        <p:grpSpPr>
+          <a:xfrm>
+            <a:off x="644403" y="9860552"/>
+            <a:ext cx="3381573" cy="2566199"/>
+            <a:chOff x="284978" y="9933877"/>
+            <a:chExt cx="3381573" cy="2566199"/>
+          </a:xfrm>
+        </p:grpSpPr>
+        <p:pic>
+          <p:nvPicPr>
+            <p:cNvPr id="2" name="Picture 2">
+              <a:extLst>
+                <a:ext uri="{FF2B5EF4-FFF2-40B4-BE49-F238E27FC236}">
+                  <a16:creationId xmlns:a16="http://schemas.microsoft.com/office/drawing/2014/main" id="{66D6F38D-5328-45D7-85AB-4AB7B66127DD}"/>
+                </a:ext>
+              </a:extLst>
+            </p:cNvPr>
+            <p:cNvPicPr>
+              <a:picLocks noChangeAspect="1" noChangeArrowheads="1"/>
+            </p:cNvPicPr>
+            <p:nvPr/>
+          </p:nvPicPr>
+          <p:blipFill>
+            <a:blip r:embed="rId7">
+              <a:extLst>
+                <a:ext uri="{28A0092B-C50C-407E-A947-70E740481C1C}">
+                  <a14:useLocalDpi xmlns:a14="http://schemas.microsoft.com/office/drawing/2010/main" val="0"/>
+                </a:ext>
+              </a:extLst>
+            </a:blip>
+            <a:srcRect/>
+            <a:stretch>
+              <a:fillRect/>
+            </a:stretch>
+          </p:blipFill>
+          <p:spPr bwMode="auto">
+            <a:xfrm>
+              <a:off x="379357" y="9933877"/>
+              <a:ext cx="3287194" cy="2460937"/>
+            </a:xfrm>
+            <a:prstGeom prst="rect">
+              <a:avLst/>
+            </a:prstGeom>
+            <a:noFill/>
             <a:extLst>
-              <a:ext uri="{28A0092B-C50C-407E-A947-70E740481C1C}">
-                <a14:useLocalDpi xmlns:a14="http://schemas.microsoft.com/office/drawing/2010/main" val="0"/>
+              <a:ext uri="{909E8E84-426E-40DD-AFC4-6F175D3DCCD1}">
+                <a14:hiddenFill xmlns:a14="http://schemas.microsoft.com/office/drawing/2010/main">
+                  <a:solidFill>
+                    <a:srgbClr val="FFFFFF"/>
+                  </a:solidFill>
+                </a14:hiddenFill>
               </a:ext>
             </a:extLst>
-          </a:blip>
-          <a:srcRect/>
-          <a:stretch>
-            <a:fillRect/>
-          </a:stretch>
-        </p:blipFill>
-        <p:spPr bwMode="auto">
-          <a:xfrm>
-            <a:off x="379357" y="9933877"/>
-            <a:ext cx="3287194" cy="2460937"/>
-          </a:xfrm>
-          <a:prstGeom prst="rect">
-            <a:avLst/>
-          </a:prstGeom>
-          <a:noFill/>
-          <a:extLst>
-            <a:ext uri="{909E8E84-426E-40DD-AFC4-6F175D3DCCD1}">
-              <a14:hiddenFill xmlns:a14="http://schemas.microsoft.com/office/drawing/2010/main">
-                <a:solidFill>
-                  <a:srgbClr val="FFFFFF"/>
-                </a:solidFill>
-              </a14:hiddenFill>
-            </a:ext>
-          </a:extLst>
-        </p:spPr>
-      </p:pic>
-      <p:sp>
-        <p:nvSpPr>
-          <p:cNvPr id="93" name="TextBox 92">
+          </p:spPr>
+        </p:pic>
+        <p:sp>
+          <p:nvSpPr>
+            <p:cNvPr id="93" name="TextBox 92">
+              <a:extLst>
+                <a:ext uri="{FF2B5EF4-FFF2-40B4-BE49-F238E27FC236}">
+                  <a16:creationId xmlns:a16="http://schemas.microsoft.com/office/drawing/2014/main" id="{050F72F5-4430-414A-9243-B09A520374F4}"/>
+                </a:ext>
+              </a:extLst>
+            </p:cNvPr>
+            <p:cNvSpPr txBox="1"/>
+            <p:nvPr/>
+          </p:nvSpPr>
+          <p:spPr>
+            <a:xfrm>
+              <a:off x="1803429" y="12246160"/>
+              <a:ext cx="663964" cy="253916"/>
+            </a:xfrm>
+            <a:prstGeom prst="rect">
+              <a:avLst/>
+            </a:prstGeom>
+            <a:solidFill>
+              <a:schemeClr val="bg1"/>
+            </a:solidFill>
+          </p:spPr>
+          <p:txBody>
+            <a:bodyPr wrap="none" rtlCol="0">
+              <a:spAutoFit/>
+            </a:bodyPr>
+            <a:lstStyle/>
+            <a:p>
+              <a:r>
+                <a:rPr lang="en-US" sz="1029" dirty="0">
+                  <a:latin typeface="Times New Roman" panose="02020603050405020304" pitchFamily="18" charset="0"/>
+                  <a:cs typeface="Times New Roman" panose="02020603050405020304" pitchFamily="18" charset="0"/>
+                </a:rPr>
+                <a:t>log </a:t>
+              </a:r>
+              <a:r>
+                <a:rPr lang="en-US" sz="1050" dirty="0">
+                  <a:effectLst/>
+                  <a:latin typeface="Times New Roman" panose="02020603050405020304" pitchFamily="18" charset="0"/>
+                  <a:ea typeface="Calibri" panose="020F0502020204030204" pitchFamily="34" charset="0"/>
+                  <a:cs typeface="Times New Roman" panose="02020603050405020304" pitchFamily="18" charset="0"/>
+                </a:rPr>
+                <a:t>K</a:t>
+              </a:r>
+              <a:r>
+                <a:rPr lang="en-US" sz="1050" baseline="-25000" dirty="0">
+                  <a:effectLst/>
+                  <a:latin typeface="Times New Roman" panose="02020603050405020304" pitchFamily="18" charset="0"/>
+                  <a:ea typeface="Calibri" panose="020F0502020204030204" pitchFamily="34" charset="0"/>
+                  <a:cs typeface="Times New Roman" panose="02020603050405020304" pitchFamily="18" charset="0"/>
+                </a:rPr>
+                <a:t>d</a:t>
+              </a:r>
+              <a:r>
+                <a:rPr lang="en-US" sz="1050" baseline="30000" dirty="0">
+                  <a:effectLst/>
+                  <a:latin typeface="Times New Roman" panose="02020603050405020304" pitchFamily="18" charset="0"/>
+                  <a:ea typeface="Calibri" panose="020F0502020204030204" pitchFamily="34" charset="0"/>
+                  <a:cs typeface="Times New Roman" panose="02020603050405020304" pitchFamily="18" charset="0"/>
+                </a:rPr>
+                <a:t>(i,j)</a:t>
+              </a:r>
+              <a:endParaRPr lang="en-US" sz="1029" dirty="0">
+                <a:latin typeface="Times New Roman" panose="02020603050405020304" pitchFamily="18" charset="0"/>
+                <a:cs typeface="Times New Roman" panose="02020603050405020304" pitchFamily="18" charset="0"/>
+              </a:endParaRPr>
+            </a:p>
+          </p:txBody>
+        </p:sp>
+        <p:sp>
+          <p:nvSpPr>
+            <p:cNvPr id="94" name="TextBox 93">
+              <a:extLst>
+                <a:ext uri="{FF2B5EF4-FFF2-40B4-BE49-F238E27FC236}">
+                  <a16:creationId xmlns:a16="http://schemas.microsoft.com/office/drawing/2014/main" id="{C64771CC-6FB1-4076-B022-5A4366C93B5A}"/>
+                </a:ext>
+              </a:extLst>
+            </p:cNvPr>
+            <p:cNvSpPr txBox="1"/>
+            <p:nvPr/>
+          </p:nvSpPr>
+          <p:spPr>
+            <a:xfrm rot="16200000">
+              <a:off x="201079" y="10947577"/>
+              <a:ext cx="395298" cy="227500"/>
+            </a:xfrm>
+            <a:prstGeom prst="rect">
+              <a:avLst/>
+            </a:prstGeom>
+            <a:solidFill>
+              <a:schemeClr val="bg1"/>
+            </a:solidFill>
+          </p:spPr>
+          <p:txBody>
+            <a:bodyPr wrap="none" rtlCol="0">
+              <a:spAutoFit/>
+            </a:bodyPr>
+            <a:lstStyle/>
+            <a:p>
+              <a:r>
+                <a:rPr lang="en-US" sz="1029" dirty="0">
+                  <a:latin typeface="Times New Roman" panose="02020603050405020304" pitchFamily="18" charset="0"/>
+                  <a:cs typeface="Times New Roman" panose="02020603050405020304" pitchFamily="18" charset="0"/>
+                </a:rPr>
+                <a:t>CDF</a:t>
+              </a:r>
+            </a:p>
+          </p:txBody>
+        </p:sp>
+        <p:sp>
+          <p:nvSpPr>
+            <p:cNvPr id="95" name="TextBox 94">
+              <a:extLst>
+                <a:ext uri="{FF2B5EF4-FFF2-40B4-BE49-F238E27FC236}">
+                  <a16:creationId xmlns:a16="http://schemas.microsoft.com/office/drawing/2014/main" id="{AABC376D-E762-4D92-9EA7-D83059BE8ABD}"/>
+                </a:ext>
+              </a:extLst>
+            </p:cNvPr>
+            <p:cNvSpPr txBox="1"/>
+            <p:nvPr/>
+          </p:nvSpPr>
+          <p:spPr>
+            <a:xfrm>
+              <a:off x="1737706" y="11936851"/>
+              <a:ext cx="841897" cy="223972"/>
+            </a:xfrm>
+            <a:prstGeom prst="rect">
+              <a:avLst/>
+            </a:prstGeom>
+            <a:noFill/>
+          </p:spPr>
+          <p:txBody>
+            <a:bodyPr wrap="none" rtlCol="0">
+              <a:spAutoFit/>
+            </a:bodyPr>
+            <a:lstStyle/>
+            <a:p>
+              <a:pPr>
+                <a:lnSpc>
+                  <a:spcPct val="107000"/>
+                </a:lnSpc>
+                <a:spcAft>
+                  <a:spcPts val="1371"/>
+                </a:spcAft>
+              </a:pPr>
+              <a:r>
+                <a:rPr lang="en-US" sz="857" dirty="0">
+                  <a:latin typeface="Times New Roman" panose="02020603050405020304" pitchFamily="18" charset="0"/>
+                  <a:ea typeface="Calibri" panose="020F0502020204030204" pitchFamily="34" charset="0"/>
+                  <a:cs typeface="Times New Roman" panose="02020603050405020304" pitchFamily="18" charset="0"/>
+                </a:rPr>
+                <a:t>log(Threshold)</a:t>
+              </a:r>
+            </a:p>
+          </p:txBody>
+        </p:sp>
+        <p:sp>
+          <p:nvSpPr>
+            <p:cNvPr id="96" name="TextBox 95">
+              <a:extLst>
+                <a:ext uri="{FF2B5EF4-FFF2-40B4-BE49-F238E27FC236}">
+                  <a16:creationId xmlns:a16="http://schemas.microsoft.com/office/drawing/2014/main" id="{382E5042-D0E5-4CDD-99CE-4B5A0553C839}"/>
+                </a:ext>
+              </a:extLst>
+            </p:cNvPr>
+            <p:cNvSpPr txBox="1"/>
+            <p:nvPr/>
+          </p:nvSpPr>
+          <p:spPr>
+            <a:xfrm>
+              <a:off x="651379" y="11479254"/>
+              <a:ext cx="606859" cy="200695"/>
+            </a:xfrm>
+            <a:prstGeom prst="rect">
+              <a:avLst/>
+            </a:prstGeom>
+            <a:noFill/>
+          </p:spPr>
+          <p:txBody>
+            <a:bodyPr wrap="none" rtlCol="0">
+              <a:spAutoFit/>
+            </a:bodyPr>
+            <a:lstStyle/>
+            <a:p>
+              <a:pPr>
+                <a:lnSpc>
+                  <a:spcPct val="107000"/>
+                </a:lnSpc>
+                <a:spcAft>
+                  <a:spcPts val="686"/>
+                </a:spcAft>
+              </a:pPr>
+              <a:r>
+                <a:rPr lang="en-US" sz="857" dirty="0">
+                  <a:latin typeface="Times New Roman" panose="02020603050405020304" pitchFamily="18" charset="0"/>
+                  <a:ea typeface="Calibri" panose="020F0502020204030204" pitchFamily="34" charset="0"/>
+                  <a:cs typeface="Times New Roman" panose="02020603050405020304" pitchFamily="18" charset="0"/>
+                </a:rPr>
+                <a:t>p</a:t>
+              </a:r>
+              <a:r>
+                <a:rPr lang="en-US" sz="857" baseline="-25000" dirty="0">
+                  <a:latin typeface="Times New Roman" panose="02020603050405020304" pitchFamily="18" charset="0"/>
+                  <a:ea typeface="Calibri" panose="020F0502020204030204" pitchFamily="34" charset="0"/>
+                  <a:cs typeface="Times New Roman" panose="02020603050405020304" pitchFamily="18" charset="0"/>
+                </a:rPr>
+                <a:t>bind </a:t>
+              </a:r>
+              <a:r>
+                <a:rPr lang="en-US" sz="857" dirty="0">
+                  <a:latin typeface="Times New Roman" panose="02020603050405020304" pitchFamily="18" charset="0"/>
+                  <a:ea typeface="Calibri" panose="020F0502020204030204" pitchFamily="34" charset="0"/>
+                  <a:cs typeface="Times New Roman" panose="02020603050405020304" pitchFamily="18" charset="0"/>
+                </a:rPr>
+                <a:t>= 0.16</a:t>
+              </a:r>
+            </a:p>
+          </p:txBody>
+        </p:sp>
+      </p:grpSp>
+      <p:grpSp>
+        <p:nvGrpSpPr>
+          <p:cNvPr id="4" name="Group 3">
             <a:extLst>
               <a:ext uri="{FF2B5EF4-FFF2-40B4-BE49-F238E27FC236}">
-                <a16:creationId xmlns:a16="http://schemas.microsoft.com/office/drawing/2014/main" id="{050F72F5-4430-414A-9243-B09A520374F4}"/>
+                <a16:creationId xmlns:a16="http://schemas.microsoft.com/office/drawing/2014/main" id="{9BB2AD70-908F-4462-8F02-8934DF98B83A}"/>
+              </a:ext>
+            </a:extLst>
+          </p:cNvPr>
+          <p:cNvGrpSpPr/>
+          <p:nvPr/>
+        </p:nvGrpSpPr>
+        <p:grpSpPr>
+          <a:xfrm>
+            <a:off x="7993871" y="9826686"/>
+            <a:ext cx="2617617" cy="2460937"/>
+            <a:chOff x="5902094" y="9900050"/>
+            <a:chExt cx="2239445" cy="2269538"/>
+          </a:xfrm>
+        </p:grpSpPr>
+        <p:grpSp>
+          <p:nvGrpSpPr>
+            <p:cNvPr id="51" name="Group 50">
+              <a:extLst>
+                <a:ext uri="{FF2B5EF4-FFF2-40B4-BE49-F238E27FC236}">
+                  <a16:creationId xmlns:a16="http://schemas.microsoft.com/office/drawing/2014/main" id="{6D3ED70F-C6D6-43F0-9581-D0E0FD3626BF}"/>
+                </a:ext>
+              </a:extLst>
+            </p:cNvPr>
+            <p:cNvGrpSpPr/>
+            <p:nvPr/>
+          </p:nvGrpSpPr>
+          <p:grpSpPr>
+            <a:xfrm>
+              <a:off x="5943318" y="9900050"/>
+              <a:ext cx="2198221" cy="1122646"/>
+              <a:chOff x="5943318" y="9900050"/>
+              <a:chExt cx="2198221" cy="1122646"/>
+            </a:xfrm>
+          </p:grpSpPr>
+          <p:sp>
+            <p:nvSpPr>
+              <p:cNvPr id="102" name="Flowchart: Data 101">
+                <a:extLst>
+                  <a:ext uri="{FF2B5EF4-FFF2-40B4-BE49-F238E27FC236}">
+                    <a16:creationId xmlns:a16="http://schemas.microsoft.com/office/drawing/2014/main" id="{14A14C13-E283-4480-AFF0-53C091F83C26}"/>
+                  </a:ext>
+                </a:extLst>
+              </p:cNvPr>
+              <p:cNvSpPr/>
+              <p:nvPr/>
+            </p:nvSpPr>
+            <p:spPr>
+              <a:xfrm>
+                <a:off x="5943318" y="9900050"/>
+                <a:ext cx="2198221" cy="1122646"/>
+              </a:xfrm>
+              <a:prstGeom prst="flowChartInputOutput">
+                <a:avLst/>
+              </a:prstGeom>
+              <a:solidFill>
+                <a:schemeClr val="bg1"/>
+              </a:solidFill>
+              <a:ln w="6350"/>
+            </p:spPr>
+            <p:style>
+              <a:lnRef idx="2">
+                <a:schemeClr val="accent1">
+                  <a:shade val="50000"/>
+                </a:schemeClr>
+              </a:lnRef>
+              <a:fillRef idx="1">
+                <a:schemeClr val="accent1"/>
+              </a:fillRef>
+              <a:effectRef idx="0">
+                <a:schemeClr val="accent1"/>
+              </a:effectRef>
+              <a:fontRef idx="minor">
+                <a:schemeClr val="lt1"/>
+              </a:fontRef>
+            </p:style>
+            <p:txBody>
+              <a:bodyPr rtlCol="0" anchor="ctr"/>
+              <a:lstStyle/>
+              <a:p>
+                <a:pPr algn="ctr"/>
+                <a:endParaRPr lang="en-US" sz="1965"/>
+              </a:p>
+            </p:txBody>
+          </p:sp>
+          <p:sp>
+            <p:nvSpPr>
+              <p:cNvPr id="105" name="Oval 104">
+                <a:extLst>
+                  <a:ext uri="{FF2B5EF4-FFF2-40B4-BE49-F238E27FC236}">
+                    <a16:creationId xmlns:a16="http://schemas.microsoft.com/office/drawing/2014/main" id="{2794CAD5-775C-4359-8B28-670DB547C4D2}"/>
+                  </a:ext>
+                </a:extLst>
+              </p:cNvPr>
+              <p:cNvSpPr/>
+              <p:nvPr/>
+            </p:nvSpPr>
+            <p:spPr>
+              <a:xfrm>
+                <a:off x="6495216" y="10039106"/>
+                <a:ext cx="146548" cy="127299"/>
+              </a:xfrm>
+              <a:prstGeom prst="ellipse">
+                <a:avLst/>
+              </a:prstGeom>
+              <a:solidFill>
+                <a:schemeClr val="accent1">
+                  <a:lumMod val="40000"/>
+                  <a:lumOff val="60000"/>
+                </a:schemeClr>
+              </a:solidFill>
+            </p:spPr>
+            <p:style>
+              <a:lnRef idx="2">
+                <a:schemeClr val="accent1">
+                  <a:shade val="50000"/>
+                </a:schemeClr>
+              </a:lnRef>
+              <a:fillRef idx="1">
+                <a:schemeClr val="accent1"/>
+              </a:fillRef>
+              <a:effectRef idx="0">
+                <a:schemeClr val="accent1"/>
+              </a:effectRef>
+              <a:fontRef idx="minor">
+                <a:schemeClr val="lt1"/>
+              </a:fontRef>
+            </p:style>
+            <p:txBody>
+              <a:bodyPr rtlCol="0" anchor="ctr"/>
+              <a:lstStyle/>
+              <a:p>
+                <a:pPr algn="ctr"/>
+                <a:endParaRPr lang="en-US" sz="1965"/>
+              </a:p>
+            </p:txBody>
+          </p:sp>
+          <p:sp>
+            <p:nvSpPr>
+              <p:cNvPr id="106" name="Oval 105">
+                <a:extLst>
+                  <a:ext uri="{FF2B5EF4-FFF2-40B4-BE49-F238E27FC236}">
+                    <a16:creationId xmlns:a16="http://schemas.microsoft.com/office/drawing/2014/main" id="{73725A08-5823-472B-9ACF-8D51492C241B}"/>
+                  </a:ext>
+                </a:extLst>
+              </p:cNvPr>
+              <p:cNvSpPr/>
+              <p:nvPr/>
+            </p:nvSpPr>
+            <p:spPr>
+              <a:xfrm>
+                <a:off x="6400358" y="10615818"/>
+                <a:ext cx="146548" cy="127299"/>
+              </a:xfrm>
+              <a:prstGeom prst="ellipse">
+                <a:avLst/>
+              </a:prstGeom>
+              <a:solidFill>
+                <a:schemeClr val="accent1">
+                  <a:lumMod val="40000"/>
+                  <a:lumOff val="60000"/>
+                </a:schemeClr>
+              </a:solidFill>
+            </p:spPr>
+            <p:style>
+              <a:lnRef idx="2">
+                <a:schemeClr val="accent1">
+                  <a:shade val="50000"/>
+                </a:schemeClr>
+              </a:lnRef>
+              <a:fillRef idx="1">
+                <a:schemeClr val="accent1"/>
+              </a:fillRef>
+              <a:effectRef idx="0">
+                <a:schemeClr val="accent1"/>
+              </a:effectRef>
+              <a:fontRef idx="minor">
+                <a:schemeClr val="lt1"/>
+              </a:fontRef>
+            </p:style>
+            <p:txBody>
+              <a:bodyPr rtlCol="0" anchor="ctr"/>
+              <a:lstStyle/>
+              <a:p>
+                <a:pPr algn="ctr"/>
+                <a:endParaRPr lang="en-US" sz="1965"/>
+              </a:p>
+            </p:txBody>
+          </p:sp>
+          <p:sp>
+            <p:nvSpPr>
+              <p:cNvPr id="109" name="Oval 108">
+                <a:extLst>
+                  <a:ext uri="{FF2B5EF4-FFF2-40B4-BE49-F238E27FC236}">
+                    <a16:creationId xmlns:a16="http://schemas.microsoft.com/office/drawing/2014/main" id="{A351D214-FD51-47A8-B0A0-691D1DBF3CC8}"/>
+                  </a:ext>
+                </a:extLst>
+              </p:cNvPr>
+              <p:cNvSpPr/>
+              <p:nvPr/>
+            </p:nvSpPr>
+            <p:spPr>
+              <a:xfrm rot="699369">
+                <a:off x="7056612" y="10719445"/>
+                <a:ext cx="146548" cy="127299"/>
+              </a:xfrm>
+              <a:prstGeom prst="ellipse">
+                <a:avLst/>
+              </a:prstGeom>
+              <a:solidFill>
+                <a:schemeClr val="accent1">
+                  <a:lumMod val="40000"/>
+                  <a:lumOff val="60000"/>
+                </a:schemeClr>
+              </a:solidFill>
+            </p:spPr>
+            <p:style>
+              <a:lnRef idx="2">
+                <a:schemeClr val="accent1">
+                  <a:shade val="50000"/>
+                </a:schemeClr>
+              </a:lnRef>
+              <a:fillRef idx="1">
+                <a:schemeClr val="accent1"/>
+              </a:fillRef>
+              <a:effectRef idx="0">
+                <a:schemeClr val="accent1"/>
+              </a:effectRef>
+              <a:fontRef idx="minor">
+                <a:schemeClr val="lt1"/>
+              </a:fontRef>
+            </p:style>
+            <p:txBody>
+              <a:bodyPr rtlCol="0" anchor="ctr"/>
+              <a:lstStyle/>
+              <a:p>
+                <a:pPr algn="ctr"/>
+                <a:endParaRPr lang="en-US" sz="1965"/>
+              </a:p>
+            </p:txBody>
+          </p:sp>
+          <p:cxnSp>
+            <p:nvCxnSpPr>
+              <p:cNvPr id="110" name="Straight Connector 109">
+                <a:extLst>
+                  <a:ext uri="{FF2B5EF4-FFF2-40B4-BE49-F238E27FC236}">
+                    <a16:creationId xmlns:a16="http://schemas.microsoft.com/office/drawing/2014/main" id="{3DDE1E6C-8EAA-44EE-A8D1-6099BBDADE76}"/>
+                  </a:ext>
+                </a:extLst>
+              </p:cNvPr>
+              <p:cNvCxnSpPr>
+                <a:cxnSpLocks/>
+                <a:stCxn id="105" idx="5"/>
+                <a:endCxn id="109" idx="1"/>
+              </p:cNvCxnSpPr>
+              <p:nvPr/>
+            </p:nvCxnSpPr>
+            <p:spPr>
+              <a:xfrm>
+                <a:off x="6620303" y="10147762"/>
+                <a:ext cx="467932" cy="580786"/>
+              </a:xfrm>
+              <a:prstGeom prst="line">
+                <a:avLst/>
+              </a:prstGeom>
+            </p:spPr>
+            <p:style>
+              <a:lnRef idx="1">
+                <a:schemeClr val="accent1"/>
+              </a:lnRef>
+              <a:fillRef idx="0">
+                <a:schemeClr val="accent1"/>
+              </a:fillRef>
+              <a:effectRef idx="0">
+                <a:schemeClr val="accent1"/>
+              </a:effectRef>
+              <a:fontRef idx="minor">
+                <a:schemeClr val="tx1"/>
+              </a:fontRef>
+            </p:style>
+          </p:cxnSp>
+          <p:sp>
+            <p:nvSpPr>
+              <p:cNvPr id="111" name="Oval 110">
+                <a:extLst>
+                  <a:ext uri="{FF2B5EF4-FFF2-40B4-BE49-F238E27FC236}">
+                    <a16:creationId xmlns:a16="http://schemas.microsoft.com/office/drawing/2014/main" id="{40CFAC7B-1395-407C-AF1C-421CEB81D5F0}"/>
+                  </a:ext>
+                </a:extLst>
+              </p:cNvPr>
+              <p:cNvSpPr/>
+              <p:nvPr/>
+            </p:nvSpPr>
+            <p:spPr>
+              <a:xfrm>
+                <a:off x="7499341" y="9942505"/>
+                <a:ext cx="146548" cy="127299"/>
+              </a:xfrm>
+              <a:prstGeom prst="ellipse">
+                <a:avLst/>
+              </a:prstGeom>
+              <a:solidFill>
+                <a:schemeClr val="accent1">
+                  <a:lumMod val="40000"/>
+                  <a:lumOff val="60000"/>
+                </a:schemeClr>
+              </a:solidFill>
+            </p:spPr>
+            <p:style>
+              <a:lnRef idx="2">
+                <a:schemeClr val="accent1">
+                  <a:shade val="50000"/>
+                </a:schemeClr>
+              </a:lnRef>
+              <a:fillRef idx="1">
+                <a:schemeClr val="accent1"/>
+              </a:fillRef>
+              <a:effectRef idx="0">
+                <a:schemeClr val="accent1"/>
+              </a:effectRef>
+              <a:fontRef idx="minor">
+                <a:schemeClr val="lt1"/>
+              </a:fontRef>
+            </p:style>
+            <p:txBody>
+              <a:bodyPr rtlCol="0" anchor="ctr"/>
+              <a:lstStyle/>
+              <a:p>
+                <a:pPr algn="ctr"/>
+                <a:endParaRPr lang="en-US" sz="1965"/>
+              </a:p>
+            </p:txBody>
+          </p:sp>
+          <p:sp>
+            <p:nvSpPr>
+              <p:cNvPr id="113" name="Oval 112">
+                <a:extLst>
+                  <a:ext uri="{FF2B5EF4-FFF2-40B4-BE49-F238E27FC236}">
+                    <a16:creationId xmlns:a16="http://schemas.microsoft.com/office/drawing/2014/main" id="{C4630ABD-6790-4890-8370-AE09815BD0DD}"/>
+                  </a:ext>
+                </a:extLst>
+              </p:cNvPr>
+              <p:cNvSpPr/>
+              <p:nvPr/>
+            </p:nvSpPr>
+            <p:spPr>
+              <a:xfrm>
+                <a:off x="7499341" y="10830701"/>
+                <a:ext cx="146548" cy="127299"/>
+              </a:xfrm>
+              <a:prstGeom prst="ellipse">
+                <a:avLst/>
+              </a:prstGeom>
+              <a:solidFill>
+                <a:schemeClr val="accent1">
+                  <a:lumMod val="40000"/>
+                  <a:lumOff val="60000"/>
+                </a:schemeClr>
+              </a:solidFill>
+            </p:spPr>
+            <p:style>
+              <a:lnRef idx="2">
+                <a:schemeClr val="accent1">
+                  <a:shade val="50000"/>
+                </a:schemeClr>
+              </a:lnRef>
+              <a:fillRef idx="1">
+                <a:schemeClr val="accent1"/>
+              </a:fillRef>
+              <a:effectRef idx="0">
+                <a:schemeClr val="accent1"/>
+              </a:effectRef>
+              <a:fontRef idx="minor">
+                <a:schemeClr val="lt1"/>
+              </a:fontRef>
+            </p:style>
+            <p:txBody>
+              <a:bodyPr rtlCol="0" anchor="ctr"/>
+              <a:lstStyle/>
+              <a:p>
+                <a:pPr algn="ctr"/>
+                <a:endParaRPr lang="en-US" sz="1965"/>
+              </a:p>
+            </p:txBody>
+          </p:sp>
+          <p:sp>
+            <p:nvSpPr>
+              <p:cNvPr id="114" name="Oval 113">
+                <a:extLst>
+                  <a:ext uri="{FF2B5EF4-FFF2-40B4-BE49-F238E27FC236}">
+                    <a16:creationId xmlns:a16="http://schemas.microsoft.com/office/drawing/2014/main" id="{C789F02E-8009-4188-AB94-3D01E24846E6}"/>
+                  </a:ext>
+                </a:extLst>
+              </p:cNvPr>
+              <p:cNvSpPr/>
+              <p:nvPr/>
+            </p:nvSpPr>
+            <p:spPr>
+              <a:xfrm rot="699369">
+                <a:off x="7202276" y="10487438"/>
+                <a:ext cx="146548" cy="127299"/>
+              </a:xfrm>
+              <a:prstGeom prst="ellipse">
+                <a:avLst/>
+              </a:prstGeom>
+              <a:solidFill>
+                <a:schemeClr val="accent1">
+                  <a:lumMod val="40000"/>
+                  <a:lumOff val="60000"/>
+                </a:schemeClr>
+              </a:solidFill>
+            </p:spPr>
+            <p:style>
+              <a:lnRef idx="2">
+                <a:schemeClr val="accent1">
+                  <a:shade val="50000"/>
+                </a:schemeClr>
+              </a:lnRef>
+              <a:fillRef idx="1">
+                <a:schemeClr val="accent1"/>
+              </a:fillRef>
+              <a:effectRef idx="0">
+                <a:schemeClr val="accent1"/>
+              </a:effectRef>
+              <a:fontRef idx="minor">
+                <a:schemeClr val="lt1"/>
+              </a:fontRef>
+            </p:style>
+            <p:txBody>
+              <a:bodyPr rtlCol="0" anchor="ctr"/>
+              <a:lstStyle/>
+              <a:p>
+                <a:pPr algn="ctr"/>
+                <a:endParaRPr lang="en-US" sz="1965"/>
+              </a:p>
+            </p:txBody>
+          </p:sp>
+          <p:cxnSp>
+            <p:nvCxnSpPr>
+              <p:cNvPr id="115" name="Straight Connector 114">
+                <a:extLst>
+                  <a:ext uri="{FF2B5EF4-FFF2-40B4-BE49-F238E27FC236}">
+                    <a16:creationId xmlns:a16="http://schemas.microsoft.com/office/drawing/2014/main" id="{40A138A7-DE25-4A8C-973C-C4F9839009D4}"/>
+                  </a:ext>
+                </a:extLst>
+              </p:cNvPr>
+              <p:cNvCxnSpPr>
+                <a:cxnSpLocks/>
+                <a:stCxn id="114" idx="0"/>
+                <a:endCxn id="111" idx="3"/>
+              </p:cNvCxnSpPr>
+              <p:nvPr/>
+            </p:nvCxnSpPr>
+            <p:spPr>
+              <a:xfrm flipV="1">
+                <a:off x="7288410" y="10051161"/>
+                <a:ext cx="232392" cy="437590"/>
+              </a:xfrm>
+              <a:prstGeom prst="line">
+                <a:avLst/>
+              </a:prstGeom>
+            </p:spPr>
+            <p:style>
+              <a:lnRef idx="1">
+                <a:schemeClr val="accent1"/>
+              </a:lnRef>
+              <a:fillRef idx="0">
+                <a:schemeClr val="accent1"/>
+              </a:fillRef>
+              <a:effectRef idx="0">
+                <a:schemeClr val="accent1"/>
+              </a:effectRef>
+              <a:fontRef idx="minor">
+                <a:schemeClr val="tx1"/>
+              </a:fontRef>
+            </p:style>
+          </p:cxnSp>
+          <p:cxnSp>
+            <p:nvCxnSpPr>
+              <p:cNvPr id="117" name="Straight Connector 116">
+                <a:extLst>
+                  <a:ext uri="{FF2B5EF4-FFF2-40B4-BE49-F238E27FC236}">
+                    <a16:creationId xmlns:a16="http://schemas.microsoft.com/office/drawing/2014/main" id="{103E0836-5B64-4D1F-AE91-3280093358F4}"/>
+                  </a:ext>
+                </a:extLst>
+              </p:cNvPr>
+              <p:cNvCxnSpPr>
+                <a:cxnSpLocks/>
+                <a:stCxn id="109" idx="6"/>
+                <a:endCxn id="113" idx="1"/>
+              </p:cNvCxnSpPr>
+              <p:nvPr/>
+            </p:nvCxnSpPr>
+            <p:spPr>
+              <a:xfrm>
+                <a:off x="7201649" y="10797899"/>
+                <a:ext cx="319153" cy="51445"/>
+              </a:xfrm>
+              <a:prstGeom prst="line">
+                <a:avLst/>
+              </a:prstGeom>
+            </p:spPr>
+            <p:style>
+              <a:lnRef idx="1">
+                <a:schemeClr val="accent1"/>
+              </a:lnRef>
+              <a:fillRef idx="0">
+                <a:schemeClr val="accent1"/>
+              </a:fillRef>
+              <a:effectRef idx="0">
+                <a:schemeClr val="accent1"/>
+              </a:effectRef>
+              <a:fontRef idx="minor">
+                <a:schemeClr val="tx1"/>
+              </a:fontRef>
+            </p:style>
+          </p:cxnSp>
+          <p:cxnSp>
+            <p:nvCxnSpPr>
+              <p:cNvPr id="218" name="Straight Connector 217">
+                <a:extLst>
+                  <a:ext uri="{FF2B5EF4-FFF2-40B4-BE49-F238E27FC236}">
+                    <a16:creationId xmlns:a16="http://schemas.microsoft.com/office/drawing/2014/main" id="{E31E2423-6720-4777-AA92-BD6F2B930560}"/>
+                  </a:ext>
+                </a:extLst>
+              </p:cNvPr>
+              <p:cNvCxnSpPr>
+                <a:cxnSpLocks/>
+                <a:stCxn id="106" idx="6"/>
+                <a:endCxn id="109" idx="2"/>
+              </p:cNvCxnSpPr>
+              <p:nvPr/>
+            </p:nvCxnSpPr>
+            <p:spPr>
+              <a:xfrm>
+                <a:off x="6546906" y="10679468"/>
+                <a:ext cx="511217" cy="88823"/>
+              </a:xfrm>
+              <a:prstGeom prst="line">
+                <a:avLst/>
+              </a:prstGeom>
+            </p:spPr>
+            <p:style>
+              <a:lnRef idx="1">
+                <a:schemeClr val="accent1"/>
+              </a:lnRef>
+              <a:fillRef idx="0">
+                <a:schemeClr val="accent1"/>
+              </a:fillRef>
+              <a:effectRef idx="0">
+                <a:schemeClr val="accent1"/>
+              </a:effectRef>
+              <a:fontRef idx="minor">
+                <a:schemeClr val="tx1"/>
+              </a:fontRef>
+            </p:style>
+          </p:cxnSp>
+        </p:grpSp>
+        <p:grpSp>
+          <p:nvGrpSpPr>
+            <p:cNvPr id="219" name="Group 218">
+              <a:extLst>
+                <a:ext uri="{FF2B5EF4-FFF2-40B4-BE49-F238E27FC236}">
+                  <a16:creationId xmlns:a16="http://schemas.microsoft.com/office/drawing/2014/main" id="{C54CD243-F346-4EC2-AE5E-DC8BC32A483B}"/>
+                </a:ext>
+              </a:extLst>
+            </p:cNvPr>
+            <p:cNvGrpSpPr/>
+            <p:nvPr/>
+          </p:nvGrpSpPr>
+          <p:grpSpPr>
+            <a:xfrm>
+              <a:off x="5902094" y="11046942"/>
+              <a:ext cx="2198221" cy="1122646"/>
+              <a:chOff x="5943318" y="9900050"/>
+              <a:chExt cx="2198221" cy="1122646"/>
+            </a:xfrm>
+          </p:grpSpPr>
+          <p:sp>
+            <p:nvSpPr>
+              <p:cNvPr id="220" name="Flowchart: Data 219">
+                <a:extLst>
+                  <a:ext uri="{FF2B5EF4-FFF2-40B4-BE49-F238E27FC236}">
+                    <a16:creationId xmlns:a16="http://schemas.microsoft.com/office/drawing/2014/main" id="{0F27469E-6C95-4C65-93A2-E72A7D2E40EB}"/>
+                  </a:ext>
+                </a:extLst>
+              </p:cNvPr>
+              <p:cNvSpPr/>
+              <p:nvPr/>
+            </p:nvSpPr>
+            <p:spPr>
+              <a:xfrm>
+                <a:off x="5943318" y="9900050"/>
+                <a:ext cx="2198221" cy="1122646"/>
+              </a:xfrm>
+              <a:prstGeom prst="flowChartInputOutput">
+                <a:avLst/>
+              </a:prstGeom>
+              <a:solidFill>
+                <a:schemeClr val="bg1"/>
+              </a:solidFill>
+              <a:ln w="6350"/>
+            </p:spPr>
+            <p:style>
+              <a:lnRef idx="2">
+                <a:schemeClr val="accent1">
+                  <a:shade val="50000"/>
+                </a:schemeClr>
+              </a:lnRef>
+              <a:fillRef idx="1">
+                <a:schemeClr val="accent1"/>
+              </a:fillRef>
+              <a:effectRef idx="0">
+                <a:schemeClr val="accent1"/>
+              </a:effectRef>
+              <a:fontRef idx="minor">
+                <a:schemeClr val="lt1"/>
+              </a:fontRef>
+            </p:style>
+            <p:txBody>
+              <a:bodyPr rtlCol="0" anchor="ctr"/>
+              <a:lstStyle/>
+              <a:p>
+                <a:pPr algn="ctr"/>
+                <a:endParaRPr lang="en-US" sz="1965"/>
+              </a:p>
+            </p:txBody>
+          </p:sp>
+          <p:sp>
+            <p:nvSpPr>
+              <p:cNvPr id="221" name="Oval 220">
+                <a:extLst>
+                  <a:ext uri="{FF2B5EF4-FFF2-40B4-BE49-F238E27FC236}">
+                    <a16:creationId xmlns:a16="http://schemas.microsoft.com/office/drawing/2014/main" id="{D4B300AF-5B8C-4424-9D76-DB9A0580DC29}"/>
+                  </a:ext>
+                </a:extLst>
+              </p:cNvPr>
+              <p:cNvSpPr/>
+              <p:nvPr/>
+            </p:nvSpPr>
+            <p:spPr>
+              <a:xfrm>
+                <a:off x="6495216" y="10039106"/>
+                <a:ext cx="146548" cy="127299"/>
+              </a:xfrm>
+              <a:prstGeom prst="ellipse">
+                <a:avLst/>
+              </a:prstGeom>
+              <a:solidFill>
+                <a:schemeClr val="accent1">
+                  <a:lumMod val="40000"/>
+                  <a:lumOff val="60000"/>
+                </a:schemeClr>
+              </a:solidFill>
+            </p:spPr>
+            <p:style>
+              <a:lnRef idx="2">
+                <a:schemeClr val="accent1">
+                  <a:shade val="50000"/>
+                </a:schemeClr>
+              </a:lnRef>
+              <a:fillRef idx="1">
+                <a:schemeClr val="accent1"/>
+              </a:fillRef>
+              <a:effectRef idx="0">
+                <a:schemeClr val="accent1"/>
+              </a:effectRef>
+              <a:fontRef idx="minor">
+                <a:schemeClr val="lt1"/>
+              </a:fontRef>
+            </p:style>
+            <p:txBody>
+              <a:bodyPr rtlCol="0" anchor="ctr"/>
+              <a:lstStyle/>
+              <a:p>
+                <a:pPr algn="ctr"/>
+                <a:endParaRPr lang="en-US" sz="1965"/>
+              </a:p>
+            </p:txBody>
+          </p:sp>
+          <p:sp>
+            <p:nvSpPr>
+              <p:cNvPr id="222" name="Oval 221">
+                <a:extLst>
+                  <a:ext uri="{FF2B5EF4-FFF2-40B4-BE49-F238E27FC236}">
+                    <a16:creationId xmlns:a16="http://schemas.microsoft.com/office/drawing/2014/main" id="{E592A8C3-FA9E-4FED-A725-35B8182CE297}"/>
+                  </a:ext>
+                </a:extLst>
+              </p:cNvPr>
+              <p:cNvSpPr/>
+              <p:nvPr/>
+            </p:nvSpPr>
+            <p:spPr>
+              <a:xfrm>
+                <a:off x="6400358" y="10615818"/>
+                <a:ext cx="146548" cy="127299"/>
+              </a:xfrm>
+              <a:prstGeom prst="ellipse">
+                <a:avLst/>
+              </a:prstGeom>
+              <a:solidFill>
+                <a:schemeClr val="accent1">
+                  <a:lumMod val="40000"/>
+                  <a:lumOff val="60000"/>
+                </a:schemeClr>
+              </a:solidFill>
+            </p:spPr>
+            <p:style>
+              <a:lnRef idx="2">
+                <a:schemeClr val="accent1">
+                  <a:shade val="50000"/>
+                </a:schemeClr>
+              </a:lnRef>
+              <a:fillRef idx="1">
+                <a:schemeClr val="accent1"/>
+              </a:fillRef>
+              <a:effectRef idx="0">
+                <a:schemeClr val="accent1"/>
+              </a:effectRef>
+              <a:fontRef idx="minor">
+                <a:schemeClr val="lt1"/>
+              </a:fontRef>
+            </p:style>
+            <p:txBody>
+              <a:bodyPr rtlCol="0" anchor="ctr"/>
+              <a:lstStyle/>
+              <a:p>
+                <a:pPr algn="ctr"/>
+                <a:endParaRPr lang="en-US" sz="1965"/>
+              </a:p>
+            </p:txBody>
+          </p:sp>
+          <p:sp>
+            <p:nvSpPr>
+              <p:cNvPr id="223" name="Oval 222">
+                <a:extLst>
+                  <a:ext uri="{FF2B5EF4-FFF2-40B4-BE49-F238E27FC236}">
+                    <a16:creationId xmlns:a16="http://schemas.microsoft.com/office/drawing/2014/main" id="{3793BA0E-B2A8-4FB7-B846-8BF94689E45B}"/>
+                  </a:ext>
+                </a:extLst>
+              </p:cNvPr>
+              <p:cNvSpPr/>
+              <p:nvPr/>
+            </p:nvSpPr>
+            <p:spPr>
+              <a:xfrm rot="699369">
+                <a:off x="7056612" y="10719445"/>
+                <a:ext cx="146548" cy="127299"/>
+              </a:xfrm>
+              <a:prstGeom prst="ellipse">
+                <a:avLst/>
+              </a:prstGeom>
+              <a:solidFill>
+                <a:schemeClr val="accent1">
+                  <a:lumMod val="40000"/>
+                  <a:lumOff val="60000"/>
+                </a:schemeClr>
+              </a:solidFill>
+            </p:spPr>
+            <p:style>
+              <a:lnRef idx="2">
+                <a:schemeClr val="accent1">
+                  <a:shade val="50000"/>
+                </a:schemeClr>
+              </a:lnRef>
+              <a:fillRef idx="1">
+                <a:schemeClr val="accent1"/>
+              </a:fillRef>
+              <a:effectRef idx="0">
+                <a:schemeClr val="accent1"/>
+              </a:effectRef>
+              <a:fontRef idx="minor">
+                <a:schemeClr val="lt1"/>
+              </a:fontRef>
+            </p:style>
+            <p:txBody>
+              <a:bodyPr rtlCol="0" anchor="ctr"/>
+              <a:lstStyle/>
+              <a:p>
+                <a:pPr algn="ctr"/>
+                <a:endParaRPr lang="en-US" sz="1965"/>
+              </a:p>
+            </p:txBody>
+          </p:sp>
+          <p:sp>
+            <p:nvSpPr>
+              <p:cNvPr id="225" name="Oval 224">
+                <a:extLst>
+                  <a:ext uri="{FF2B5EF4-FFF2-40B4-BE49-F238E27FC236}">
+                    <a16:creationId xmlns:a16="http://schemas.microsoft.com/office/drawing/2014/main" id="{2BA1D45E-966B-4085-90A8-6F9446BB66DB}"/>
+                  </a:ext>
+                </a:extLst>
+              </p:cNvPr>
+              <p:cNvSpPr/>
+              <p:nvPr/>
+            </p:nvSpPr>
+            <p:spPr>
+              <a:xfrm>
+                <a:off x="7499341" y="9942505"/>
+                <a:ext cx="146548" cy="127299"/>
+              </a:xfrm>
+              <a:prstGeom prst="ellipse">
+                <a:avLst/>
+              </a:prstGeom>
+              <a:solidFill>
+                <a:schemeClr val="accent1">
+                  <a:lumMod val="40000"/>
+                  <a:lumOff val="60000"/>
+                </a:schemeClr>
+              </a:solidFill>
+            </p:spPr>
+            <p:style>
+              <a:lnRef idx="2">
+                <a:schemeClr val="accent1">
+                  <a:shade val="50000"/>
+                </a:schemeClr>
+              </a:lnRef>
+              <a:fillRef idx="1">
+                <a:schemeClr val="accent1"/>
+              </a:fillRef>
+              <a:effectRef idx="0">
+                <a:schemeClr val="accent1"/>
+              </a:effectRef>
+              <a:fontRef idx="minor">
+                <a:schemeClr val="lt1"/>
+              </a:fontRef>
+            </p:style>
+            <p:txBody>
+              <a:bodyPr rtlCol="0" anchor="ctr"/>
+              <a:lstStyle/>
+              <a:p>
+                <a:pPr algn="ctr"/>
+                <a:endParaRPr lang="en-US" sz="1965"/>
+              </a:p>
+            </p:txBody>
+          </p:sp>
+          <p:sp>
+            <p:nvSpPr>
+              <p:cNvPr id="226" name="Oval 225">
+                <a:extLst>
+                  <a:ext uri="{FF2B5EF4-FFF2-40B4-BE49-F238E27FC236}">
+                    <a16:creationId xmlns:a16="http://schemas.microsoft.com/office/drawing/2014/main" id="{28E17A1A-DA92-46E9-AEE7-D43B4EBB5F6E}"/>
+                  </a:ext>
+                </a:extLst>
+              </p:cNvPr>
+              <p:cNvSpPr/>
+              <p:nvPr/>
+            </p:nvSpPr>
+            <p:spPr>
+              <a:xfrm>
+                <a:off x="7499341" y="10830701"/>
+                <a:ext cx="146548" cy="127299"/>
+              </a:xfrm>
+              <a:prstGeom prst="ellipse">
+                <a:avLst/>
+              </a:prstGeom>
+              <a:solidFill>
+                <a:schemeClr val="accent1">
+                  <a:lumMod val="40000"/>
+                  <a:lumOff val="60000"/>
+                </a:schemeClr>
+              </a:solidFill>
+            </p:spPr>
+            <p:style>
+              <a:lnRef idx="2">
+                <a:schemeClr val="accent1">
+                  <a:shade val="50000"/>
+                </a:schemeClr>
+              </a:lnRef>
+              <a:fillRef idx="1">
+                <a:schemeClr val="accent1"/>
+              </a:fillRef>
+              <a:effectRef idx="0">
+                <a:schemeClr val="accent1"/>
+              </a:effectRef>
+              <a:fontRef idx="minor">
+                <a:schemeClr val="lt1"/>
+              </a:fontRef>
+            </p:style>
+            <p:txBody>
+              <a:bodyPr rtlCol="0" anchor="ctr"/>
+              <a:lstStyle/>
+              <a:p>
+                <a:pPr algn="ctr"/>
+                <a:endParaRPr lang="en-US" sz="1965"/>
+              </a:p>
+            </p:txBody>
+          </p:sp>
+          <p:sp>
+            <p:nvSpPr>
+              <p:cNvPr id="227" name="Oval 226">
+                <a:extLst>
+                  <a:ext uri="{FF2B5EF4-FFF2-40B4-BE49-F238E27FC236}">
+                    <a16:creationId xmlns:a16="http://schemas.microsoft.com/office/drawing/2014/main" id="{428EF27C-4905-4215-AD2B-7EE066B52048}"/>
+                  </a:ext>
+                </a:extLst>
+              </p:cNvPr>
+              <p:cNvSpPr/>
+              <p:nvPr/>
+            </p:nvSpPr>
+            <p:spPr>
+              <a:xfrm rot="699369">
+                <a:off x="7202276" y="10487438"/>
+                <a:ext cx="146548" cy="127299"/>
+              </a:xfrm>
+              <a:prstGeom prst="ellipse">
+                <a:avLst/>
+              </a:prstGeom>
+              <a:solidFill>
+                <a:schemeClr val="accent1">
+                  <a:lumMod val="40000"/>
+                  <a:lumOff val="60000"/>
+                </a:schemeClr>
+              </a:solidFill>
+            </p:spPr>
+            <p:style>
+              <a:lnRef idx="2">
+                <a:schemeClr val="accent1">
+                  <a:shade val="50000"/>
+                </a:schemeClr>
+              </a:lnRef>
+              <a:fillRef idx="1">
+                <a:schemeClr val="accent1"/>
+              </a:fillRef>
+              <a:effectRef idx="0">
+                <a:schemeClr val="accent1"/>
+              </a:effectRef>
+              <a:fontRef idx="minor">
+                <a:schemeClr val="lt1"/>
+              </a:fontRef>
+            </p:style>
+            <p:txBody>
+              <a:bodyPr rtlCol="0" anchor="ctr"/>
+              <a:lstStyle/>
+              <a:p>
+                <a:pPr algn="ctr"/>
+                <a:endParaRPr lang="en-US" sz="1965"/>
+              </a:p>
+            </p:txBody>
+          </p:sp>
+        </p:grpSp>
+        <p:cxnSp>
+          <p:nvCxnSpPr>
+            <p:cNvPr id="231" name="Straight Connector 230">
+              <a:extLst>
+                <a:ext uri="{FF2B5EF4-FFF2-40B4-BE49-F238E27FC236}">
+                  <a16:creationId xmlns:a16="http://schemas.microsoft.com/office/drawing/2014/main" id="{9F5072C9-A064-4D71-8239-5E4CD8819874}"/>
+                </a:ext>
+              </a:extLst>
+            </p:cNvPr>
+            <p:cNvCxnSpPr>
+              <a:cxnSpLocks/>
+              <a:stCxn id="221" idx="6"/>
+              <a:endCxn id="225" idx="2"/>
+            </p:cNvCxnSpPr>
+            <p:nvPr/>
+          </p:nvCxnSpPr>
+          <p:spPr>
+            <a:xfrm flipV="1">
+              <a:off x="6600540" y="11153047"/>
+              <a:ext cx="857577" cy="96601"/>
+            </a:xfrm>
+            <a:prstGeom prst="line">
+              <a:avLst/>
+            </a:prstGeom>
+            <a:ln>
+              <a:prstDash val="dash"/>
+            </a:ln>
+          </p:spPr>
+          <p:style>
+            <a:lnRef idx="1">
+              <a:schemeClr val="accent1"/>
+            </a:lnRef>
+            <a:fillRef idx="0">
+              <a:schemeClr val="accent1"/>
+            </a:fillRef>
+            <a:effectRef idx="0">
+              <a:schemeClr val="accent1"/>
+            </a:effectRef>
+            <a:fontRef idx="minor">
+              <a:schemeClr val="tx1"/>
+            </a:fontRef>
+          </p:style>
+        </p:cxnSp>
+        <p:cxnSp>
+          <p:nvCxnSpPr>
+            <p:cNvPr id="232" name="Straight Connector 231">
+              <a:extLst>
+                <a:ext uri="{FF2B5EF4-FFF2-40B4-BE49-F238E27FC236}">
+                  <a16:creationId xmlns:a16="http://schemas.microsoft.com/office/drawing/2014/main" id="{AFF3D763-4FEC-47F9-8CD6-4A742981F8B5}"/>
+                </a:ext>
+              </a:extLst>
+            </p:cNvPr>
+            <p:cNvCxnSpPr>
+              <a:cxnSpLocks/>
+              <a:stCxn id="223" idx="0"/>
+            </p:cNvCxnSpPr>
+            <p:nvPr/>
+          </p:nvCxnSpPr>
+          <p:spPr>
+            <a:xfrm flipV="1">
+              <a:off x="7101522" y="11762710"/>
+              <a:ext cx="66488" cy="104940"/>
+            </a:xfrm>
+            <a:prstGeom prst="line">
+              <a:avLst/>
+            </a:prstGeom>
+            <a:ln>
+              <a:prstDash val="dash"/>
+            </a:ln>
+          </p:spPr>
+          <p:style>
+            <a:lnRef idx="1">
+              <a:schemeClr val="accent1"/>
+            </a:lnRef>
+            <a:fillRef idx="0">
+              <a:schemeClr val="accent1"/>
+            </a:fillRef>
+            <a:effectRef idx="0">
+              <a:schemeClr val="accent1"/>
+            </a:effectRef>
+            <a:fontRef idx="minor">
+              <a:schemeClr val="tx1"/>
+            </a:fontRef>
+          </p:style>
+        </p:cxnSp>
+        <p:cxnSp>
+          <p:nvCxnSpPr>
+            <p:cNvPr id="233" name="Straight Connector 232">
+              <a:extLst>
+                <a:ext uri="{FF2B5EF4-FFF2-40B4-BE49-F238E27FC236}">
+                  <a16:creationId xmlns:a16="http://schemas.microsoft.com/office/drawing/2014/main" id="{5541888C-15B8-4B8B-8800-5174D3146654}"/>
+                </a:ext>
+              </a:extLst>
+            </p:cNvPr>
+            <p:cNvCxnSpPr>
+              <a:cxnSpLocks/>
+              <a:stCxn id="226" idx="0"/>
+              <a:endCxn id="225" idx="4"/>
+            </p:cNvCxnSpPr>
+            <p:nvPr/>
+          </p:nvCxnSpPr>
+          <p:spPr>
+            <a:xfrm flipV="1">
+              <a:off x="7531391" y="11216696"/>
+              <a:ext cx="0" cy="760897"/>
+            </a:xfrm>
+            <a:prstGeom prst="line">
+              <a:avLst/>
+            </a:prstGeom>
+            <a:ln>
+              <a:prstDash val="dash"/>
+            </a:ln>
+          </p:spPr>
+          <p:style>
+            <a:lnRef idx="1">
+              <a:schemeClr val="accent1"/>
+            </a:lnRef>
+            <a:fillRef idx="0">
+              <a:schemeClr val="accent1"/>
+            </a:fillRef>
+            <a:effectRef idx="0">
+              <a:schemeClr val="accent1"/>
+            </a:effectRef>
+            <a:fontRef idx="minor">
+              <a:schemeClr val="tx1"/>
+            </a:fontRef>
+          </p:style>
+        </p:cxnSp>
+        <p:cxnSp>
+          <p:nvCxnSpPr>
+            <p:cNvPr id="234" name="Straight Connector 233">
+              <a:extLst>
+                <a:ext uri="{FF2B5EF4-FFF2-40B4-BE49-F238E27FC236}">
+                  <a16:creationId xmlns:a16="http://schemas.microsoft.com/office/drawing/2014/main" id="{7914DB08-FD74-4AF0-8260-C3D8A03E7F5B}"/>
+                </a:ext>
+              </a:extLst>
+            </p:cNvPr>
+            <p:cNvCxnSpPr>
+              <a:cxnSpLocks/>
+              <a:stCxn id="222" idx="6"/>
+              <a:endCxn id="227" idx="2"/>
+            </p:cNvCxnSpPr>
+            <p:nvPr/>
+          </p:nvCxnSpPr>
+          <p:spPr>
+            <a:xfrm flipV="1">
+              <a:off x="6505682" y="11683176"/>
+              <a:ext cx="656881" cy="143184"/>
+            </a:xfrm>
+            <a:prstGeom prst="line">
+              <a:avLst/>
+            </a:prstGeom>
+            <a:ln>
+              <a:prstDash val="dash"/>
+            </a:ln>
+          </p:spPr>
+          <p:style>
+            <a:lnRef idx="1">
+              <a:schemeClr val="accent1"/>
+            </a:lnRef>
+            <a:fillRef idx="0">
+              <a:schemeClr val="accent1"/>
+            </a:fillRef>
+            <a:effectRef idx="0">
+              <a:schemeClr val="accent1"/>
+            </a:effectRef>
+            <a:fontRef idx="minor">
+              <a:schemeClr val="tx1"/>
+            </a:fontRef>
+          </p:style>
+        </p:cxnSp>
+      </p:grpSp>
+      <p:sp>
+        <p:nvSpPr>
+          <p:cNvPr id="238" name="TextBox 237">
+            <a:extLst>
+              <a:ext uri="{FF2B5EF4-FFF2-40B4-BE49-F238E27FC236}">
+                <a16:creationId xmlns:a16="http://schemas.microsoft.com/office/drawing/2014/main" id="{3181EF78-4661-40C2-B0E3-9B089610519C}"/>
               </a:ext>
             </a:extLst>
           </p:cNvPr>
@@ -7819,108 +7809,8 @@
         </p:nvSpPr>
         <p:spPr>
           <a:xfrm>
-            <a:off x="1874849" y="12233857"/>
-            <a:ext cx="475946" cy="224654"/>
-          </a:xfrm>
-          <a:prstGeom prst="rect">
-            <a:avLst/>
-          </a:prstGeom>
-          <a:solidFill>
-            <a:schemeClr val="bg1"/>
-          </a:solidFill>
-        </p:spPr>
-        <p:txBody>
-          <a:bodyPr wrap="none" rtlCol="0">
-            <a:spAutoFit/>
-          </a:bodyPr>
-          <a:lstStyle/>
-          <a:p>
-            <a:r>
-              <a:rPr lang="en-US" sz="1029" dirty="0">
-                <a:latin typeface="Times New Roman" panose="02020603050405020304" pitchFamily="18" charset="0"/>
-                <a:cs typeface="Times New Roman" panose="02020603050405020304" pitchFamily="18" charset="0"/>
-              </a:rPr>
-              <a:t>log </a:t>
-            </a:r>
-            <a:r>
-              <a:rPr lang="en-US" sz="1029" dirty="0">
-                <a:latin typeface="Times New Roman" panose="02020603050405020304" pitchFamily="18" charset="0"/>
-                <a:ea typeface="Calibri" panose="020F0502020204030204" pitchFamily="34" charset="0"/>
-                <a:cs typeface="Times New Roman" panose="02020603050405020304" pitchFamily="18" charset="0"/>
-              </a:rPr>
-              <a:t>K</a:t>
-            </a:r>
-            <a:r>
-              <a:rPr lang="en-US" sz="1029" baseline="-25000" dirty="0">
-                <a:latin typeface="Times New Roman" panose="02020603050405020304" pitchFamily="18" charset="0"/>
-                <a:ea typeface="Calibri" panose="020F0502020204030204" pitchFamily="34" charset="0"/>
-                <a:cs typeface="Times New Roman" panose="02020603050405020304" pitchFamily="18" charset="0"/>
-              </a:rPr>
-              <a:t>d</a:t>
-            </a:r>
-            <a:endParaRPr lang="en-US" sz="1029" dirty="0">
-              <a:latin typeface="Times New Roman" panose="02020603050405020304" pitchFamily="18" charset="0"/>
-              <a:cs typeface="Times New Roman" panose="02020603050405020304" pitchFamily="18" charset="0"/>
-            </a:endParaRPr>
-          </a:p>
-        </p:txBody>
-      </p:sp>
-      <p:sp>
-        <p:nvSpPr>
-          <p:cNvPr id="94" name="TextBox 93">
-            <a:extLst>
-              <a:ext uri="{FF2B5EF4-FFF2-40B4-BE49-F238E27FC236}">
-                <a16:creationId xmlns:a16="http://schemas.microsoft.com/office/drawing/2014/main" id="{C64771CC-6FB1-4076-B022-5A4366C93B5A}"/>
-              </a:ext>
-            </a:extLst>
-          </p:cNvPr>
-          <p:cNvSpPr txBox="1"/>
-          <p:nvPr/>
-        </p:nvSpPr>
-        <p:spPr>
-          <a:xfrm rot="16200000">
-            <a:off x="201079" y="10947577"/>
-            <a:ext cx="395298" cy="227500"/>
-          </a:xfrm>
-          <a:prstGeom prst="rect">
-            <a:avLst/>
-          </a:prstGeom>
-          <a:solidFill>
-            <a:schemeClr val="bg1"/>
-          </a:solidFill>
-        </p:spPr>
-        <p:txBody>
-          <a:bodyPr wrap="none" rtlCol="0">
-            <a:spAutoFit/>
-          </a:bodyPr>
-          <a:lstStyle/>
-          <a:p>
-            <a:r>
-              <a:rPr lang="en-US" sz="1029" dirty="0">
-                <a:latin typeface="Times New Roman" panose="02020603050405020304" pitchFamily="18" charset="0"/>
-                <a:cs typeface="Times New Roman" panose="02020603050405020304" pitchFamily="18" charset="0"/>
-              </a:rPr>
-              <a:t>CDF</a:t>
-            </a:r>
-          </a:p>
-        </p:txBody>
-      </p:sp>
-      <p:sp>
-        <p:nvSpPr>
-          <p:cNvPr id="95" name="TextBox 94">
-            <a:extLst>
-              <a:ext uri="{FF2B5EF4-FFF2-40B4-BE49-F238E27FC236}">
-                <a16:creationId xmlns:a16="http://schemas.microsoft.com/office/drawing/2014/main" id="{AABC376D-E762-4D92-9EA7-D83059BE8ABD}"/>
-              </a:ext>
-            </a:extLst>
-          </p:cNvPr>
-          <p:cNvSpPr txBox="1"/>
-          <p:nvPr/>
-        </p:nvSpPr>
-        <p:spPr>
-          <a:xfrm>
-            <a:off x="1737706" y="11936851"/>
-            <a:ext cx="795411" cy="223972"/>
+            <a:off x="8757443" y="9443887"/>
+            <a:ext cx="1904231" cy="276999"/>
           </a:xfrm>
           <a:prstGeom prst="rect">
             <a:avLst/>
@@ -7928,89 +7818,17 @@
           <a:noFill/>
         </p:spPr>
         <p:txBody>
-          <a:bodyPr wrap="none" rtlCol="0">
+          <a:bodyPr wrap="square" rtlCol="0">
             <a:spAutoFit/>
           </a:bodyPr>
           <a:lstStyle/>
           <a:p>
-            <a:pPr>
-              <a:lnSpc>
-                <a:spcPct val="107000"/>
-              </a:lnSpc>
-              <a:spcAft>
-                <a:spcPts val="1371"/>
-              </a:spcAft>
-            </a:pPr>
-            <a:r>
-              <a:rPr lang="en-US" sz="857" dirty="0">
-                <a:latin typeface="Times New Roman" panose="02020603050405020304" pitchFamily="18" charset="0"/>
-                <a:ea typeface="Calibri" panose="020F0502020204030204" pitchFamily="34" charset="0"/>
+            <a:r>
+              <a:rPr lang="en-US" sz="1200" i="1" dirty="0">
+                <a:latin typeface="Times New Roman" panose="02020603050405020304" pitchFamily="18" charset="0"/>
                 <a:cs typeface="Times New Roman" panose="02020603050405020304" pitchFamily="18" charset="0"/>
               </a:rPr>
-              <a:t>log Threshold</a:t>
-            </a:r>
-          </a:p>
-        </p:txBody>
-      </p:sp>
-      <p:sp>
-        <p:nvSpPr>
-          <p:cNvPr id="96" name="TextBox 95">
-            <a:extLst>
-              <a:ext uri="{FF2B5EF4-FFF2-40B4-BE49-F238E27FC236}">
-                <a16:creationId xmlns:a16="http://schemas.microsoft.com/office/drawing/2014/main" id="{382E5042-D0E5-4CDD-99CE-4B5A0553C839}"/>
-              </a:ext>
-            </a:extLst>
-          </p:cNvPr>
-          <p:cNvSpPr txBox="1"/>
-          <p:nvPr/>
-        </p:nvSpPr>
-        <p:spPr>
-          <a:xfrm>
-            <a:off x="651379" y="11479254"/>
-            <a:ext cx="606859" cy="200695"/>
-          </a:xfrm>
-          <a:prstGeom prst="rect">
-            <a:avLst/>
-          </a:prstGeom>
-          <a:noFill/>
-        </p:spPr>
-        <p:txBody>
-          <a:bodyPr wrap="none" rtlCol="0">
-            <a:spAutoFit/>
-          </a:bodyPr>
-          <a:lstStyle/>
-          <a:p>
-            <a:pPr>
-              <a:lnSpc>
-                <a:spcPct val="107000"/>
-              </a:lnSpc>
-              <a:spcAft>
-                <a:spcPts val="686"/>
-              </a:spcAft>
-            </a:pPr>
-            <a:r>
-              <a:rPr lang="en-US" sz="857" dirty="0">
-                <a:latin typeface="Times New Roman" panose="02020603050405020304" pitchFamily="18" charset="0"/>
-                <a:ea typeface="Calibri" panose="020F0502020204030204" pitchFamily="34" charset="0"/>
-                <a:cs typeface="Times New Roman" panose="02020603050405020304" pitchFamily="18" charset="0"/>
-              </a:rPr>
-              <a:t>p</a:t>
-            </a:r>
-            <a:r>
-              <a:rPr lang="en-US" sz="857" baseline="-25000" dirty="0">
-                <a:latin typeface="Times New Roman" panose="02020603050405020304" pitchFamily="18" charset="0"/>
-                <a:ea typeface="Calibri" panose="020F0502020204030204" pitchFamily="34" charset="0"/>
-                <a:cs typeface="Times New Roman" panose="02020603050405020304" pitchFamily="18" charset="0"/>
-              </a:rPr>
-              <a:t>bind </a:t>
-            </a:r>
-            <a:r>
-              <a:rPr lang="en-US" sz="857" dirty="0">
-                <a:latin typeface="Times New Roman" panose="02020603050405020304" pitchFamily="18" charset="0"/>
-                <a:ea typeface="Calibri" panose="020F0502020204030204" pitchFamily="34" charset="0"/>
-                <a:cs typeface="Times New Roman" panose="02020603050405020304" pitchFamily="18" charset="0"/>
-              </a:rPr>
-              <a:t>= 0.16</a:t>
+              <a:t>Unipartite Version</a:t>
             </a:r>
           </a:p>
         </p:txBody>

--- a/Images/SI11.pptx
+++ b/Images/SI11.pptx
@@ -197,7 +197,7 @@
           <a:p>
             <a:fld id="{DC40427D-09B2-479E-BE2F-F1C9B7D308F4}" type="datetimeFigureOut">
               <a:rPr lang="en-US" smtClean="0"/>
-              <a:t>10/28/2021</a:t>
+              <a:t>10/30/2021</a:t>
             </a:fld>
             <a:endParaRPr lang="en-US"/>
           </a:p>
@@ -679,7 +679,7 @@
           <a:p>
             <a:fld id="{B2C42CBD-EDEC-463A-9192-0B8850A40619}" type="datetimeFigureOut">
               <a:rPr lang="en-US" smtClean="0"/>
-              <a:t>10/28/2021</a:t>
+              <a:t>10/30/2021</a:t>
             </a:fld>
             <a:endParaRPr lang="en-US"/>
           </a:p>
@@ -849,7 +849,7 @@
           <a:p>
             <a:fld id="{B2C42CBD-EDEC-463A-9192-0B8850A40619}" type="datetimeFigureOut">
               <a:rPr lang="en-US" smtClean="0"/>
-              <a:t>10/28/2021</a:t>
+              <a:t>10/30/2021</a:t>
             </a:fld>
             <a:endParaRPr lang="en-US"/>
           </a:p>
@@ -1029,7 +1029,7 @@
           <a:p>
             <a:fld id="{B2C42CBD-EDEC-463A-9192-0B8850A40619}" type="datetimeFigureOut">
               <a:rPr lang="en-US" smtClean="0"/>
-              <a:t>10/28/2021</a:t>
+              <a:t>10/30/2021</a:t>
             </a:fld>
             <a:endParaRPr lang="en-US"/>
           </a:p>
@@ -1199,7 +1199,7 @@
           <a:p>
             <a:fld id="{B2C42CBD-EDEC-463A-9192-0B8850A40619}" type="datetimeFigureOut">
               <a:rPr lang="en-US" smtClean="0"/>
-              <a:t>10/28/2021</a:t>
+              <a:t>10/30/2021</a:t>
             </a:fld>
             <a:endParaRPr lang="en-US"/>
           </a:p>
@@ -1443,7 +1443,7 @@
           <a:p>
             <a:fld id="{B2C42CBD-EDEC-463A-9192-0B8850A40619}" type="datetimeFigureOut">
               <a:rPr lang="en-US" smtClean="0"/>
-              <a:t>10/28/2021</a:t>
+              <a:t>10/30/2021</a:t>
             </a:fld>
             <a:endParaRPr lang="en-US"/>
           </a:p>
@@ -1675,7 +1675,7 @@
           <a:p>
             <a:fld id="{B2C42CBD-EDEC-463A-9192-0B8850A40619}" type="datetimeFigureOut">
               <a:rPr lang="en-US" smtClean="0"/>
-              <a:t>10/28/2021</a:t>
+              <a:t>10/30/2021</a:t>
             </a:fld>
             <a:endParaRPr lang="en-US"/>
           </a:p>
@@ -2042,7 +2042,7 @@
           <a:p>
             <a:fld id="{B2C42CBD-EDEC-463A-9192-0B8850A40619}" type="datetimeFigureOut">
               <a:rPr lang="en-US" smtClean="0"/>
-              <a:t>10/28/2021</a:t>
+              <a:t>10/30/2021</a:t>
             </a:fld>
             <a:endParaRPr lang="en-US"/>
           </a:p>
@@ -2160,7 +2160,7 @@
           <a:p>
             <a:fld id="{B2C42CBD-EDEC-463A-9192-0B8850A40619}" type="datetimeFigureOut">
               <a:rPr lang="en-US" smtClean="0"/>
-              <a:t>10/28/2021</a:t>
+              <a:t>10/30/2021</a:t>
             </a:fld>
             <a:endParaRPr lang="en-US"/>
           </a:p>
@@ -2255,7 +2255,7 @@
           <a:p>
             <a:fld id="{B2C42CBD-EDEC-463A-9192-0B8850A40619}" type="datetimeFigureOut">
               <a:rPr lang="en-US" smtClean="0"/>
-              <a:t>10/28/2021</a:t>
+              <a:t>10/30/2021</a:t>
             </a:fld>
             <a:endParaRPr lang="en-US"/>
           </a:p>
@@ -2532,7 +2532,7 @@
           <a:p>
             <a:fld id="{B2C42CBD-EDEC-463A-9192-0B8850A40619}" type="datetimeFigureOut">
               <a:rPr lang="en-US" smtClean="0"/>
-              <a:t>10/28/2021</a:t>
+              <a:t>10/30/2021</a:t>
             </a:fld>
             <a:endParaRPr lang="en-US"/>
           </a:p>
@@ -2789,7 +2789,7 @@
           <a:p>
             <a:fld id="{B2C42CBD-EDEC-463A-9192-0B8850A40619}" type="datetimeFigureOut">
               <a:rPr lang="en-US" smtClean="0"/>
-              <a:t>10/28/2021</a:t>
+              <a:t>10/30/2021</a:t>
             </a:fld>
             <a:endParaRPr lang="en-US"/>
           </a:p>
@@ -3002,7 +3002,7 @@
           <a:p>
             <a:fld id="{B2C42CBD-EDEC-463A-9192-0B8850A40619}" type="datetimeFigureOut">
               <a:rPr lang="en-US" smtClean="0"/>
-              <a:t>10/28/2021</a:t>
+              <a:t>10/30/2021</a:t>
             </a:fld>
             <a:endParaRPr lang="en-US"/>
           </a:p>
@@ -3708,8 +3708,8 @@
         </p:nvSpPr>
         <p:spPr>
           <a:xfrm>
-            <a:off x="5143762" y="1037780"/>
-            <a:ext cx="1622066" cy="1169551"/>
+            <a:off x="5161899" y="726517"/>
+            <a:ext cx="1622066" cy="1538883"/>
           </a:xfrm>
           <a:prstGeom prst="rect">
             <a:avLst/>
@@ -3747,6 +3747,67 @@
               </a:rPr>
               <a:t>=2.8</a:t>
             </a:r>
+          </a:p>
+          <a:p>
+            <a:pPr algn="ctr"/>
+            <a:r>
+              <a:rPr lang="en-US" sz="1200" dirty="0">
+                <a:effectLst/>
+                <a:latin typeface="Times New Roman" panose="02020603050405020304" pitchFamily="18" charset="0"/>
+                <a:ea typeface="Calibri" panose="020F0502020204030204" pitchFamily="34" charset="0"/>
+              </a:rPr>
+              <a:t>k</a:t>
+            </a:r>
+            <a:r>
+              <a:rPr lang="en-US" sz="1200" baseline="-25000" dirty="0">
+                <a:latin typeface="Times New Roman" panose="02020603050405020304" pitchFamily="18" charset="0"/>
+                <a:ea typeface="Calibri" panose="020F0502020204030204" pitchFamily="34" charset="0"/>
+              </a:rPr>
+              <a:t>min</a:t>
+            </a:r>
+            <a:r>
+              <a:rPr lang="en-US" sz="1200" dirty="0">
+                <a:effectLst/>
+                <a:latin typeface="Times New Roman" panose="02020603050405020304" pitchFamily="18" charset="0"/>
+                <a:ea typeface="Calibri" panose="020F0502020204030204" pitchFamily="34" charset="0"/>
+              </a:rPr>
+              <a:t> = 1</a:t>
+            </a:r>
+            <a:endParaRPr lang="en-US" sz="1200" dirty="0">
+              <a:latin typeface="Times New Roman" panose="02020603050405020304" pitchFamily="18" charset="0"/>
+              <a:cs typeface="Times New Roman" panose="02020603050405020304" pitchFamily="18" charset="0"/>
+            </a:endParaRPr>
+          </a:p>
+          <a:p>
+            <a:pPr algn="ctr"/>
+            <a:r>
+              <a:rPr lang="en-US" sz="1200" dirty="0">
+                <a:effectLst/>
+                <a:latin typeface="Times New Roman" panose="02020603050405020304" pitchFamily="18" charset="0"/>
+                <a:ea typeface="Calibri" panose="020F0502020204030204" pitchFamily="34" charset="0"/>
+              </a:rPr>
+              <a:t>k</a:t>
+            </a:r>
+            <a:r>
+              <a:rPr lang="en-US" sz="1200" baseline="-25000" dirty="0">
+                <a:effectLst/>
+                <a:latin typeface="Times New Roman" panose="02020603050405020304" pitchFamily="18" charset="0"/>
+                <a:ea typeface="Calibri" panose="020F0502020204030204" pitchFamily="34" charset="0"/>
+              </a:rPr>
+              <a:t>max</a:t>
+            </a:r>
+            <a:r>
+              <a:rPr lang="en-US" sz="1200" dirty="0">
+                <a:effectLst/>
+                <a:latin typeface="Times New Roman" panose="02020603050405020304" pitchFamily="18" charset="0"/>
+                <a:ea typeface="Calibri" panose="020F0502020204030204" pitchFamily="34" charset="0"/>
+              </a:rPr>
+              <a:t> = 1,426</a:t>
+            </a:r>
+            <a:endParaRPr lang="en-US" sz="1200" dirty="0">
+              <a:latin typeface="Times New Roman" panose="02020603050405020304" pitchFamily="18" charset="0"/>
+              <a:cs typeface="Times New Roman" panose="02020603050405020304" pitchFamily="18" charset="0"/>
+            </a:endParaRPr>
           </a:p>
           <a:p>
             <a:pPr algn="ctr"/>
@@ -3827,7 +3888,7 @@
         </p:nvSpPr>
         <p:spPr>
           <a:xfrm>
-            <a:off x="5568861" y="2730133"/>
+            <a:off x="5537859" y="2718603"/>
             <a:ext cx="1622066" cy="276999"/>
           </a:xfrm>
           <a:prstGeom prst="rect">
@@ -3865,7 +3926,7 @@
         </p:nvSpPr>
         <p:spPr>
           <a:xfrm>
-            <a:off x="5161899" y="3205785"/>
+            <a:off x="5161899" y="3280308"/>
             <a:ext cx="1622066" cy="830997"/>
           </a:xfrm>
           <a:prstGeom prst="rect">
@@ -4783,25 +4844,7 @@
                   <a:ea typeface="Calibri" panose="020F0502020204030204" pitchFamily="34" charset="0"/>
                   <a:cs typeface="Times New Roman" panose="02020603050405020304" pitchFamily="18" charset="0"/>
                 </a:rPr>
-                <a:t>(</a:t>
-              </a:r>
-              <a:r>
-                <a:rPr lang="en-US" sz="1200" baseline="30000" dirty="0" err="1">
-                  <a:effectLst/>
-                  <a:latin typeface="Times New Roman" panose="02020603050405020304" pitchFamily="18" charset="0"/>
-                  <a:ea typeface="Calibri" panose="020F0502020204030204" pitchFamily="34" charset="0"/>
-                  <a:cs typeface="Times New Roman" panose="02020603050405020304" pitchFamily="18" charset="0"/>
-                </a:rPr>
-                <a:t>i,j</a:t>
-              </a:r>
-              <a:r>
-                <a:rPr lang="en-US" sz="1200" baseline="30000" dirty="0">
-                  <a:effectLst/>
-                  <a:latin typeface="Times New Roman" panose="02020603050405020304" pitchFamily="18" charset="0"/>
-                  <a:ea typeface="Calibri" panose="020F0502020204030204" pitchFamily="34" charset="0"/>
-                  <a:cs typeface="Times New Roman" panose="02020603050405020304" pitchFamily="18" charset="0"/>
-                </a:rPr>
-                <a:t>) </a:t>
+                <a:t>(i,j) </a:t>
               </a:r>
               <a:r>
                 <a:rPr lang="en-US" sz="1200" dirty="0">
@@ -7809,7 +7852,7 @@
         </p:nvSpPr>
         <p:spPr>
           <a:xfrm>
-            <a:off x="8757443" y="9443887"/>
+            <a:off x="8860542" y="9443178"/>
             <a:ext cx="1904231" cy="276999"/>
           </a:xfrm>
           <a:prstGeom prst="rect">

--- a/Images/SI11.pptx
+++ b/Images/SI11.pptx
@@ -197,7 +197,7 @@
           <a:p>
             <a:fld id="{DC40427D-09B2-479E-BE2F-F1C9B7D308F4}" type="datetimeFigureOut">
               <a:rPr lang="en-US" smtClean="0"/>
-              <a:t>10/30/2021</a:t>
+              <a:t>11/15/2021</a:t>
             </a:fld>
             <a:endParaRPr lang="en-US"/>
           </a:p>
@@ -679,7 +679,7 @@
           <a:p>
             <a:fld id="{B2C42CBD-EDEC-463A-9192-0B8850A40619}" type="datetimeFigureOut">
               <a:rPr lang="en-US" smtClean="0"/>
-              <a:t>10/30/2021</a:t>
+              <a:t>11/15/2021</a:t>
             </a:fld>
             <a:endParaRPr lang="en-US"/>
           </a:p>
@@ -849,7 +849,7 @@
           <a:p>
             <a:fld id="{B2C42CBD-EDEC-463A-9192-0B8850A40619}" type="datetimeFigureOut">
               <a:rPr lang="en-US" smtClean="0"/>
-              <a:t>10/30/2021</a:t>
+              <a:t>11/15/2021</a:t>
             </a:fld>
             <a:endParaRPr lang="en-US"/>
           </a:p>
@@ -1029,7 +1029,7 @@
           <a:p>
             <a:fld id="{B2C42CBD-EDEC-463A-9192-0B8850A40619}" type="datetimeFigureOut">
               <a:rPr lang="en-US" smtClean="0"/>
-              <a:t>10/30/2021</a:t>
+              <a:t>11/15/2021</a:t>
             </a:fld>
             <a:endParaRPr lang="en-US"/>
           </a:p>
@@ -1199,7 +1199,7 @@
           <a:p>
             <a:fld id="{B2C42CBD-EDEC-463A-9192-0B8850A40619}" type="datetimeFigureOut">
               <a:rPr lang="en-US" smtClean="0"/>
-              <a:t>10/30/2021</a:t>
+              <a:t>11/15/2021</a:t>
             </a:fld>
             <a:endParaRPr lang="en-US"/>
           </a:p>
@@ -1443,7 +1443,7 @@
           <a:p>
             <a:fld id="{B2C42CBD-EDEC-463A-9192-0B8850A40619}" type="datetimeFigureOut">
               <a:rPr lang="en-US" smtClean="0"/>
-              <a:t>10/30/2021</a:t>
+              <a:t>11/15/2021</a:t>
             </a:fld>
             <a:endParaRPr lang="en-US"/>
           </a:p>
@@ -1675,7 +1675,7 @@
           <a:p>
             <a:fld id="{B2C42CBD-EDEC-463A-9192-0B8850A40619}" type="datetimeFigureOut">
               <a:rPr lang="en-US" smtClean="0"/>
-              <a:t>10/30/2021</a:t>
+              <a:t>11/15/2021</a:t>
             </a:fld>
             <a:endParaRPr lang="en-US"/>
           </a:p>
@@ -2042,7 +2042,7 @@
           <a:p>
             <a:fld id="{B2C42CBD-EDEC-463A-9192-0B8850A40619}" type="datetimeFigureOut">
               <a:rPr lang="en-US" smtClean="0"/>
-              <a:t>10/30/2021</a:t>
+              <a:t>11/15/2021</a:t>
             </a:fld>
             <a:endParaRPr lang="en-US"/>
           </a:p>
@@ -2160,7 +2160,7 @@
           <a:p>
             <a:fld id="{B2C42CBD-EDEC-463A-9192-0B8850A40619}" type="datetimeFigureOut">
               <a:rPr lang="en-US" smtClean="0"/>
-              <a:t>10/30/2021</a:t>
+              <a:t>11/15/2021</a:t>
             </a:fld>
             <a:endParaRPr lang="en-US"/>
           </a:p>
@@ -2255,7 +2255,7 @@
           <a:p>
             <a:fld id="{B2C42CBD-EDEC-463A-9192-0B8850A40619}" type="datetimeFigureOut">
               <a:rPr lang="en-US" smtClean="0"/>
-              <a:t>10/30/2021</a:t>
+              <a:t>11/15/2021</a:t>
             </a:fld>
             <a:endParaRPr lang="en-US"/>
           </a:p>
@@ -2532,7 +2532,7 @@
           <a:p>
             <a:fld id="{B2C42CBD-EDEC-463A-9192-0B8850A40619}" type="datetimeFigureOut">
               <a:rPr lang="en-US" smtClean="0"/>
-              <a:t>10/30/2021</a:t>
+              <a:t>11/15/2021</a:t>
             </a:fld>
             <a:endParaRPr lang="en-US"/>
           </a:p>
@@ -2789,7 +2789,7 @@
           <a:p>
             <a:fld id="{B2C42CBD-EDEC-463A-9192-0B8850A40619}" type="datetimeFigureOut">
               <a:rPr lang="en-US" smtClean="0"/>
-              <a:t>10/30/2021</a:t>
+              <a:t>11/15/2021</a:t>
             </a:fld>
             <a:endParaRPr lang="en-US"/>
           </a:p>
@@ -3002,7 +3002,7 @@
           <a:p>
             <a:fld id="{B2C42CBD-EDEC-463A-9192-0B8850A40619}" type="datetimeFigureOut">
               <a:rPr lang="en-US" smtClean="0"/>
-              <a:t>10/30/2021</a:t>
+              <a:t>11/15/2021</a:t>
             </a:fld>
             <a:endParaRPr lang="en-US"/>
           </a:p>
@@ -3709,7 +3709,7 @@
         <p:spPr>
           <a:xfrm>
             <a:off x="5161899" y="726517"/>
-            <a:ext cx="1622066" cy="1538883"/>
+            <a:ext cx="1622066" cy="1569660"/>
           </a:xfrm>
           <a:prstGeom prst="rect">
             <a:avLst/>
@@ -3735,10 +3735,21 @@
             <a:pPr algn="ctr"/>
             <a:r>
               <a:rPr lang="el-GR" sz="1200" dirty="0">
-                <a:latin typeface="Times New Roman" panose="02020603050405020304" pitchFamily="18" charset="0"/>
+                <a:effectLst/>
+                <a:latin typeface="Times New Roman" panose="02020603050405020304" pitchFamily="18" charset="0"/>
+                <a:ea typeface="Calibri" panose="020F0502020204030204" pitchFamily="34" charset="0"/>
                 <a:cs typeface="Times New Roman" panose="02020603050405020304" pitchFamily="18" charset="0"/>
               </a:rPr>
               <a:t>γ</a:t>
+            </a:r>
+            <a:r>
+              <a:rPr lang="en-US" sz="1200" baseline="-25000" dirty="0">
+                <a:effectLst/>
+                <a:latin typeface="Times New Roman" panose="02020603050405020304" pitchFamily="18" charset="0"/>
+                <a:ea typeface="Calibri" panose="020F0502020204030204" pitchFamily="34" charset="0"/>
+                <a:cs typeface="Times New Roman" panose="02020603050405020304" pitchFamily="18" charset="0"/>
+              </a:rPr>
+              <a:t>p</a:t>
             </a:r>
             <a:r>
               <a:rPr lang="en-US" sz="1200" dirty="0">
@@ -3755,23 +3766,36 @@
                 <a:effectLst/>
                 <a:latin typeface="Times New Roman" panose="02020603050405020304" pitchFamily="18" charset="0"/>
                 <a:ea typeface="Calibri" panose="020F0502020204030204" pitchFamily="34" charset="0"/>
+                <a:cs typeface="Times New Roman" panose="02020603050405020304" pitchFamily="18" charset="0"/>
               </a:rPr>
               <a:t>k</a:t>
             </a:r>
             <a:r>
               <a:rPr lang="en-US" sz="1200" baseline="-25000" dirty="0">
+                <a:effectLst/>
                 <a:latin typeface="Times New Roman" panose="02020603050405020304" pitchFamily="18" charset="0"/>
                 <a:ea typeface="Calibri" panose="020F0502020204030204" pitchFamily="34" charset="0"/>
-              </a:rPr>
-              <a:t>min</a:t>
+                <a:cs typeface="Times New Roman" panose="02020603050405020304" pitchFamily="18" charset="0"/>
+              </a:rPr>
+              <a:t>p</a:t>
+            </a:r>
+            <a:r>
+              <a:rPr lang="en-US" sz="1200" baseline="30000" dirty="0">
+                <a:effectLst/>
+                <a:latin typeface="Times New Roman" panose="02020603050405020304" pitchFamily="18" charset="0"/>
+                <a:ea typeface="Calibri" panose="020F0502020204030204" pitchFamily="34" charset="0"/>
+                <a:cs typeface="Times New Roman" panose="02020603050405020304" pitchFamily="18" charset="0"/>
+              </a:rPr>
+              <a:t>min </a:t>
             </a:r>
             <a:r>
               <a:rPr lang="en-US" sz="1200" dirty="0">
                 <a:effectLst/>
                 <a:latin typeface="Times New Roman" panose="02020603050405020304" pitchFamily="18" charset="0"/>
                 <a:ea typeface="Calibri" panose="020F0502020204030204" pitchFamily="34" charset="0"/>
-              </a:rPr>
-              <a:t> = 1</a:t>
+                <a:cs typeface="Times New Roman" panose="02020603050405020304" pitchFamily="18" charset="0"/>
+              </a:rPr>
+              <a:t>= 1</a:t>
             </a:r>
             <a:endParaRPr lang="en-US" sz="1200" dirty="0">
               <a:latin typeface="Times New Roman" panose="02020603050405020304" pitchFamily="18" charset="0"/>
@@ -3785,6 +3809,7 @@
                 <a:effectLst/>
                 <a:latin typeface="Times New Roman" panose="02020603050405020304" pitchFamily="18" charset="0"/>
                 <a:ea typeface="Calibri" panose="020F0502020204030204" pitchFamily="34" charset="0"/>
+                <a:cs typeface="Times New Roman" panose="02020603050405020304" pitchFamily="18" charset="0"/>
               </a:rPr>
               <a:t>k</a:t>
             </a:r>
@@ -3793,16 +3818,27 @@
                 <a:effectLst/>
                 <a:latin typeface="Times New Roman" panose="02020603050405020304" pitchFamily="18" charset="0"/>
                 <a:ea typeface="Calibri" panose="020F0502020204030204" pitchFamily="34" charset="0"/>
-              </a:rPr>
-              <a:t>max</a:t>
+                <a:cs typeface="Times New Roman" panose="02020603050405020304" pitchFamily="18" charset="0"/>
+              </a:rPr>
+              <a:t>p</a:t>
+            </a:r>
+            <a:r>
+              <a:rPr lang="en-US" sz="1200" baseline="30000" dirty="0">
+                <a:effectLst/>
+                <a:latin typeface="Times New Roman" panose="02020603050405020304" pitchFamily="18" charset="0"/>
+                <a:ea typeface="Calibri" panose="020F0502020204030204" pitchFamily="34" charset="0"/>
+                <a:cs typeface="Times New Roman" panose="02020603050405020304" pitchFamily="18" charset="0"/>
+              </a:rPr>
+              <a:t>max </a:t>
             </a:r>
             <a:r>
               <a:rPr lang="en-US" sz="1200" dirty="0">
                 <a:effectLst/>
                 <a:latin typeface="Times New Roman" panose="02020603050405020304" pitchFamily="18" charset="0"/>
                 <a:ea typeface="Calibri" panose="020F0502020204030204" pitchFamily="34" charset="0"/>
-              </a:rPr>
-              <a:t> = 1,426</a:t>
+                <a:cs typeface="Times New Roman" panose="02020603050405020304" pitchFamily="18" charset="0"/>
+              </a:rPr>
+              <a:t>= 1,426</a:t>
             </a:r>
             <a:endParaRPr lang="en-US" sz="1200" dirty="0">
               <a:latin typeface="Times New Roman" panose="02020603050405020304" pitchFamily="18" charset="0"/>
@@ -3811,7 +3847,10 @@
           </a:p>
           <a:p>
             <a:pPr algn="ctr"/>
-            <a:endParaRPr lang="en-US" sz="1000" dirty="0"/>
+            <a:endParaRPr lang="en-US" sz="1200" dirty="0">
+              <a:latin typeface="Times New Roman" panose="02020603050405020304" pitchFamily="18" charset="0"/>
+              <a:cs typeface="Times New Roman" panose="02020603050405020304" pitchFamily="18" charset="0"/>
+            </a:endParaRPr>
           </a:p>
           <a:p>
             <a:pPr algn="ctr"/>
@@ -3966,7 +4005,39 @@
                 <a:latin typeface="Times New Roman" panose="02020603050405020304" pitchFamily="18" charset="0"/>
                 <a:cs typeface="Times New Roman" panose="02020603050405020304" pitchFamily="18" charset="0"/>
               </a:rPr>
-              <a:t> &lt;k&gt;=47</a:t>
+              <a:t> &lt;</a:t>
+            </a:r>
+            <a:r>
+              <a:rPr lang="en-US" sz="1200">
+                <a:effectLst/>
+                <a:latin typeface="Times New Roman" panose="02020603050405020304" pitchFamily="18" charset="0"/>
+                <a:ea typeface="Calibri" panose="020F0502020204030204" pitchFamily="34" charset="0"/>
+                <a:cs typeface="Times New Roman" panose="02020603050405020304" pitchFamily="18" charset="0"/>
+              </a:rPr>
+              <a:t>k</a:t>
+            </a:r>
+            <a:r>
+              <a:rPr lang="en-US" sz="1200" baseline="-25000">
+                <a:effectLst/>
+                <a:latin typeface="Times New Roman" panose="02020603050405020304" pitchFamily="18" charset="0"/>
+                <a:ea typeface="Calibri" panose="020F0502020204030204" pitchFamily="34" charset="0"/>
+                <a:cs typeface="Times New Roman" panose="02020603050405020304" pitchFamily="18" charset="0"/>
+              </a:rPr>
+              <a:t>p</a:t>
+            </a:r>
+            <a:r>
+              <a:rPr lang="en-US" sz="1200">
+                <a:latin typeface="Times New Roman" panose="02020603050405020304" pitchFamily="18" charset="0"/>
+                <a:cs typeface="Times New Roman" panose="02020603050405020304" pitchFamily="18" charset="0"/>
+              </a:rPr>
+              <a:t>&gt;=</a:t>
+            </a:r>
+            <a:r>
+              <a:rPr lang="en-US" sz="1200" dirty="0">
+                <a:latin typeface="Times New Roman" panose="02020603050405020304" pitchFamily="18" charset="0"/>
+                <a:cs typeface="Times New Roman" panose="02020603050405020304" pitchFamily="18" charset="0"/>
+              </a:rPr>
+              <a:t>47</a:t>
             </a:r>
           </a:p>
         </p:txBody>

--- a/Images/SI11.pptx
+++ b/Images/SI11.pptx
@@ -197,7 +197,7 @@
           <a:p>
             <a:fld id="{DC40427D-09B2-479E-BE2F-F1C9B7D308F4}" type="datetimeFigureOut">
               <a:rPr lang="en-US" smtClean="0"/>
-              <a:t>11/15/2021</a:t>
+              <a:t>12/11/2021</a:t>
             </a:fld>
             <a:endParaRPr lang="en-US"/>
           </a:p>
@@ -679,7 +679,7 @@
           <a:p>
             <a:fld id="{B2C42CBD-EDEC-463A-9192-0B8850A40619}" type="datetimeFigureOut">
               <a:rPr lang="en-US" smtClean="0"/>
-              <a:t>11/15/2021</a:t>
+              <a:t>12/11/2021</a:t>
             </a:fld>
             <a:endParaRPr lang="en-US"/>
           </a:p>
@@ -849,7 +849,7 @@
           <a:p>
             <a:fld id="{B2C42CBD-EDEC-463A-9192-0B8850A40619}" type="datetimeFigureOut">
               <a:rPr lang="en-US" smtClean="0"/>
-              <a:t>11/15/2021</a:t>
+              <a:t>12/11/2021</a:t>
             </a:fld>
             <a:endParaRPr lang="en-US"/>
           </a:p>
@@ -1029,7 +1029,7 @@
           <a:p>
             <a:fld id="{B2C42CBD-EDEC-463A-9192-0B8850A40619}" type="datetimeFigureOut">
               <a:rPr lang="en-US" smtClean="0"/>
-              <a:t>11/15/2021</a:t>
+              <a:t>12/11/2021</a:t>
             </a:fld>
             <a:endParaRPr lang="en-US"/>
           </a:p>
@@ -1199,7 +1199,7 @@
           <a:p>
             <a:fld id="{B2C42CBD-EDEC-463A-9192-0B8850A40619}" type="datetimeFigureOut">
               <a:rPr lang="en-US" smtClean="0"/>
-              <a:t>11/15/2021</a:t>
+              <a:t>12/11/2021</a:t>
             </a:fld>
             <a:endParaRPr lang="en-US"/>
           </a:p>
@@ -1443,7 +1443,7 @@
           <a:p>
             <a:fld id="{B2C42CBD-EDEC-463A-9192-0B8850A40619}" type="datetimeFigureOut">
               <a:rPr lang="en-US" smtClean="0"/>
-              <a:t>11/15/2021</a:t>
+              <a:t>12/11/2021</a:t>
             </a:fld>
             <a:endParaRPr lang="en-US"/>
           </a:p>
@@ -1675,7 +1675,7 @@
           <a:p>
             <a:fld id="{B2C42CBD-EDEC-463A-9192-0B8850A40619}" type="datetimeFigureOut">
               <a:rPr lang="en-US" smtClean="0"/>
-              <a:t>11/15/2021</a:t>
+              <a:t>12/11/2021</a:t>
             </a:fld>
             <a:endParaRPr lang="en-US"/>
           </a:p>
@@ -2042,7 +2042,7 @@
           <a:p>
             <a:fld id="{B2C42CBD-EDEC-463A-9192-0B8850A40619}" type="datetimeFigureOut">
               <a:rPr lang="en-US" smtClean="0"/>
-              <a:t>11/15/2021</a:t>
+              <a:t>12/11/2021</a:t>
             </a:fld>
             <a:endParaRPr lang="en-US"/>
           </a:p>
@@ -2160,7 +2160,7 @@
           <a:p>
             <a:fld id="{B2C42CBD-EDEC-463A-9192-0B8850A40619}" type="datetimeFigureOut">
               <a:rPr lang="en-US" smtClean="0"/>
-              <a:t>11/15/2021</a:t>
+              <a:t>12/11/2021</a:t>
             </a:fld>
             <a:endParaRPr lang="en-US"/>
           </a:p>
@@ -2255,7 +2255,7 @@
           <a:p>
             <a:fld id="{B2C42CBD-EDEC-463A-9192-0B8850A40619}" type="datetimeFigureOut">
               <a:rPr lang="en-US" smtClean="0"/>
-              <a:t>11/15/2021</a:t>
+              <a:t>12/11/2021</a:t>
             </a:fld>
             <a:endParaRPr lang="en-US"/>
           </a:p>
@@ -2532,7 +2532,7 @@
           <a:p>
             <a:fld id="{B2C42CBD-EDEC-463A-9192-0B8850A40619}" type="datetimeFigureOut">
               <a:rPr lang="en-US" smtClean="0"/>
-              <a:t>11/15/2021</a:t>
+              <a:t>12/11/2021</a:t>
             </a:fld>
             <a:endParaRPr lang="en-US"/>
           </a:p>
@@ -2789,7 +2789,7 @@
           <a:p>
             <a:fld id="{B2C42CBD-EDEC-463A-9192-0B8850A40619}" type="datetimeFigureOut">
               <a:rPr lang="en-US" smtClean="0"/>
-              <a:t>11/15/2021</a:t>
+              <a:t>12/11/2021</a:t>
             </a:fld>
             <a:endParaRPr lang="en-US"/>
           </a:p>
@@ -3002,7 +3002,7 @@
           <a:p>
             <a:fld id="{B2C42CBD-EDEC-463A-9192-0B8850A40619}" type="datetimeFigureOut">
               <a:rPr lang="en-US" smtClean="0"/>
-              <a:t>11/15/2021</a:t>
+              <a:t>12/11/2021</a:t>
             </a:fld>
             <a:endParaRPr lang="en-US"/>
           </a:p>
@@ -3451,8 +3451,8 @@
         </p:nvSpPr>
         <p:spPr>
           <a:xfrm>
-            <a:off x="1127375" y="302802"/>
-            <a:ext cx="1622066" cy="276999"/>
+            <a:off x="1127375" y="303689"/>
+            <a:ext cx="2092741" cy="276999"/>
           </a:xfrm>
           <a:prstGeom prst="rect">
             <a:avLst/>
@@ -3470,7 +3470,7 @@
                 <a:latin typeface="Times New Roman" panose="02020603050405020304" pitchFamily="18" charset="0"/>
                 <a:cs typeface="Times New Roman" panose="02020603050405020304" pitchFamily="18" charset="0"/>
               </a:rPr>
-              <a:t>Target degree sequence</a:t>
+              <a:t>Protein degree sequence</a:t>
             </a:r>
           </a:p>
         </p:txBody>
@@ -3728,7 +3728,7 @@
                 <a:latin typeface="Times New Roman" panose="02020603050405020304" pitchFamily="18" charset="0"/>
                 <a:cs typeface="Times New Roman" panose="02020603050405020304" pitchFamily="18" charset="0"/>
               </a:rPr>
-              <a:t>Power-law degree distribution with N=1,507</a:t>
+              <a:t>Power law degree distribution with N=1,507</a:t>
             </a:r>
           </a:p>
           <a:p>
